--- a/Math Presentation.pptx
+++ b/Math Presentation.pptx
@@ -12,25 +12,25 @@
     <p:sldId id="265" r:id="rId3"/>
     <p:sldId id="281" r:id="rId4"/>
     <p:sldId id="266" r:id="rId5"/>
-    <p:sldId id="282" r:id="rId6"/>
-    <p:sldId id="280" r:id="rId7"/>
-    <p:sldId id="267" r:id="rId8"/>
+    <p:sldId id="267" r:id="rId6"/>
+    <p:sldId id="282" r:id="rId7"/>
+    <p:sldId id="280" r:id="rId8"/>
     <p:sldId id="257" r:id="rId9"/>
     <p:sldId id="258" r:id="rId10"/>
     <p:sldId id="259" r:id="rId11"/>
-    <p:sldId id="261" r:id="rId12"/>
-    <p:sldId id="268" r:id="rId13"/>
-    <p:sldId id="278" r:id="rId14"/>
-    <p:sldId id="269" r:id="rId15"/>
-    <p:sldId id="270" r:id="rId16"/>
-    <p:sldId id="274" r:id="rId17"/>
-    <p:sldId id="273" r:id="rId18"/>
-    <p:sldId id="271" r:id="rId19"/>
-    <p:sldId id="272" r:id="rId20"/>
-    <p:sldId id="275" r:id="rId21"/>
-    <p:sldId id="277" r:id="rId22"/>
-    <p:sldId id="276" r:id="rId23"/>
-    <p:sldId id="279" r:id="rId24"/>
+    <p:sldId id="268" r:id="rId12"/>
+    <p:sldId id="278" r:id="rId13"/>
+    <p:sldId id="269" r:id="rId14"/>
+    <p:sldId id="270" r:id="rId15"/>
+    <p:sldId id="274" r:id="rId16"/>
+    <p:sldId id="273" r:id="rId17"/>
+    <p:sldId id="271" r:id="rId18"/>
+    <p:sldId id="272" r:id="rId19"/>
+    <p:sldId id="275" r:id="rId20"/>
+    <p:sldId id="277" r:id="rId21"/>
+    <p:sldId id="276" r:id="rId22"/>
+    <p:sldId id="279" r:id="rId23"/>
+    <p:sldId id="261" r:id="rId24"/>
   </p:sldIdLst>
   <p:sldSz cx="12192000" cy="6858000"/>
   <p:notesSz cx="6858000" cy="9144000"/>
@@ -219,7 +219,7 @@
           <a:p>
             <a:fld id="{E52A9969-7878-402C-ACF4-1D5E16F0B5E5}" type="datetimeFigureOut">
               <a:rPr lang="en-US" smtClean="0"/>
-              <a:t>11/24/2020</a:t>
+              <a:t>11/26/2020</a:t>
             </a:fld>
             <a:endParaRPr lang="en-US"/>
           </a:p>
@@ -817,7 +817,7 @@
           <a:p>
             <a:fld id="{4B64BAEA-EC8C-4A24-A819-DEE3AE67D28E}" type="datetimeFigureOut">
               <a:rPr lang="en-US" smtClean="0"/>
-              <a:t>11/24/2020</a:t>
+              <a:t>11/26/2020</a:t>
             </a:fld>
             <a:endParaRPr lang="en-US"/>
           </a:p>
@@ -1141,7 +1141,7 @@
           <a:p>
             <a:fld id="{4B64BAEA-EC8C-4A24-A819-DEE3AE67D28E}" type="datetimeFigureOut">
               <a:rPr lang="en-US" smtClean="0"/>
-              <a:t>11/24/2020</a:t>
+              <a:t>11/26/2020</a:t>
             </a:fld>
             <a:endParaRPr lang="en-US"/>
           </a:p>
@@ -1389,7 +1389,7 @@
           <a:p>
             <a:fld id="{4B64BAEA-EC8C-4A24-A819-DEE3AE67D28E}" type="datetimeFigureOut">
               <a:rPr lang="en-US" smtClean="0"/>
-              <a:t>11/24/2020</a:t>
+              <a:t>11/26/2020</a:t>
             </a:fld>
             <a:endParaRPr lang="en-US"/>
           </a:p>
@@ -1728,7 +1728,7 @@
           <a:p>
             <a:fld id="{4B64BAEA-EC8C-4A24-A819-DEE3AE67D28E}" type="datetimeFigureOut">
               <a:rPr lang="en-US" smtClean="0"/>
-              <a:t>11/24/2020</a:t>
+              <a:t>11/26/2020</a:t>
             </a:fld>
             <a:endParaRPr lang="en-US"/>
           </a:p>
@@ -2075,7 +2075,7 @@
           <a:p>
             <a:fld id="{4B64BAEA-EC8C-4A24-A819-DEE3AE67D28E}" type="datetimeFigureOut">
               <a:rPr lang="en-US" smtClean="0"/>
-              <a:t>11/24/2020</a:t>
+              <a:t>11/26/2020</a:t>
             </a:fld>
             <a:endParaRPr lang="en-US"/>
           </a:p>
@@ -2449,7 +2449,7 @@
           <a:p>
             <a:fld id="{4B64BAEA-EC8C-4A24-A819-DEE3AE67D28E}" type="datetimeFigureOut">
               <a:rPr lang="en-US" smtClean="0"/>
-              <a:t>11/24/2020</a:t>
+              <a:t>11/26/2020</a:t>
             </a:fld>
             <a:endParaRPr lang="en-US"/>
           </a:p>
@@ -2919,7 +2919,7 @@
           <a:p>
             <a:fld id="{4B64BAEA-EC8C-4A24-A819-DEE3AE67D28E}" type="datetimeFigureOut">
               <a:rPr lang="en-US" smtClean="0"/>
-              <a:t>11/24/2020</a:t>
+              <a:t>11/26/2020</a:t>
             </a:fld>
             <a:endParaRPr lang="en-US"/>
           </a:p>
@@ -3124,7 +3124,7 @@
           <a:p>
             <a:fld id="{4B64BAEA-EC8C-4A24-A819-DEE3AE67D28E}" type="datetimeFigureOut">
               <a:rPr lang="en-US" smtClean="0"/>
-              <a:t>11/24/2020</a:t>
+              <a:t>11/26/2020</a:t>
             </a:fld>
             <a:endParaRPr lang="en-US"/>
           </a:p>
@@ -3335,7 +3335,7 @@
           <a:p>
             <a:fld id="{4B64BAEA-EC8C-4A24-A819-DEE3AE67D28E}" type="datetimeFigureOut">
               <a:rPr lang="en-US" smtClean="0"/>
-              <a:t>11/24/2020</a:t>
+              <a:t>11/26/2020</a:t>
             </a:fld>
             <a:endParaRPr lang="en-US"/>
           </a:p>
@@ -3567,7 +3567,7 @@
           <a:p>
             <a:fld id="{4B64BAEA-EC8C-4A24-A819-DEE3AE67D28E}" type="datetimeFigureOut">
               <a:rPr lang="en-US" smtClean="0"/>
-              <a:t>11/24/2020</a:t>
+              <a:t>11/26/2020</a:t>
             </a:fld>
             <a:endParaRPr lang="en-US"/>
           </a:p>
@@ -3815,7 +3815,7 @@
           <a:p>
             <a:fld id="{4B64BAEA-EC8C-4A24-A819-DEE3AE67D28E}" type="datetimeFigureOut">
               <a:rPr lang="en-US" smtClean="0"/>
-              <a:t>11/24/2020</a:t>
+              <a:t>11/26/2020</a:t>
             </a:fld>
             <a:endParaRPr lang="en-US"/>
           </a:p>
@@ -4113,7 +4113,7 @@
           <a:p>
             <a:fld id="{4B64BAEA-EC8C-4A24-A819-DEE3AE67D28E}" type="datetimeFigureOut">
               <a:rPr lang="en-US" smtClean="0"/>
-              <a:t>11/24/2020</a:t>
+              <a:t>11/26/2020</a:t>
             </a:fld>
             <a:endParaRPr lang="en-US"/>
           </a:p>
@@ -4507,7 +4507,7 @@
           <a:p>
             <a:fld id="{4B64BAEA-EC8C-4A24-A819-DEE3AE67D28E}" type="datetimeFigureOut">
               <a:rPr lang="en-US" smtClean="0"/>
-              <a:t>11/24/2020</a:t>
+              <a:t>11/26/2020</a:t>
             </a:fld>
             <a:endParaRPr lang="en-US"/>
           </a:p>
@@ -4656,7 +4656,7 @@
           <a:p>
             <a:fld id="{4B64BAEA-EC8C-4A24-A819-DEE3AE67D28E}" type="datetimeFigureOut">
               <a:rPr lang="en-US" smtClean="0"/>
-              <a:t>11/24/2020</a:t>
+              <a:t>11/26/2020</a:t>
             </a:fld>
             <a:endParaRPr lang="en-US"/>
           </a:p>
@@ -4782,7 +4782,7 @@
           <a:p>
             <a:fld id="{4B64BAEA-EC8C-4A24-A819-DEE3AE67D28E}" type="datetimeFigureOut">
               <a:rPr lang="en-US" smtClean="0"/>
-              <a:t>11/24/2020</a:t>
+              <a:t>11/26/2020</a:t>
             </a:fld>
             <a:endParaRPr lang="en-US"/>
           </a:p>
@@ -5037,7 +5037,7 @@
           <a:p>
             <a:fld id="{4B64BAEA-EC8C-4A24-A819-DEE3AE67D28E}" type="datetimeFigureOut">
               <a:rPr lang="en-US" smtClean="0"/>
-              <a:t>11/24/2020</a:t>
+              <a:t>11/26/2020</a:t>
             </a:fld>
             <a:endParaRPr lang="en-US"/>
           </a:p>
@@ -5352,7 +5352,7 @@
           <a:p>
             <a:fld id="{4B64BAEA-EC8C-4A24-A819-DEE3AE67D28E}" type="datetimeFigureOut">
               <a:rPr lang="en-US" smtClean="0"/>
-              <a:t>11/24/2020</a:t>
+              <a:t>11/26/2020</a:t>
             </a:fld>
             <a:endParaRPr lang="en-US"/>
           </a:p>
@@ -5703,7 +5703,7 @@
           <a:p>
             <a:fld id="{4B64BAEA-EC8C-4A24-A819-DEE3AE67D28E}" type="datetimeFigureOut">
               <a:rPr lang="en-US" smtClean="0"/>
-              <a:t>11/24/2020</a:t>
+              <a:t>11/26/2020</a:t>
             </a:fld>
             <a:endParaRPr lang="en-US"/>
           </a:p>
@@ -8236,600 +8236,6 @@
           <a:chExt cx="0" cy="0"/>
         </a:xfrm>
       </p:grpSpPr>
-      <mc:AlternateContent xmlns:mc="http://schemas.openxmlformats.org/markup-compatibility/2006" xmlns:a14="http://schemas.microsoft.com/office/drawing/2010/main">
-        <mc:Choice Requires="a14">
-          <p:sp>
-            <p:nvSpPr>
-              <p:cNvPr id="4" name="TextBox 3">
-                <a:extLst>
-                  <a:ext uri="{FF2B5EF4-FFF2-40B4-BE49-F238E27FC236}">
-                    <a16:creationId xmlns:a16="http://schemas.microsoft.com/office/drawing/2014/main" id="{D20F929D-96D0-4AE2-90F7-8BC3E1A20CA3}"/>
-                  </a:ext>
-                </a:extLst>
-              </p:cNvPr>
-              <p:cNvSpPr txBox="1"/>
-              <p:nvPr/>
-            </p:nvSpPr>
-            <p:spPr>
-              <a:xfrm>
-                <a:off x="1391478" y="1845928"/>
-                <a:ext cx="9409043" cy="3269869"/>
-              </a:xfrm>
-              <a:prstGeom prst="rect">
-                <a:avLst/>
-              </a:prstGeom>
-              <a:noFill/>
-            </p:spPr>
-            <p:txBody>
-              <a:bodyPr wrap="square" rtlCol="0">
-                <a:spAutoFit/>
-              </a:bodyPr>
-              <a:lstStyle/>
-              <a:p>
-                <a:r>
-                  <a:rPr lang="de-DE" sz="2400" dirty="0">
-                    <a:solidFill>
-                      <a:srgbClr val="0070C0"/>
-                    </a:solidFill>
-                    <a:latin typeface="Cambria Math" panose="02040503050406030204" pitchFamily="18" charset="0"/>
-                    <a:ea typeface="Cambria Math" panose="02040503050406030204" pitchFamily="18" charset="0"/>
-                  </a:rPr>
-                  <a:t>THEOREM 4—The Sandwich Theorem</a:t>
-                </a:r>
-              </a:p>
-              <a:p>
-                <a:endParaRPr lang="de-DE" sz="2400" dirty="0">
-                  <a:latin typeface="Cambria Math" panose="02040503050406030204" pitchFamily="18" charset="0"/>
-                  <a:ea typeface="Cambria Math" panose="02040503050406030204" pitchFamily="18" charset="0"/>
-                </a:endParaRPr>
-              </a:p>
-              <a:p>
-                <a:r>
-                  <a:rPr lang="en-US" sz="2400" dirty="0">
-                    <a:latin typeface="Cambria Math" panose="02040503050406030204" pitchFamily="18" charset="0"/>
-                    <a:ea typeface="Cambria Math" panose="02040503050406030204" pitchFamily="18" charset="0"/>
-                  </a:rPr>
-                  <a:t>Suppose that </a:t>
-                </a:r>
-                <a14:m>
-                  <m:oMath xmlns:m="http://schemas.openxmlformats.org/officeDocument/2006/math">
-                    <m:r>
-                      <a:rPr lang="en-US" sz="2400" b="0" i="1" smtClean="0">
-                        <a:latin typeface="Cambria Math" panose="02040503050406030204" pitchFamily="18" charset="0"/>
-                        <a:ea typeface="Cambria Math" panose="02040503050406030204" pitchFamily="18" charset="0"/>
-                      </a:rPr>
-                      <m:t>𝑔</m:t>
-                    </m:r>
-                    <m:d>
-                      <m:dPr>
-                        <m:ctrlPr>
-                          <a:rPr lang="en-US" sz="2400" b="0" i="1" smtClean="0">
-                            <a:latin typeface="Cambria Math" panose="02040503050406030204" pitchFamily="18" charset="0"/>
-                            <a:ea typeface="Cambria Math" panose="02040503050406030204" pitchFamily="18" charset="0"/>
-                          </a:rPr>
-                        </m:ctrlPr>
-                      </m:dPr>
-                      <m:e>
-                        <m:r>
-                          <a:rPr lang="en-US" sz="2400" b="0" i="1" smtClean="0">
-                            <a:latin typeface="Cambria Math" panose="02040503050406030204" pitchFamily="18" charset="0"/>
-                            <a:ea typeface="Cambria Math" panose="02040503050406030204" pitchFamily="18" charset="0"/>
-                          </a:rPr>
-                          <m:t>𝑥</m:t>
-                        </m:r>
-                      </m:e>
-                    </m:d>
-                    <m:r>
-                      <a:rPr lang="en-US" sz="2400" b="0" i="1" smtClean="0">
-                        <a:latin typeface="Cambria Math" panose="02040503050406030204" pitchFamily="18" charset="0"/>
-                        <a:ea typeface="Cambria Math" panose="02040503050406030204" pitchFamily="18" charset="0"/>
-                      </a:rPr>
-                      <m:t>≤</m:t>
-                    </m:r>
-                    <m:r>
-                      <a:rPr lang="en-US" sz="2400" b="0" i="1" smtClean="0">
-                        <a:latin typeface="Cambria Math" panose="02040503050406030204" pitchFamily="18" charset="0"/>
-                        <a:ea typeface="Cambria Math" panose="02040503050406030204" pitchFamily="18" charset="0"/>
-                      </a:rPr>
-                      <m:t>𝑓</m:t>
-                    </m:r>
-                    <m:d>
-                      <m:dPr>
-                        <m:ctrlPr>
-                          <a:rPr lang="en-US" sz="2400" b="0" i="1" smtClean="0">
-                            <a:latin typeface="Cambria Math" panose="02040503050406030204" pitchFamily="18" charset="0"/>
-                            <a:ea typeface="Cambria Math" panose="02040503050406030204" pitchFamily="18" charset="0"/>
-                          </a:rPr>
-                        </m:ctrlPr>
-                      </m:dPr>
-                      <m:e>
-                        <m:r>
-                          <a:rPr lang="en-US" sz="2400" b="0" i="1" smtClean="0">
-                            <a:latin typeface="Cambria Math" panose="02040503050406030204" pitchFamily="18" charset="0"/>
-                            <a:ea typeface="Cambria Math" panose="02040503050406030204" pitchFamily="18" charset="0"/>
-                          </a:rPr>
-                          <m:t>𝑥</m:t>
-                        </m:r>
-                      </m:e>
-                    </m:d>
-                    <m:r>
-                      <a:rPr lang="en-US" sz="2400" b="0" i="1" smtClean="0">
-                        <a:latin typeface="Cambria Math" panose="02040503050406030204" pitchFamily="18" charset="0"/>
-                        <a:ea typeface="Cambria Math" panose="02040503050406030204" pitchFamily="18" charset="0"/>
-                      </a:rPr>
-                      <m:t>≤</m:t>
-                    </m:r>
-                    <m:r>
-                      <a:rPr lang="en-US" sz="2400" b="0" i="1" smtClean="0">
-                        <a:latin typeface="Cambria Math" panose="02040503050406030204" pitchFamily="18" charset="0"/>
-                        <a:ea typeface="Cambria Math" panose="02040503050406030204" pitchFamily="18" charset="0"/>
-                      </a:rPr>
-                      <m:t>h</m:t>
-                    </m:r>
-                    <m:d>
-                      <m:dPr>
-                        <m:ctrlPr>
-                          <a:rPr lang="en-US" sz="2400" b="0" i="1" smtClean="0">
-                            <a:latin typeface="Cambria Math" panose="02040503050406030204" pitchFamily="18" charset="0"/>
-                            <a:ea typeface="Cambria Math" panose="02040503050406030204" pitchFamily="18" charset="0"/>
-                          </a:rPr>
-                        </m:ctrlPr>
-                      </m:dPr>
-                      <m:e>
-                        <m:r>
-                          <a:rPr lang="en-US" sz="2400" b="0" i="1" smtClean="0">
-                            <a:latin typeface="Cambria Math" panose="02040503050406030204" pitchFamily="18" charset="0"/>
-                            <a:ea typeface="Cambria Math" panose="02040503050406030204" pitchFamily="18" charset="0"/>
-                          </a:rPr>
-                          <m:t>𝑥</m:t>
-                        </m:r>
-                      </m:e>
-                    </m:d>
-                  </m:oMath>
-                </a14:m>
-                <a:r>
-                  <a:rPr lang="en-US" sz="2400" dirty="0">
-                    <a:latin typeface="Cambria Math" panose="02040503050406030204" pitchFamily="18" charset="0"/>
-                    <a:ea typeface="Cambria Math" panose="02040503050406030204" pitchFamily="18" charset="0"/>
-                  </a:rPr>
-                  <a:t> for all x in some open interval containing c, except possibly at x = c itself. Suppose also that</a:t>
-                </a:r>
-              </a:p>
-              <a:p>
-                <a:r>
-                  <a:rPr lang="en-US" sz="2400" dirty="0">
-                    <a:ea typeface="Cambria Math" panose="02040503050406030204" pitchFamily="18" charset="0"/>
-                  </a:rPr>
-                  <a:t>	</a:t>
-                </a:r>
-              </a:p>
-              <a:p>
-                <a:r>
-                  <a:rPr lang="en-US" sz="2400" dirty="0">
-                    <a:ea typeface="Cambria Math" panose="02040503050406030204" pitchFamily="18" charset="0"/>
-                  </a:rPr>
-                  <a:t>		       </a:t>
-                </a:r>
-                <a14:m>
-                  <m:oMath xmlns:m="http://schemas.openxmlformats.org/officeDocument/2006/math">
-                    <m:func>
-                      <m:funcPr>
-                        <m:ctrlPr>
-                          <a:rPr lang="en-US" sz="2400" i="1" smtClean="0">
-                            <a:latin typeface="Cambria Math" panose="02040503050406030204" pitchFamily="18" charset="0"/>
-                            <a:ea typeface="Cambria Math" panose="02040503050406030204" pitchFamily="18" charset="0"/>
-                          </a:rPr>
-                        </m:ctrlPr>
-                      </m:funcPr>
-                      <m:fName>
-                        <m:limLow>
-                          <m:limLowPr>
-                            <m:ctrlPr>
-                              <a:rPr lang="en-US" sz="2400" i="1" smtClean="0">
-                                <a:latin typeface="Cambria Math" panose="02040503050406030204" pitchFamily="18" charset="0"/>
-                                <a:ea typeface="Cambria Math" panose="02040503050406030204" pitchFamily="18" charset="0"/>
-                              </a:rPr>
-                            </m:ctrlPr>
-                          </m:limLowPr>
-                          <m:e>
-                            <m:r>
-                              <m:rPr>
-                                <m:sty m:val="p"/>
-                              </m:rPr>
-                              <a:rPr lang="en-US" sz="2400" i="0" smtClean="0">
-                                <a:latin typeface="Cambria Math" panose="02040503050406030204" pitchFamily="18" charset="0"/>
-                                <a:ea typeface="Cambria Math" panose="02040503050406030204" pitchFamily="18" charset="0"/>
-                              </a:rPr>
-                              <m:t>lim</m:t>
-                            </m:r>
-                          </m:e>
-                          <m:lim>
-                            <m:r>
-                              <a:rPr lang="en-US" sz="2400" b="0" i="1" smtClean="0">
-                                <a:latin typeface="Cambria Math" panose="02040503050406030204" pitchFamily="18" charset="0"/>
-                                <a:ea typeface="Cambria Math" panose="02040503050406030204" pitchFamily="18" charset="0"/>
-                              </a:rPr>
-                              <m:t>𝑥</m:t>
-                            </m:r>
-                            <m:r>
-                              <a:rPr lang="en-US" sz="2400" b="0" i="1" smtClean="0">
-                                <a:latin typeface="Cambria Math" panose="02040503050406030204" pitchFamily="18" charset="0"/>
-                                <a:ea typeface="Cambria Math" panose="02040503050406030204" pitchFamily="18" charset="0"/>
-                              </a:rPr>
-                              <m:t>→</m:t>
-                            </m:r>
-                            <m:r>
-                              <a:rPr lang="en-US" sz="2400" b="0" i="1" smtClean="0">
-                                <a:latin typeface="Cambria Math" panose="02040503050406030204" pitchFamily="18" charset="0"/>
-                                <a:ea typeface="Cambria Math" panose="02040503050406030204" pitchFamily="18" charset="0"/>
-                              </a:rPr>
-                              <m:t>𝑐</m:t>
-                            </m:r>
-                          </m:lim>
-                        </m:limLow>
-                      </m:fName>
-                      <m:e>
-                        <m:r>
-                          <a:rPr lang="en-US" sz="2400" b="0" i="1" smtClean="0">
-                            <a:latin typeface="Cambria Math" panose="02040503050406030204" pitchFamily="18" charset="0"/>
-                            <a:ea typeface="Cambria Math" panose="02040503050406030204" pitchFamily="18" charset="0"/>
-                          </a:rPr>
-                          <m:t>𝑔</m:t>
-                        </m:r>
-                        <m:d>
-                          <m:dPr>
-                            <m:ctrlPr>
-                              <a:rPr lang="en-US" sz="2400" b="0" i="1" smtClean="0">
-                                <a:latin typeface="Cambria Math" panose="02040503050406030204" pitchFamily="18" charset="0"/>
-                                <a:ea typeface="Cambria Math" panose="02040503050406030204" pitchFamily="18" charset="0"/>
-                              </a:rPr>
-                            </m:ctrlPr>
-                          </m:dPr>
-                          <m:e>
-                            <m:r>
-                              <a:rPr lang="en-US" sz="2400" b="0" i="1" smtClean="0">
-                                <a:latin typeface="Cambria Math" panose="02040503050406030204" pitchFamily="18" charset="0"/>
-                                <a:ea typeface="Cambria Math" panose="02040503050406030204" pitchFamily="18" charset="0"/>
-                              </a:rPr>
-                              <m:t>𝑥</m:t>
-                            </m:r>
-                          </m:e>
-                        </m:d>
-                        <m:r>
-                          <a:rPr lang="en-US" sz="2400" b="0" i="1" smtClean="0">
-                            <a:latin typeface="Cambria Math" panose="02040503050406030204" pitchFamily="18" charset="0"/>
-                            <a:ea typeface="Cambria Math" panose="02040503050406030204" pitchFamily="18" charset="0"/>
-                          </a:rPr>
-                          <m:t>=</m:t>
-                        </m:r>
-                      </m:e>
-                    </m:func>
-                    <m:func>
-                      <m:funcPr>
-                        <m:ctrlPr>
-                          <a:rPr lang="en-US" sz="2400" i="1">
-                            <a:latin typeface="Cambria Math" panose="02040503050406030204" pitchFamily="18" charset="0"/>
-                            <a:ea typeface="Cambria Math" panose="02040503050406030204" pitchFamily="18" charset="0"/>
-                          </a:rPr>
-                        </m:ctrlPr>
-                      </m:funcPr>
-                      <m:fName>
-                        <m:limLow>
-                          <m:limLowPr>
-                            <m:ctrlPr>
-                              <a:rPr lang="en-US" sz="2400" i="1">
-                                <a:latin typeface="Cambria Math" panose="02040503050406030204" pitchFamily="18" charset="0"/>
-                                <a:ea typeface="Cambria Math" panose="02040503050406030204" pitchFamily="18" charset="0"/>
-                              </a:rPr>
-                            </m:ctrlPr>
-                          </m:limLowPr>
-                          <m:e>
-                            <m:r>
-                              <m:rPr>
-                                <m:sty m:val="p"/>
-                              </m:rPr>
-                              <a:rPr lang="en-US" sz="2400">
-                                <a:latin typeface="Cambria Math" panose="02040503050406030204" pitchFamily="18" charset="0"/>
-                                <a:ea typeface="Cambria Math" panose="02040503050406030204" pitchFamily="18" charset="0"/>
-                              </a:rPr>
-                              <m:t>lim</m:t>
-                            </m:r>
-                          </m:e>
-                          <m:lim>
-                            <m:r>
-                              <a:rPr lang="en-US" sz="2400" i="1">
-                                <a:latin typeface="Cambria Math" panose="02040503050406030204" pitchFamily="18" charset="0"/>
-                                <a:ea typeface="Cambria Math" panose="02040503050406030204" pitchFamily="18" charset="0"/>
-                              </a:rPr>
-                              <m:t>𝑥</m:t>
-                            </m:r>
-                            <m:r>
-                              <a:rPr lang="en-US" sz="2400" i="1">
-                                <a:latin typeface="Cambria Math" panose="02040503050406030204" pitchFamily="18" charset="0"/>
-                                <a:ea typeface="Cambria Math" panose="02040503050406030204" pitchFamily="18" charset="0"/>
-                              </a:rPr>
-                              <m:t>→</m:t>
-                            </m:r>
-                            <m:r>
-                              <a:rPr lang="en-US" sz="2400" i="1">
-                                <a:latin typeface="Cambria Math" panose="02040503050406030204" pitchFamily="18" charset="0"/>
-                                <a:ea typeface="Cambria Math" panose="02040503050406030204" pitchFamily="18" charset="0"/>
-                              </a:rPr>
-                              <m:t>𝑐</m:t>
-                            </m:r>
-                          </m:lim>
-                        </m:limLow>
-                      </m:fName>
-                      <m:e>
-                        <m:r>
-                          <a:rPr lang="en-US" sz="2400" b="0" i="1" smtClean="0">
-                            <a:latin typeface="Cambria Math" panose="02040503050406030204" pitchFamily="18" charset="0"/>
-                            <a:ea typeface="Cambria Math" panose="02040503050406030204" pitchFamily="18" charset="0"/>
-                          </a:rPr>
-                          <m:t>h</m:t>
-                        </m:r>
-                        <m:d>
-                          <m:dPr>
-                            <m:ctrlPr>
-                              <a:rPr lang="en-US" sz="2400" i="1">
-                                <a:latin typeface="Cambria Math" panose="02040503050406030204" pitchFamily="18" charset="0"/>
-                                <a:ea typeface="Cambria Math" panose="02040503050406030204" pitchFamily="18" charset="0"/>
-                              </a:rPr>
-                            </m:ctrlPr>
-                          </m:dPr>
-                          <m:e>
-                            <m:r>
-                              <a:rPr lang="en-US" sz="2400" i="1">
-                                <a:latin typeface="Cambria Math" panose="02040503050406030204" pitchFamily="18" charset="0"/>
-                                <a:ea typeface="Cambria Math" panose="02040503050406030204" pitchFamily="18" charset="0"/>
-                              </a:rPr>
-                              <m:t>𝑥</m:t>
-                            </m:r>
-                          </m:e>
-                        </m:d>
-                        <m:r>
-                          <a:rPr lang="en-US" sz="2400" i="1">
-                            <a:latin typeface="Cambria Math" panose="02040503050406030204" pitchFamily="18" charset="0"/>
-                            <a:ea typeface="Cambria Math" panose="02040503050406030204" pitchFamily="18" charset="0"/>
-                          </a:rPr>
-                          <m:t>=</m:t>
-                        </m:r>
-                        <m:r>
-                          <a:rPr lang="en-US" sz="2400" b="0" i="1" smtClean="0">
-                            <a:latin typeface="Cambria Math" panose="02040503050406030204" pitchFamily="18" charset="0"/>
-                            <a:ea typeface="Cambria Math" panose="02040503050406030204" pitchFamily="18" charset="0"/>
-                          </a:rPr>
-                          <m:t>𝐿</m:t>
-                        </m:r>
-                      </m:e>
-                    </m:func>
-                    <m:r>
-                      <a:rPr lang="en-US" sz="2400" b="0" i="1" smtClean="0">
-                        <a:latin typeface="Cambria Math" panose="02040503050406030204" pitchFamily="18" charset="0"/>
-                        <a:ea typeface="Cambria Math" panose="02040503050406030204" pitchFamily="18" charset="0"/>
-                      </a:rPr>
-                      <m:t> </m:t>
-                    </m:r>
-                  </m:oMath>
-                </a14:m>
-                <a:r>
-                  <a:rPr lang="en-US" sz="2400" dirty="0">
-                    <a:latin typeface="Cambria Math" panose="02040503050406030204" pitchFamily="18" charset="0"/>
-                    <a:ea typeface="Cambria Math" panose="02040503050406030204" pitchFamily="18" charset="0"/>
-                  </a:rPr>
-                  <a:t> </a:t>
-                </a:r>
-              </a:p>
-              <a:p>
-                <a:endParaRPr lang="en-US" sz="2400" b="0" i="1" dirty="0">
-                  <a:latin typeface="Cambria Math" panose="02040503050406030204" pitchFamily="18" charset="0"/>
-                  <a:ea typeface="Cambria Math" panose="02040503050406030204" pitchFamily="18" charset="0"/>
-                </a:endParaRPr>
-              </a:p>
-              <a:p>
-                <a14:m>
-                  <m:oMath xmlns:m="http://schemas.openxmlformats.org/officeDocument/2006/math">
-                    <m:r>
-                      <a:rPr lang="en-US" sz="2400" b="0" i="1" smtClean="0">
-                        <a:latin typeface="Cambria Math" panose="02040503050406030204" pitchFamily="18" charset="0"/>
-                        <a:ea typeface="Cambria Math" panose="02040503050406030204" pitchFamily="18" charset="0"/>
-                      </a:rPr>
-                      <m:t>𝑇h𝑒𝑛</m:t>
-                    </m:r>
-                    <m:r>
-                      <a:rPr lang="en-US" sz="2400" b="0" i="1" smtClean="0">
-                        <a:latin typeface="Cambria Math" panose="02040503050406030204" pitchFamily="18" charset="0"/>
-                        <a:ea typeface="Cambria Math" panose="02040503050406030204" pitchFamily="18" charset="0"/>
-                      </a:rPr>
-                      <m:t>,         </m:t>
-                    </m:r>
-                    <m:func>
-                      <m:funcPr>
-                        <m:ctrlPr>
-                          <a:rPr lang="en-US" sz="2400" b="0" i="1" smtClean="0">
-                            <a:latin typeface="Cambria Math" panose="02040503050406030204" pitchFamily="18" charset="0"/>
-                            <a:ea typeface="Cambria Math" panose="02040503050406030204" pitchFamily="18" charset="0"/>
-                          </a:rPr>
-                        </m:ctrlPr>
-                      </m:funcPr>
-                      <m:fName>
-                        <m:limLow>
-                          <m:limLowPr>
-                            <m:ctrlPr>
-                              <a:rPr lang="en-US" sz="2400" b="0" i="1" smtClean="0">
-                                <a:latin typeface="Cambria Math" panose="02040503050406030204" pitchFamily="18" charset="0"/>
-                                <a:ea typeface="Cambria Math" panose="02040503050406030204" pitchFamily="18" charset="0"/>
-                              </a:rPr>
-                            </m:ctrlPr>
-                          </m:limLowPr>
-                          <m:e>
-                            <m:r>
-                              <m:rPr>
-                                <m:sty m:val="p"/>
-                              </m:rPr>
-                              <a:rPr lang="en-US" sz="2400" b="0" i="0" smtClean="0">
-                                <a:latin typeface="Cambria Math" panose="02040503050406030204" pitchFamily="18" charset="0"/>
-                                <a:ea typeface="Cambria Math" panose="02040503050406030204" pitchFamily="18" charset="0"/>
-                              </a:rPr>
-                              <m:t>lim</m:t>
-                            </m:r>
-                          </m:e>
-                          <m:lim>
-                            <m:r>
-                              <a:rPr lang="en-US" sz="2400" b="0" i="1" smtClean="0">
-                                <a:latin typeface="Cambria Math" panose="02040503050406030204" pitchFamily="18" charset="0"/>
-                                <a:ea typeface="Cambria Math" panose="02040503050406030204" pitchFamily="18" charset="0"/>
-                              </a:rPr>
-                              <m:t>𝑥</m:t>
-                            </m:r>
-                            <m:r>
-                              <a:rPr lang="en-US" sz="2400" b="0" i="1" smtClean="0">
-                                <a:latin typeface="Cambria Math" panose="02040503050406030204" pitchFamily="18" charset="0"/>
-                                <a:ea typeface="Cambria Math" panose="02040503050406030204" pitchFamily="18" charset="0"/>
-                              </a:rPr>
-                              <m:t>→</m:t>
-                            </m:r>
-                            <m:r>
-                              <a:rPr lang="en-US" sz="2400" b="0" i="1" smtClean="0">
-                                <a:latin typeface="Cambria Math" panose="02040503050406030204" pitchFamily="18" charset="0"/>
-                                <a:ea typeface="Cambria Math" panose="02040503050406030204" pitchFamily="18" charset="0"/>
-                              </a:rPr>
-                              <m:t>𝑐</m:t>
-                            </m:r>
-                          </m:lim>
-                        </m:limLow>
-                      </m:fName>
-                      <m:e>
-                        <m:r>
-                          <a:rPr lang="en-US" sz="2400" b="0" i="1" smtClean="0">
-                            <a:latin typeface="Cambria Math" panose="02040503050406030204" pitchFamily="18" charset="0"/>
-                            <a:ea typeface="Cambria Math" panose="02040503050406030204" pitchFamily="18" charset="0"/>
-                          </a:rPr>
-                          <m:t>𝑓</m:t>
-                        </m:r>
-                        <m:d>
-                          <m:dPr>
-                            <m:ctrlPr>
-                              <a:rPr lang="en-US" sz="2400" b="0" i="1" smtClean="0">
-                                <a:latin typeface="Cambria Math" panose="02040503050406030204" pitchFamily="18" charset="0"/>
-                                <a:ea typeface="Cambria Math" panose="02040503050406030204" pitchFamily="18" charset="0"/>
-                              </a:rPr>
-                            </m:ctrlPr>
-                          </m:dPr>
-                          <m:e>
-                            <m:r>
-                              <a:rPr lang="en-US" sz="2400" b="0" i="1" smtClean="0">
-                                <a:latin typeface="Cambria Math" panose="02040503050406030204" pitchFamily="18" charset="0"/>
-                                <a:ea typeface="Cambria Math" panose="02040503050406030204" pitchFamily="18" charset="0"/>
-                              </a:rPr>
-                              <m:t>𝑥</m:t>
-                            </m:r>
-                          </m:e>
-                        </m:d>
-                      </m:e>
-                    </m:func>
-                    <m:r>
-                      <a:rPr lang="en-US" sz="2400" b="0" i="1" smtClean="0">
-                        <a:latin typeface="Cambria Math" panose="02040503050406030204" pitchFamily="18" charset="0"/>
-                        <a:ea typeface="Cambria Math" panose="02040503050406030204" pitchFamily="18" charset="0"/>
-                      </a:rPr>
-                      <m:t>=</m:t>
-                    </m:r>
-                    <m:r>
-                      <a:rPr lang="en-US" sz="2400" b="0" i="1" smtClean="0">
-                        <a:latin typeface="Cambria Math" panose="02040503050406030204" pitchFamily="18" charset="0"/>
-                        <a:ea typeface="Cambria Math" panose="02040503050406030204" pitchFamily="18" charset="0"/>
-                      </a:rPr>
-                      <m:t>𝐿</m:t>
-                    </m:r>
-                  </m:oMath>
-                </a14:m>
-                <a:r>
-                  <a:rPr lang="en-US" sz="2400" dirty="0">
-                    <a:latin typeface="Cambria Math" panose="02040503050406030204" pitchFamily="18" charset="0"/>
-                    <a:ea typeface="Cambria Math" panose="02040503050406030204" pitchFamily="18" charset="0"/>
-                  </a:rPr>
-                  <a:t> </a:t>
-                </a:r>
-              </a:p>
-            </p:txBody>
-          </p:sp>
-        </mc:Choice>
-        <mc:Fallback xmlns="">
-          <p:sp>
-            <p:nvSpPr>
-              <p:cNvPr id="4" name="TextBox 3">
-                <a:extLst>
-                  <a:ext uri="{FF2B5EF4-FFF2-40B4-BE49-F238E27FC236}">
-                    <a16:creationId xmlns:a16="http://schemas.microsoft.com/office/drawing/2014/main" id="{D20F929D-96D0-4AE2-90F7-8BC3E1A20CA3}"/>
-                  </a:ext>
-                </a:extLst>
-              </p:cNvPr>
-              <p:cNvSpPr txBox="1">
-                <a:spLocks noRot="1" noChangeAspect="1" noMove="1" noResize="1" noEditPoints="1" noAdjustHandles="1" noChangeArrowheads="1" noChangeShapeType="1" noTextEdit="1"/>
-              </p:cNvSpPr>
-              <p:nvPr/>
-            </p:nvSpPr>
-            <p:spPr>
-              <a:xfrm>
-                <a:off x="1391478" y="1845928"/>
-                <a:ext cx="9409043" cy="3269869"/>
-              </a:xfrm>
-              <a:prstGeom prst="rect">
-                <a:avLst/>
-              </a:prstGeom>
-              <a:blipFill>
-                <a:blip r:embed="rId2"/>
-                <a:stretch>
-                  <a:fillRect l="-972" t="-1493"/>
-                </a:stretch>
-              </a:blipFill>
-            </p:spPr>
-            <p:txBody>
-              <a:bodyPr/>
-              <a:lstStyle/>
-              <a:p>
-                <a:r>
-                  <a:rPr lang="en-US">
-                    <a:noFill/>
-                  </a:rPr>
-                  <a:t> </a:t>
-                </a:r>
-              </a:p>
-            </p:txBody>
-          </p:sp>
-        </mc:Fallback>
-      </mc:AlternateContent>
-    </p:spTree>
-    <p:extLst>
-      <p:ext uri="{BB962C8B-B14F-4D97-AF65-F5344CB8AC3E}">
-        <p14:creationId xmlns:p14="http://schemas.microsoft.com/office/powerpoint/2010/main" val="1102805211"/>
-      </p:ext>
-    </p:extLst>
-  </p:cSld>
-  <p:clrMapOvr>
-    <a:masterClrMapping/>
-  </p:clrMapOvr>
-</p:sld>
-</file>
-
-<file path=ppt/slides/slide12.xml><?xml version="1.0" encoding="utf-8"?>
-<p:sld xmlns:a="http://schemas.openxmlformats.org/drawingml/2006/main" xmlns:r="http://schemas.openxmlformats.org/officeDocument/2006/relationships" xmlns:p="http://schemas.openxmlformats.org/presentationml/2006/main">
-  <p:cSld>
-    <p:spTree>
-      <p:nvGrpSpPr>
-        <p:cNvPr id="1" name=""/>
-        <p:cNvGrpSpPr/>
-        <p:nvPr/>
-      </p:nvGrpSpPr>
-      <p:grpSpPr>
-        <a:xfrm>
-          <a:off x="0" y="0"/>
-          <a:ext cx="0" cy="0"/>
-          <a:chOff x="0" y="0"/>
-          <a:chExt cx="0" cy="0"/>
-        </a:xfrm>
-      </p:grpSpPr>
       <p:sp>
         <p:nvSpPr>
           <p:cNvPr id="2" name="Title 1">
@@ -8852,26 +8258,31 @@
           <a:lstStyle/>
           <a:p>
             <a:r>
-              <a:rPr lang="en-US" dirty="0" err="1">
+              <a:rPr lang="en-US" dirty="0" err="1" smtClean="0">
                 <a:solidFill>
                   <a:srgbClr val="0070C0"/>
                 </a:solidFill>
               </a:rPr>
-              <a:t>Existency</a:t>
+              <a:t>Existance</a:t>
             </a:r>
             <a:r>
-              <a:rPr lang="en-US" dirty="0">
+              <a:rPr lang="en-US" dirty="0" smtClean="0">
                 <a:solidFill>
                   <a:srgbClr val="0070C0"/>
                 </a:solidFill>
               </a:rPr>
-              <a:t> </a:t>
+              <a:t> at any point</a:t>
             </a:r>
+            <a:endParaRPr lang="en-US" dirty="0">
+              <a:solidFill>
+                <a:srgbClr val="0070C0"/>
+              </a:solidFill>
+            </a:endParaRPr>
           </a:p>
         </p:txBody>
       </p:sp>
-      <mc:AlternateContent xmlns:mc="http://schemas.openxmlformats.org/markup-compatibility/2006" xmlns:a14="http://schemas.microsoft.com/office/drawing/2010/main">
-        <mc:Choice Requires="a14">
+      <mc:AlternateContent xmlns:mc="http://schemas.openxmlformats.org/markup-compatibility/2006">
+        <mc:Choice xmlns:a14="http://schemas.microsoft.com/office/drawing/2010/main" Requires="a14">
           <p:sp>
             <p:nvSpPr>
               <p:cNvPr id="4" name="TextBox 3">
@@ -8887,7 +8298,7 @@
             <p:spPr>
               <a:xfrm>
                 <a:off x="1295402" y="2650435"/>
-                <a:ext cx="9601196" cy="3056286"/>
+                <a:ext cx="9601196" cy="1414105"/>
               </a:xfrm>
               <a:prstGeom prst="rect">
                 <a:avLst/>
@@ -8902,111 +8313,23 @@
               <a:p>
                 <a:pPr algn="l"/>
                 <a:r>
-                  <a:rPr lang="en-US" sz="2000" u="none" strike="noStrike" baseline="0" dirty="0">
-                    <a:latin typeface="Cambria Math" panose="02040503050406030204" pitchFamily="18" charset="0"/>
-                    <a:ea typeface="Cambria Math" panose="02040503050406030204" pitchFamily="18" charset="0"/>
-                  </a:rPr>
-                  <a:t>Let c be a real number that is either an interior point or an endpoint of an interval in the domain of ƒ. The function ƒ is continuous at c if </a:t>
-                </a:r>
-              </a:p>
-              <a:p>
-                <a:pPr algn="ctr"/>
+                  <a:rPr lang="en-US" sz="2000" u="none" strike="noStrike" baseline="0" dirty="0" smtClean="0">
+                    <a:latin typeface="Cambria Math" panose="02040503050406030204" pitchFamily="18" charset="0"/>
+                    <a:ea typeface="Cambria Math" panose="02040503050406030204" pitchFamily="18" charset="0"/>
+                  </a:rPr>
+                  <a:t>There exists limit</a:t>
+                </a:r>
+                <a:r>
+                  <a:rPr lang="en-US" sz="2000" u="none" strike="noStrike" dirty="0" smtClean="0">
+                    <a:latin typeface="Cambria Math" panose="02040503050406030204" pitchFamily="18" charset="0"/>
+                    <a:ea typeface="Cambria Math" panose="02040503050406030204" pitchFamily="18" charset="0"/>
+                  </a:rPr>
+                  <a:t> of a function </a:t>
+                </a:r>
                 <a14:m>
                   <m:oMath xmlns:m="http://schemas.openxmlformats.org/officeDocument/2006/math">
-                    <m:func>
-                      <m:funcPr>
-                        <m:ctrlPr>
-                          <a:rPr lang="en-US" sz="2000" i="1" u="none" strike="noStrike" baseline="0" smtClean="0">
-                            <a:latin typeface="Cambria Math" panose="02040503050406030204" pitchFamily="18" charset="0"/>
-                            <a:ea typeface="Cambria Math" panose="02040503050406030204" pitchFamily="18" charset="0"/>
-                          </a:rPr>
-                        </m:ctrlPr>
-                      </m:funcPr>
-                      <m:fName>
-                        <m:limLow>
-                          <m:limLowPr>
-                            <m:ctrlPr>
-                              <a:rPr lang="en-US" sz="2000" i="1" u="none" strike="noStrike" baseline="0" smtClean="0">
-                                <a:latin typeface="Cambria Math" panose="02040503050406030204" pitchFamily="18" charset="0"/>
-                                <a:ea typeface="Cambria Math" panose="02040503050406030204" pitchFamily="18" charset="0"/>
-                              </a:rPr>
-                            </m:ctrlPr>
-                          </m:limLowPr>
-                          <m:e>
-                            <m:r>
-                              <m:rPr>
-                                <m:sty m:val="p"/>
-                              </m:rPr>
-                              <a:rPr lang="en-US" sz="2000" i="0" u="none" strike="noStrike" baseline="0" smtClean="0">
-                                <a:latin typeface="Cambria Math" panose="02040503050406030204" pitchFamily="18" charset="0"/>
-                                <a:ea typeface="Cambria Math" panose="02040503050406030204" pitchFamily="18" charset="0"/>
-                              </a:rPr>
-                              <m:t>lim</m:t>
-                            </m:r>
-                          </m:e>
-                          <m:lim>
-                            <m:r>
-                              <a:rPr lang="en-US" sz="2000" b="0" i="1" u="none" strike="noStrike" baseline="0" smtClean="0">
-                                <a:latin typeface="Cambria Math" panose="02040503050406030204" pitchFamily="18" charset="0"/>
-                                <a:ea typeface="Cambria Math" panose="02040503050406030204" pitchFamily="18" charset="0"/>
-                              </a:rPr>
-                              <m:t>𝑥</m:t>
-                            </m:r>
-                            <m:r>
-                              <a:rPr lang="en-US" sz="2000" b="0" i="1" u="none" strike="noStrike" baseline="0" smtClean="0">
-                                <a:latin typeface="Cambria Math" panose="02040503050406030204" pitchFamily="18" charset="0"/>
-                                <a:ea typeface="Cambria Math" panose="02040503050406030204" pitchFamily="18" charset="0"/>
-                              </a:rPr>
-                              <m:t>→</m:t>
-                            </m:r>
-                            <m:r>
-                              <a:rPr lang="en-US" sz="2000" b="0" i="1" u="none" strike="noStrike" baseline="0" smtClean="0">
-                                <a:latin typeface="Cambria Math" panose="02040503050406030204" pitchFamily="18" charset="0"/>
-                                <a:ea typeface="Cambria Math" panose="02040503050406030204" pitchFamily="18" charset="0"/>
-                              </a:rPr>
-                              <m:t>𝑐</m:t>
-                            </m:r>
-                          </m:lim>
-                        </m:limLow>
-                      </m:fName>
-                      <m:e>
-                        <m:r>
-                          <a:rPr lang="en-US" sz="2000" b="0" i="1" u="none" strike="noStrike" baseline="0" smtClean="0">
-                            <a:latin typeface="Cambria Math" panose="02040503050406030204" pitchFamily="18" charset="0"/>
-                            <a:ea typeface="Cambria Math" panose="02040503050406030204" pitchFamily="18" charset="0"/>
-                          </a:rPr>
-                          <m:t>𝑓</m:t>
-                        </m:r>
-                        <m:d>
-                          <m:dPr>
-                            <m:ctrlPr>
-                              <a:rPr lang="en-US" sz="2000" b="0" i="1" u="none" strike="noStrike" baseline="0" smtClean="0">
-                                <a:latin typeface="Cambria Math" panose="02040503050406030204" pitchFamily="18" charset="0"/>
-                                <a:ea typeface="Cambria Math" panose="02040503050406030204" pitchFamily="18" charset="0"/>
-                              </a:rPr>
-                            </m:ctrlPr>
-                          </m:dPr>
-                          <m:e>
-                            <m:r>
-                              <a:rPr lang="en-US" sz="2000" b="0" i="1" u="none" strike="noStrike" baseline="0" smtClean="0">
-                                <a:latin typeface="Cambria Math" panose="02040503050406030204" pitchFamily="18" charset="0"/>
-                                <a:ea typeface="Cambria Math" panose="02040503050406030204" pitchFamily="18" charset="0"/>
-                              </a:rPr>
-                              <m:t>𝑥</m:t>
-                            </m:r>
-                          </m:e>
-                        </m:d>
-                      </m:e>
-                    </m:func>
                     <m:r>
-                      <a:rPr lang="en-US" sz="2000" b="0" i="1" u="none" strike="noStrike" baseline="0" smtClean="0">
-                        <a:latin typeface="Cambria Math" panose="02040503050406030204" pitchFamily="18" charset="0"/>
-                        <a:ea typeface="Cambria Math" panose="02040503050406030204" pitchFamily="18" charset="0"/>
-                      </a:rPr>
-                      <m:t>=</m:t>
-                    </m:r>
-                    <m:r>
-                      <a:rPr lang="en-US" sz="2000" b="0" i="1" u="none" strike="noStrike" baseline="0" smtClean="0">
+                      <a:rPr lang="en-US" sz="2000" b="0" i="1" u="none" strike="noStrike" smtClean="0">
                         <a:latin typeface="Cambria Math" panose="02040503050406030204" pitchFamily="18" charset="0"/>
                         <a:ea typeface="Cambria Math" panose="02040503050406030204" pitchFamily="18" charset="0"/>
                       </a:rPr>
@@ -9015,7 +8338,7 @@
                     <m:d>
                       <m:dPr>
                         <m:ctrlPr>
-                          <a:rPr lang="en-US" sz="2000" b="0" i="1" u="none" strike="noStrike" baseline="0" smtClean="0">
+                          <a:rPr lang="en-US" sz="2000" b="0" i="1" u="none" strike="noStrike" smtClean="0">
                             <a:latin typeface="Cambria Math" panose="02040503050406030204" pitchFamily="18" charset="0"/>
                             <a:ea typeface="Cambria Math" panose="02040503050406030204" pitchFamily="18" charset="0"/>
                           </a:rPr>
@@ -9023,56 +8346,50 @@
                       </m:dPr>
                       <m:e>
                         <m:r>
-                          <a:rPr lang="en-US" sz="2000" b="0" i="1" u="none" strike="noStrike" baseline="0" smtClean="0">
-                            <a:latin typeface="Cambria Math" panose="02040503050406030204" pitchFamily="18" charset="0"/>
-                            <a:ea typeface="Cambria Math" panose="02040503050406030204" pitchFamily="18" charset="0"/>
-                          </a:rPr>
-                          <m:t>𝑐</m:t>
+                          <a:rPr lang="en-US" sz="2000" b="0" i="1" u="none" strike="noStrike" smtClean="0">
+                            <a:latin typeface="Cambria Math" panose="02040503050406030204" pitchFamily="18" charset="0"/>
+                            <a:ea typeface="Cambria Math" panose="02040503050406030204" pitchFamily="18" charset="0"/>
+                          </a:rPr>
+                          <m:t>𝑥</m:t>
                         </m:r>
                       </m:e>
                     </m:d>
-                    <m:r>
-                      <a:rPr lang="en-US" sz="2000" b="0" i="1" u="none" strike="noStrike" baseline="0" smtClean="0">
-                        <a:latin typeface="Cambria Math" panose="02040503050406030204" pitchFamily="18" charset="0"/>
-                        <a:ea typeface="Cambria Math" panose="02040503050406030204" pitchFamily="18" charset="0"/>
-                      </a:rPr>
-                      <m:t> </m:t>
-                    </m:r>
                   </m:oMath>
                 </a14:m>
                 <a:r>
-                  <a:rPr lang="en-US" sz="2000" u="none" strike="noStrike" baseline="0" dirty="0">
-                    <a:latin typeface="Cambria Math" panose="02040503050406030204" pitchFamily="18" charset="0"/>
-                    <a:ea typeface="Cambria Math" panose="02040503050406030204" pitchFamily="18" charset="0"/>
-                  </a:rPr>
-                  <a:t> </a:t>
+                  <a:rPr lang="en-US" sz="2000" u="none" strike="noStrike" baseline="0" dirty="0" smtClean="0">
+                    <a:latin typeface="Cambria Math" panose="02040503050406030204" pitchFamily="18" charset="0"/>
+                    <a:ea typeface="Cambria Math" panose="02040503050406030204" pitchFamily="18" charset="0"/>
+                  </a:rPr>
+                  <a:t> at a point x=a</a:t>
+                </a:r>
+                <a:r>
+                  <a:rPr lang="en-US" sz="2000" u="none" strike="noStrike" dirty="0" smtClean="0">
+                    <a:latin typeface="Cambria Math" panose="02040503050406030204" pitchFamily="18" charset="0"/>
+                    <a:ea typeface="Cambria Math" panose="02040503050406030204" pitchFamily="18" charset="0"/>
+                  </a:rPr>
+                  <a:t> , </a:t>
+                </a:r>
+                <a:r>
+                  <a:rPr lang="en-US" sz="2000" u="none" strike="noStrike" dirty="0" smtClean="0">
+                    <a:latin typeface="Cambria Math" panose="02040503050406030204" pitchFamily="18" charset="0"/>
+                    <a:ea typeface="Cambria Math" panose="02040503050406030204" pitchFamily="18" charset="0"/>
+                  </a:rPr>
+                  <a:t>if</a:t>
                 </a:r>
               </a:p>
               <a:p>
-                <a:pPr algn="ctr"/>
-                <a:endParaRPr lang="en-US" sz="2000" u="none" strike="noStrike" baseline="0" dirty="0">
-                  <a:latin typeface="Cambria Math" panose="02040503050406030204" pitchFamily="18" charset="0"/>
-                  <a:ea typeface="Cambria Math" panose="02040503050406030204" pitchFamily="18" charset="0"/>
-                </a:endParaRPr>
-              </a:p>
-              <a:p>
-                <a:pPr algn="l"/>
-                <a:r>
-                  <a:rPr lang="en-US" sz="2000" u="none" strike="noStrike" baseline="0" dirty="0">
-                    <a:latin typeface="Cambria Math" panose="02040503050406030204" pitchFamily="18" charset="0"/>
-                    <a:ea typeface="Cambria Math" panose="02040503050406030204" pitchFamily="18" charset="0"/>
-                  </a:rPr>
-                  <a:t>The function ƒ is right-continuous at c (or continuous from the right) if</a:t>
-                </a:r>
-              </a:p>
-              <a:p>
-                <a:pPr algn="ctr"/>
+                <a:pPr algn="ctr">
+                  <a:lnSpc>
+                    <a:spcPct val="150000"/>
+                  </a:lnSpc>
+                </a:pPr>
                 <a14:m>
                   <m:oMath xmlns:m="http://schemas.openxmlformats.org/officeDocument/2006/math">
                     <m:func>
                       <m:funcPr>
                         <m:ctrlPr>
-                          <a:rPr lang="en-US" sz="2000" i="1" u="none" strike="noStrike" baseline="0" smtClean="0">
+                          <a:rPr lang="en-US" sz="2000" i="1">
                             <a:latin typeface="Cambria Math" panose="02040503050406030204" pitchFamily="18" charset="0"/>
                             <a:ea typeface="Cambria Math" panose="02040503050406030204" pitchFamily="18" charset="0"/>
                           </a:rPr>
@@ -9082,7 +8399,7 @@
                         <m:limLow>
                           <m:limLowPr>
                             <m:ctrlPr>
-                              <a:rPr lang="en-US" sz="2000" i="1" u="none" strike="noStrike" baseline="0" smtClean="0">
+                              <a:rPr lang="en-US" sz="2000" i="1">
                                 <a:latin typeface="Cambria Math" panose="02040503050406030204" pitchFamily="18" charset="0"/>
                                 <a:ea typeface="Cambria Math" panose="02040503050406030204" pitchFamily="18" charset="0"/>
                               </a:rPr>
@@ -9093,7 +8410,7 @@
                               <m:rPr>
                                 <m:sty m:val="p"/>
                               </m:rPr>
-                              <a:rPr lang="en-US" sz="2000" i="0" u="none" strike="noStrike" baseline="0" smtClean="0">
+                              <a:rPr lang="en-US" sz="2000">
                                 <a:latin typeface="Cambria Math" panose="02040503050406030204" pitchFamily="18" charset="0"/>
                                 <a:ea typeface="Cambria Math" panose="02040503050406030204" pitchFamily="18" charset="0"/>
                               </a:rPr>
@@ -9102,14 +8419,14 @@
                           </m:e>
                           <m:lim>
                             <m:r>
-                              <a:rPr lang="en-US" sz="2000" b="0" i="1" u="none" strike="noStrike" baseline="0" smtClean="0">
+                              <a:rPr lang="en-US" sz="2000" i="1">
                                 <a:latin typeface="Cambria Math" panose="02040503050406030204" pitchFamily="18" charset="0"/>
                                 <a:ea typeface="Cambria Math" panose="02040503050406030204" pitchFamily="18" charset="0"/>
                               </a:rPr>
                               <m:t>𝑥</m:t>
                             </m:r>
                             <m:r>
-                              <a:rPr lang="en-US" sz="2000" b="0" i="1" u="none" strike="noStrike" baseline="0" smtClean="0">
+                              <a:rPr lang="en-US" sz="2000" i="1">
                                 <a:latin typeface="Cambria Math" panose="02040503050406030204" pitchFamily="18" charset="0"/>
                                 <a:ea typeface="Cambria Math" panose="02040503050406030204" pitchFamily="18" charset="0"/>
                               </a:rPr>
@@ -9118,7 +8435,7 @@
                             <m:sSup>
                               <m:sSupPr>
                                 <m:ctrlPr>
-                                  <a:rPr lang="en-US" sz="2000" b="0" i="1" u="none" strike="noStrike" baseline="0" smtClean="0">
+                                  <a:rPr lang="en-US" sz="2000" b="0" i="1" smtClean="0">
                                     <a:latin typeface="Cambria Math" panose="02040503050406030204" pitchFamily="18" charset="0"/>
                                     <a:ea typeface="Cambria Math" panose="02040503050406030204" pitchFamily="18" charset="0"/>
                                   </a:rPr>
@@ -9126,16 +8443,16 @@
                               </m:sSupPr>
                               <m:e>
                                 <m:r>
-                                  <a:rPr lang="en-US" sz="2000" b="0" i="1" u="none" strike="noStrike" baseline="0" smtClean="0">
+                                  <a:rPr lang="en-US" sz="2000" b="0" i="1" smtClean="0">
                                     <a:latin typeface="Cambria Math" panose="02040503050406030204" pitchFamily="18" charset="0"/>
                                     <a:ea typeface="Cambria Math" panose="02040503050406030204" pitchFamily="18" charset="0"/>
                                   </a:rPr>
-                                  <m:t>𝑐</m:t>
+                                  <m:t>𝑎</m:t>
                                 </m:r>
                               </m:e>
                               <m:sup>
                                 <m:r>
-                                  <a:rPr lang="en-US" sz="2000" b="0" i="1" u="none" strike="noStrike" baseline="0" smtClean="0">
+                                  <a:rPr lang="en-US" sz="2000" b="0" i="1" smtClean="0">
                                     <a:latin typeface="Cambria Math" panose="02040503050406030204" pitchFamily="18" charset="0"/>
                                     <a:ea typeface="Cambria Math" panose="02040503050406030204" pitchFamily="18" charset="0"/>
                                   </a:rPr>
@@ -9148,7 +8465,7 @@
                       </m:fName>
                       <m:e>
                         <m:r>
-                          <a:rPr lang="en-US" sz="2000" b="0" i="1" u="none" strike="noStrike" baseline="0" smtClean="0">
+                          <a:rPr lang="en-US" sz="2000" b="0" i="1" smtClean="0">
                             <a:latin typeface="Cambria Math" panose="02040503050406030204" pitchFamily="18" charset="0"/>
                             <a:ea typeface="Cambria Math" panose="02040503050406030204" pitchFamily="18" charset="0"/>
                           </a:rPr>
@@ -9157,7 +8474,7 @@
                         <m:d>
                           <m:dPr>
                             <m:ctrlPr>
-                              <a:rPr lang="en-US" sz="2000" b="0" i="1" u="none" strike="noStrike" baseline="0" smtClean="0">
+                              <a:rPr lang="en-US" sz="2000" i="1">
                                 <a:latin typeface="Cambria Math" panose="02040503050406030204" pitchFamily="18" charset="0"/>
                                 <a:ea typeface="Cambria Math" panose="02040503050406030204" pitchFamily="18" charset="0"/>
                               </a:rPr>
@@ -9165,7 +8482,7 @@
                           </m:dPr>
                           <m:e>
                             <m:r>
-                              <a:rPr lang="en-US" sz="2000" b="0" i="1" u="none" strike="noStrike" baseline="0" smtClean="0">
+                              <a:rPr lang="en-US" sz="2000" i="1">
                                 <a:latin typeface="Cambria Math" panose="02040503050406030204" pitchFamily="18" charset="0"/>
                                 <a:ea typeface="Cambria Math" panose="02040503050406030204" pitchFamily="18" charset="0"/>
                               </a:rPr>
@@ -9173,52 +8490,125 @@
                             </m:r>
                           </m:e>
                         </m:d>
+                        <m:r>
+                          <a:rPr lang="en-US" sz="2000" i="1">
+                            <a:latin typeface="Cambria Math" panose="02040503050406030204" pitchFamily="18" charset="0"/>
+                            <a:ea typeface="Cambria Math" panose="02040503050406030204" pitchFamily="18" charset="0"/>
+                          </a:rPr>
+                          <m:t>=</m:t>
+                        </m:r>
+                        <m:func>
+                          <m:funcPr>
+                            <m:ctrlPr>
+                              <a:rPr lang="en-US" sz="2000" i="1">
+                                <a:latin typeface="Cambria Math" panose="02040503050406030204" pitchFamily="18" charset="0"/>
+                                <a:ea typeface="Cambria Math" panose="02040503050406030204" pitchFamily="18" charset="0"/>
+                              </a:rPr>
+                            </m:ctrlPr>
+                          </m:funcPr>
+                          <m:fName>
+                            <m:limLow>
+                              <m:limLowPr>
+                                <m:ctrlPr>
+                                  <a:rPr lang="en-US" sz="2000" i="1">
+                                    <a:latin typeface="Cambria Math" panose="02040503050406030204" pitchFamily="18" charset="0"/>
+                                    <a:ea typeface="Cambria Math" panose="02040503050406030204" pitchFamily="18" charset="0"/>
+                                  </a:rPr>
+                                </m:ctrlPr>
+                              </m:limLowPr>
+                              <m:e>
+                                <m:r>
+                                  <m:rPr>
+                                    <m:sty m:val="p"/>
+                                  </m:rPr>
+                                  <a:rPr lang="en-US" sz="2000">
+                                    <a:latin typeface="Cambria Math" panose="02040503050406030204" pitchFamily="18" charset="0"/>
+                                    <a:ea typeface="Cambria Math" panose="02040503050406030204" pitchFamily="18" charset="0"/>
+                                  </a:rPr>
+                                  <m:t>lim</m:t>
+                                </m:r>
+                              </m:e>
+                              <m:lim>
+                                <m:r>
+                                  <a:rPr lang="en-US" sz="2000" i="1">
+                                    <a:latin typeface="Cambria Math" panose="02040503050406030204" pitchFamily="18" charset="0"/>
+                                    <a:ea typeface="Cambria Math" panose="02040503050406030204" pitchFamily="18" charset="0"/>
+                                  </a:rPr>
+                                  <m:t>𝑥</m:t>
+                                </m:r>
+                                <m:r>
+                                  <a:rPr lang="en-US" sz="2000" i="1">
+                                    <a:latin typeface="Cambria Math" panose="02040503050406030204" pitchFamily="18" charset="0"/>
+                                    <a:ea typeface="Cambria Math" panose="02040503050406030204" pitchFamily="18" charset="0"/>
+                                  </a:rPr>
+                                  <m:t>→</m:t>
+                                </m:r>
+                                <m:sSup>
+                                  <m:sSupPr>
+                                    <m:ctrlPr>
+                                      <a:rPr lang="en-US" sz="2000" b="0" i="1" smtClean="0">
+                                        <a:latin typeface="Cambria Math" panose="02040503050406030204" pitchFamily="18" charset="0"/>
+                                        <a:ea typeface="Cambria Math" panose="02040503050406030204" pitchFamily="18" charset="0"/>
+                                      </a:rPr>
+                                    </m:ctrlPr>
+                                  </m:sSupPr>
+                                  <m:e>
+                                    <m:r>
+                                      <a:rPr lang="en-US" sz="2000" b="0" i="1" smtClean="0">
+                                        <a:latin typeface="Cambria Math" panose="02040503050406030204" pitchFamily="18" charset="0"/>
+                                        <a:ea typeface="Cambria Math" panose="02040503050406030204" pitchFamily="18" charset="0"/>
+                                      </a:rPr>
+                                      <m:t>𝑎</m:t>
+                                    </m:r>
+                                  </m:e>
+                                  <m:sup>
+                                    <m:r>
+                                      <a:rPr lang="en-US" sz="2000" b="0" i="1" smtClean="0">
+                                        <a:latin typeface="Cambria Math" panose="02040503050406030204" pitchFamily="18" charset="0"/>
+                                        <a:ea typeface="Cambria Math" panose="02040503050406030204" pitchFamily="18" charset="0"/>
+                                      </a:rPr>
+                                      <m:t>−</m:t>
+                                    </m:r>
+                                  </m:sup>
+                                </m:sSup>
+                              </m:lim>
+                            </m:limLow>
+                          </m:fName>
+                          <m:e>
+                            <m:r>
+                              <a:rPr lang="en-US" sz="2000" b="0" i="1" smtClean="0">
+                                <a:latin typeface="Cambria Math" panose="02040503050406030204" pitchFamily="18" charset="0"/>
+                                <a:ea typeface="Cambria Math" panose="02040503050406030204" pitchFamily="18" charset="0"/>
+                              </a:rPr>
+                              <m:t>𝑓</m:t>
+                            </m:r>
+                            <m:d>
+                              <m:dPr>
+                                <m:ctrlPr>
+                                  <a:rPr lang="en-US" sz="2000" i="1">
+                                    <a:latin typeface="Cambria Math" panose="02040503050406030204" pitchFamily="18" charset="0"/>
+                                    <a:ea typeface="Cambria Math" panose="02040503050406030204" pitchFamily="18" charset="0"/>
+                                  </a:rPr>
+                                </m:ctrlPr>
+                              </m:dPr>
+                              <m:e>
+                                <m:r>
+                                  <a:rPr lang="en-US" sz="2000" i="1">
+                                    <a:latin typeface="Cambria Math" panose="02040503050406030204" pitchFamily="18" charset="0"/>
+                                    <a:ea typeface="Cambria Math" panose="02040503050406030204" pitchFamily="18" charset="0"/>
+                                  </a:rPr>
+                                  <m:t>𝑥</m:t>
+                                </m:r>
+                              </m:e>
+                            </m:d>
+                          </m:e>
+                        </m:func>
                       </m:e>
                     </m:func>
-                    <m:r>
-                      <a:rPr lang="en-US" sz="2000" b="0" i="1" u="none" strike="noStrike" baseline="0" smtClean="0">
-                        <a:latin typeface="Cambria Math" panose="02040503050406030204" pitchFamily="18" charset="0"/>
-                        <a:ea typeface="Cambria Math" panose="02040503050406030204" pitchFamily="18" charset="0"/>
-                      </a:rPr>
-                      <m:t>=</m:t>
-                    </m:r>
-                    <m:r>
-                      <a:rPr lang="en-US" sz="2000" b="0" i="1" u="none" strike="noStrike" baseline="0" smtClean="0">
-                        <a:latin typeface="Cambria Math" panose="02040503050406030204" pitchFamily="18" charset="0"/>
-                        <a:ea typeface="Cambria Math" panose="02040503050406030204" pitchFamily="18" charset="0"/>
-                      </a:rPr>
-                      <m:t>𝑓</m:t>
-                    </m:r>
-                    <m:d>
-                      <m:dPr>
-                        <m:ctrlPr>
-                          <a:rPr lang="en-US" sz="2000" b="0" i="1" u="none" strike="noStrike" baseline="0" smtClean="0">
-                            <a:latin typeface="Cambria Math" panose="02040503050406030204" pitchFamily="18" charset="0"/>
-                            <a:ea typeface="Cambria Math" panose="02040503050406030204" pitchFamily="18" charset="0"/>
-                          </a:rPr>
-                        </m:ctrlPr>
-                      </m:dPr>
-                      <m:e>
-                        <m:r>
-                          <a:rPr lang="en-US" sz="2000" b="0" i="1" u="none" strike="noStrike" baseline="0" smtClean="0">
-                            <a:latin typeface="Cambria Math" panose="02040503050406030204" pitchFamily="18" charset="0"/>
-                            <a:ea typeface="Cambria Math" panose="02040503050406030204" pitchFamily="18" charset="0"/>
-                          </a:rPr>
-                          <m:t>𝑐</m:t>
-                        </m:r>
-                      </m:e>
-                    </m:d>
-                    <m:r>
-                      <a:rPr lang="en-US" sz="2000" b="0" i="1" u="none" strike="noStrike" baseline="0" smtClean="0">
-                        <a:latin typeface="Cambria Math" panose="02040503050406030204" pitchFamily="18" charset="0"/>
-                        <a:ea typeface="Cambria Math" panose="02040503050406030204" pitchFamily="18" charset="0"/>
-                      </a:rPr>
-                      <m:t> </m:t>
-                    </m:r>
                   </m:oMath>
                 </a14:m>
                 <a:r>
-                  <a:rPr lang="en-US" sz="2000" u="none" strike="noStrike" baseline="0" dirty="0">
+                  <a:rPr lang="en-US" sz="2000" u="none" strike="noStrike" baseline="0" dirty="0" smtClean="0">
                     <a:latin typeface="Cambria Math" panose="02040503050406030204" pitchFamily="18" charset="0"/>
                     <a:ea typeface="Cambria Math" panose="02040503050406030204" pitchFamily="18" charset="0"/>
                   </a:rPr>
@@ -9226,30 +8616,33 @@
                 </a:r>
               </a:p>
               <a:p>
-                <a:pPr algn="ctr"/>
-                <a:endParaRPr lang="en-US" sz="2000" u="none" strike="noStrike" baseline="0" dirty="0">
-                  <a:latin typeface="Cambria Math" panose="02040503050406030204" pitchFamily="18" charset="0"/>
-                  <a:ea typeface="Cambria Math" panose="02040503050406030204" pitchFamily="18" charset="0"/>
-                </a:endParaRPr>
-              </a:p>
-              <a:p>
-                <a:pPr algn="l"/>
-                <a:r>
-                  <a:rPr lang="en-US" sz="2000" u="none" strike="noStrike" baseline="0" dirty="0">
-                    <a:latin typeface="Cambria Math" panose="02040503050406030204" pitchFamily="18" charset="0"/>
-                    <a:ea typeface="Cambria Math" panose="02040503050406030204" pitchFamily="18" charset="0"/>
-                  </a:rPr>
-                  <a:t>The function ƒ is left-continuous at c (or continuous from the left) if</a:t>
-                </a:r>
-              </a:p>
-              <a:p>
-                <a:pPr algn="ctr"/>
+                <a:r>
+                  <a:rPr lang="en-US" sz="2000" dirty="0" smtClean="0">
+                    <a:latin typeface="Cambria Math" panose="02040503050406030204" pitchFamily="18" charset="0"/>
+                    <a:ea typeface="Cambria Math" panose="02040503050406030204" pitchFamily="18" charset="0"/>
+                  </a:rPr>
+                  <a:t>Then there exists </a:t>
+                </a:r>
+                <a:r>
+                  <a:rPr lang="en-US" sz="2000" dirty="0">
+                    <a:latin typeface="Cambria Math" panose="02040503050406030204" pitchFamily="18" charset="0"/>
+                    <a:ea typeface="Cambria Math" panose="02040503050406030204" pitchFamily="18" charset="0"/>
+                  </a:rPr>
+                  <a:t>a </a:t>
+                </a:r>
+                <a:r>
+                  <a:rPr lang="en-US" sz="2000" dirty="0" smtClean="0">
+                    <a:latin typeface="Cambria Math" panose="02040503050406030204" pitchFamily="18" charset="0"/>
+                    <a:ea typeface="Cambria Math" panose="02040503050406030204" pitchFamily="18" charset="0"/>
+                  </a:rPr>
+                  <a:t>limit </a:t>
+                </a:r>
                 <a14:m>
                   <m:oMath xmlns:m="http://schemas.openxmlformats.org/officeDocument/2006/math">
                     <m:func>
                       <m:funcPr>
                         <m:ctrlPr>
-                          <a:rPr lang="en-US" sz="2000" i="1" u="none" strike="noStrike" baseline="0" smtClean="0">
+                          <a:rPr lang="en-US" sz="2000" i="1">
                             <a:latin typeface="Cambria Math" panose="02040503050406030204" pitchFamily="18" charset="0"/>
                             <a:ea typeface="Cambria Math" panose="02040503050406030204" pitchFamily="18" charset="0"/>
                           </a:rPr>
@@ -9259,7 +8652,7 @@
                         <m:limLow>
                           <m:limLowPr>
                             <m:ctrlPr>
-                              <a:rPr lang="en-US" sz="2000" i="1" u="none" strike="noStrike" baseline="0" smtClean="0">
+                              <a:rPr lang="en-US" sz="2000" i="1">
                                 <a:latin typeface="Cambria Math" panose="02040503050406030204" pitchFamily="18" charset="0"/>
                                 <a:ea typeface="Cambria Math" panose="02040503050406030204" pitchFamily="18" charset="0"/>
                               </a:rPr>
@@ -9270,7 +8663,7 @@
                               <m:rPr>
                                 <m:sty m:val="p"/>
                               </m:rPr>
-                              <a:rPr lang="en-US" sz="2000" i="0" u="none" strike="noStrike" baseline="0" smtClean="0">
+                              <a:rPr lang="en-US" sz="2000">
                                 <a:latin typeface="Cambria Math" panose="02040503050406030204" pitchFamily="18" charset="0"/>
                                 <a:ea typeface="Cambria Math" panose="02040503050406030204" pitchFamily="18" charset="0"/>
                               </a:rPr>
@@ -9279,53 +8672,32 @@
                           </m:e>
                           <m:lim>
                             <m:r>
-                              <a:rPr lang="en-US" sz="2000" b="0" i="1" u="none" strike="noStrike" baseline="0" smtClean="0">
+                              <a:rPr lang="en-US" sz="2000" i="1">
                                 <a:latin typeface="Cambria Math" panose="02040503050406030204" pitchFamily="18" charset="0"/>
                                 <a:ea typeface="Cambria Math" panose="02040503050406030204" pitchFamily="18" charset="0"/>
                               </a:rPr>
                               <m:t>𝑥</m:t>
                             </m:r>
                             <m:r>
-                              <a:rPr lang="en-US" sz="2000" b="0" i="1" u="none" strike="noStrike" baseline="0" smtClean="0">
+                              <a:rPr lang="en-US" sz="2000" i="1">
                                 <a:latin typeface="Cambria Math" panose="02040503050406030204" pitchFamily="18" charset="0"/>
                                 <a:ea typeface="Cambria Math" panose="02040503050406030204" pitchFamily="18" charset="0"/>
                               </a:rPr>
                               <m:t>→</m:t>
                             </m:r>
-                            <m:sSup>
-                              <m:sSupPr>
-                                <m:ctrlPr>
-                                  <a:rPr lang="en-US" sz="2000" b="0" i="1" u="none" strike="noStrike" baseline="0" smtClean="0">
-                                    <a:latin typeface="Cambria Math" panose="02040503050406030204" pitchFamily="18" charset="0"/>
-                                    <a:ea typeface="Cambria Math" panose="02040503050406030204" pitchFamily="18" charset="0"/>
-                                  </a:rPr>
-                                </m:ctrlPr>
-                              </m:sSupPr>
-                              <m:e>
-                                <m:r>
-                                  <a:rPr lang="en-US" sz="2000" b="0" i="1" u="none" strike="noStrike" baseline="0" smtClean="0">
-                                    <a:latin typeface="Cambria Math" panose="02040503050406030204" pitchFamily="18" charset="0"/>
-                                    <a:ea typeface="Cambria Math" panose="02040503050406030204" pitchFamily="18" charset="0"/>
-                                  </a:rPr>
-                                  <m:t>𝑐</m:t>
-                                </m:r>
-                              </m:e>
-                              <m:sup>
-                                <m:r>
-                                  <a:rPr lang="en-US" sz="2000" b="0" i="1" u="none" strike="noStrike" baseline="0" smtClean="0">
-                                    <a:latin typeface="Cambria Math" panose="02040503050406030204" pitchFamily="18" charset="0"/>
-                                    <a:ea typeface="Cambria Math" panose="02040503050406030204" pitchFamily="18" charset="0"/>
-                                  </a:rPr>
-                                  <m:t>−</m:t>
-                                </m:r>
-                              </m:sup>
-                            </m:sSup>
+                            <m:r>
+                              <a:rPr lang="en-US" sz="2000" b="0" i="1" smtClean="0">
+                                <a:latin typeface="Cambria Math" panose="02040503050406030204" pitchFamily="18" charset="0"/>
+                                <a:ea typeface="Cambria Math" panose="02040503050406030204" pitchFamily="18" charset="0"/>
+                              </a:rPr>
+                              <m:t>𝑎</m:t>
+                            </m:r>
                           </m:lim>
                         </m:limLow>
                       </m:fName>
                       <m:e>
                         <m:r>
-                          <a:rPr lang="en-US" sz="2000" b="0" i="1" u="none" strike="noStrike" baseline="0" smtClean="0">
+                          <a:rPr lang="en-US" sz="2000" b="0" i="1" smtClean="0">
                             <a:latin typeface="Cambria Math" panose="02040503050406030204" pitchFamily="18" charset="0"/>
                             <a:ea typeface="Cambria Math" panose="02040503050406030204" pitchFamily="18" charset="0"/>
                           </a:rPr>
@@ -9334,7 +8706,7 @@
                         <m:d>
                           <m:dPr>
                             <m:ctrlPr>
-                              <a:rPr lang="en-US" sz="2000" b="0" i="1" u="none" strike="noStrike" baseline="0" smtClean="0">
+                              <a:rPr lang="en-US" sz="2000" i="1">
                                 <a:latin typeface="Cambria Math" panose="02040503050406030204" pitchFamily="18" charset="0"/>
                                 <a:ea typeface="Cambria Math" panose="02040503050406030204" pitchFamily="18" charset="0"/>
                               </a:rPr>
@@ -9342,7 +8714,7 @@
                           </m:dPr>
                           <m:e>
                             <m:r>
-                              <a:rPr lang="en-US" sz="2000" b="0" i="1" u="none" strike="noStrike" baseline="0" smtClean="0">
+                              <a:rPr lang="en-US" sz="2000" i="1">
                                 <a:latin typeface="Cambria Math" panose="02040503050406030204" pitchFamily="18" charset="0"/>
                                 <a:ea typeface="Cambria Math" panose="02040503050406030204" pitchFamily="18" charset="0"/>
                               </a:rPr>
@@ -9352,60 +8724,17 @@
                         </m:d>
                       </m:e>
                     </m:func>
-                    <m:r>
-                      <a:rPr lang="en-US" sz="2000" b="0" i="1" u="none" strike="noStrike" baseline="0" smtClean="0">
-                        <a:latin typeface="Cambria Math" panose="02040503050406030204" pitchFamily="18" charset="0"/>
-                        <a:ea typeface="Cambria Math" panose="02040503050406030204" pitchFamily="18" charset="0"/>
-                      </a:rPr>
-                      <m:t>=</m:t>
-                    </m:r>
-                    <m:r>
-                      <a:rPr lang="en-US" sz="2000" b="0" i="1" u="none" strike="noStrike" baseline="0" smtClean="0">
-                        <a:latin typeface="Cambria Math" panose="02040503050406030204" pitchFamily="18" charset="0"/>
-                        <a:ea typeface="Cambria Math" panose="02040503050406030204" pitchFamily="18" charset="0"/>
-                      </a:rPr>
-                      <m:t>𝑓</m:t>
-                    </m:r>
-                    <m:d>
-                      <m:dPr>
-                        <m:ctrlPr>
-                          <a:rPr lang="en-US" sz="2000" b="0" i="1" u="none" strike="noStrike" baseline="0" smtClean="0">
-                            <a:latin typeface="Cambria Math" panose="02040503050406030204" pitchFamily="18" charset="0"/>
-                            <a:ea typeface="Cambria Math" panose="02040503050406030204" pitchFamily="18" charset="0"/>
-                          </a:rPr>
-                        </m:ctrlPr>
-                      </m:dPr>
-                      <m:e>
-                        <m:r>
-                          <a:rPr lang="en-US" sz="2000" b="0" i="1" u="none" strike="noStrike" baseline="0" smtClean="0">
-                            <a:latin typeface="Cambria Math" panose="02040503050406030204" pitchFamily="18" charset="0"/>
-                            <a:ea typeface="Cambria Math" panose="02040503050406030204" pitchFamily="18" charset="0"/>
-                          </a:rPr>
-                          <m:t>𝑐</m:t>
-                        </m:r>
-                      </m:e>
-                    </m:d>
-                    <m:r>
-                      <a:rPr lang="en-US" sz="2000" b="0" i="1" u="none" strike="noStrike" baseline="0" smtClean="0">
-                        <a:latin typeface="Cambria Math" panose="02040503050406030204" pitchFamily="18" charset="0"/>
-                        <a:ea typeface="Cambria Math" panose="02040503050406030204" pitchFamily="18" charset="0"/>
-                      </a:rPr>
-                      <m:t> </m:t>
-                    </m:r>
                   </m:oMath>
                 </a14:m>
-                <a:r>
-                  <a:rPr lang="en-US" sz="2000" u="none" strike="noStrike" baseline="0" dirty="0">
-                    <a:latin typeface="Cambria Math" panose="02040503050406030204" pitchFamily="18" charset="0"/>
-                    <a:ea typeface="Cambria Math" panose="02040503050406030204" pitchFamily="18" charset="0"/>
-                  </a:rPr>
-                  <a:t> </a:t>
-                </a:r>
+                <a:endParaRPr lang="en-US" sz="2000" u="none" strike="noStrike" baseline="0" dirty="0">
+                  <a:latin typeface="Cambria Math" panose="02040503050406030204" pitchFamily="18" charset="0"/>
+                  <a:ea typeface="Cambria Math" panose="02040503050406030204" pitchFamily="18" charset="0"/>
+                </a:endParaRPr>
               </a:p>
             </p:txBody>
           </p:sp>
         </mc:Choice>
-        <mc:Fallback xmlns="">
+        <mc:Fallback>
           <p:sp>
             <p:nvSpPr>
               <p:cNvPr id="4" name="TextBox 3">
@@ -9423,7 +8752,7 @@
             <p:spPr>
               <a:xfrm>
                 <a:off x="1295402" y="2650435"/>
-                <a:ext cx="9601196" cy="3056286"/>
+                <a:ext cx="9601196" cy="1414105"/>
               </a:xfrm>
               <a:prstGeom prst="rect">
                 <a:avLst/>
@@ -9431,7 +8760,7 @@
               <a:blipFill>
                 <a:blip r:embed="rId2"/>
                 <a:stretch>
-                  <a:fillRect l="-699" t="-1198"/>
+                  <a:fillRect l="-699" t="-2586"/>
                 </a:stretch>
               </a:blipFill>
             </p:spPr>
@@ -9463,7 +8792,7 @@
 </p:sld>
 </file>
 
-<file path=ppt/slides/slide13.xml><?xml version="1.0" encoding="utf-8"?>
+<file path=ppt/slides/slide12.xml><?xml version="1.0" encoding="utf-8"?>
 <p:sld xmlns:a="http://schemas.openxmlformats.org/drawingml/2006/main" xmlns:r="http://schemas.openxmlformats.org/officeDocument/2006/relationships" xmlns:p="http://schemas.openxmlformats.org/presentationml/2006/main">
   <p:cSld>
     <p:spTree>
@@ -10105,7 +9434,7 @@
 </p:sld>
 </file>
 
-<file path=ppt/slides/slide14.xml><?xml version="1.0" encoding="utf-8"?>
+<file path=ppt/slides/slide13.xml><?xml version="1.0" encoding="utf-8"?>
 <p:sld xmlns:a="http://schemas.openxmlformats.org/drawingml/2006/main" xmlns:r="http://schemas.openxmlformats.org/officeDocument/2006/relationships" xmlns:p="http://schemas.openxmlformats.org/presentationml/2006/main">
   <p:cSld>
     <p:spTree>
@@ -10634,7 +9963,7 @@
 </p:sld>
 </file>
 
-<file path=ppt/slides/slide15.xml><?xml version="1.0" encoding="utf-8"?>
+<file path=ppt/slides/slide14.xml><?xml version="1.0" encoding="utf-8"?>
 <p:sld xmlns:a="http://schemas.openxmlformats.org/drawingml/2006/main" xmlns:r="http://schemas.openxmlformats.org/officeDocument/2006/relationships" xmlns:p="http://schemas.openxmlformats.org/presentationml/2006/main">
   <p:cSld>
     <p:spTree>
@@ -11047,7 +10376,7 @@
 </p:sld>
 </file>
 
-<file path=ppt/slides/slide16.xml><?xml version="1.0" encoding="utf-8"?>
+<file path=ppt/slides/slide15.xml><?xml version="1.0" encoding="utf-8"?>
 <p:sld xmlns:a="http://schemas.openxmlformats.org/drawingml/2006/main" xmlns:r="http://schemas.openxmlformats.org/officeDocument/2006/relationships" xmlns:p="http://schemas.openxmlformats.org/presentationml/2006/main">
   <p:cSld>
     <p:spTree>
@@ -11387,7 +10716,7 @@
 </p:sld>
 </file>
 
-<file path=ppt/slides/slide17.xml><?xml version="1.0" encoding="utf-8"?>
+<file path=ppt/slides/slide16.xml><?xml version="1.0" encoding="utf-8"?>
 <p:sld xmlns:a="http://schemas.openxmlformats.org/drawingml/2006/main" xmlns:r="http://schemas.openxmlformats.org/officeDocument/2006/relationships" xmlns:p="http://schemas.openxmlformats.org/presentationml/2006/main">
   <p:cSld>
     <p:spTree>
@@ -12145,7 +11474,7 @@
 </p:sld>
 </file>
 
-<file path=ppt/slides/slide18.xml><?xml version="1.0" encoding="utf-8"?>
+<file path=ppt/slides/slide17.xml><?xml version="1.0" encoding="utf-8"?>
 <p:sld xmlns:a="http://schemas.openxmlformats.org/drawingml/2006/main" xmlns:r="http://schemas.openxmlformats.org/officeDocument/2006/relationships" xmlns:p="http://schemas.openxmlformats.org/presentationml/2006/main">
   <p:cSld>
     <p:spTree>
@@ -12194,8 +11523,8 @@
           </a:p>
         </p:txBody>
       </p:sp>
-      <mc:AlternateContent xmlns:mc="http://schemas.openxmlformats.org/markup-compatibility/2006" xmlns:a14="http://schemas.microsoft.com/office/drawing/2010/main">
-        <mc:Choice Requires="a14">
+      <mc:AlternateContent xmlns:mc="http://schemas.openxmlformats.org/markup-compatibility/2006">
+        <mc:Choice xmlns:a14="http://schemas.microsoft.com/office/drawing/2010/main" Requires="a14">
           <p:sp>
             <p:nvSpPr>
               <p:cNvPr id="4" name="TextBox 3">
@@ -12623,7 +11952,7 @@
             </p:txBody>
           </p:sp>
         </mc:Choice>
-        <mc:Fallback xmlns="">
+        <mc:Fallback>
           <p:sp>
             <p:nvSpPr>
               <p:cNvPr id="4" name="TextBox 3">
@@ -12681,7 +12010,7 @@
 </p:sld>
 </file>
 
-<file path=ppt/slides/slide19.xml><?xml version="1.0" encoding="utf-8"?>
+<file path=ppt/slides/slide18.xml><?xml version="1.0" encoding="utf-8"?>
 <p:sld xmlns:a="http://schemas.openxmlformats.org/drawingml/2006/main" xmlns:r="http://schemas.openxmlformats.org/officeDocument/2006/relationships" xmlns:p="http://schemas.openxmlformats.org/presentationml/2006/main">
   <p:cSld>
     <p:spTree>
@@ -13302,6 +12631,337 @@
     <p:extLst>
       <p:ext uri="{BB962C8B-B14F-4D97-AF65-F5344CB8AC3E}">
         <p14:creationId xmlns:p14="http://schemas.microsoft.com/office/powerpoint/2010/main" val="683127990"/>
+      </p:ext>
+    </p:extLst>
+  </p:cSld>
+  <p:clrMapOvr>
+    <a:masterClrMapping/>
+  </p:clrMapOvr>
+</p:sld>
+</file>
+
+<file path=ppt/slides/slide19.xml><?xml version="1.0" encoding="utf-8"?>
+<p:sld xmlns:a="http://schemas.openxmlformats.org/drawingml/2006/main" xmlns:r="http://schemas.openxmlformats.org/officeDocument/2006/relationships" xmlns:p="http://schemas.openxmlformats.org/presentationml/2006/main">
+  <p:cSld>
+    <p:spTree>
+      <p:nvGrpSpPr>
+        <p:cNvPr id="1" name=""/>
+        <p:cNvGrpSpPr/>
+        <p:nvPr/>
+      </p:nvGrpSpPr>
+      <p:grpSpPr>
+        <a:xfrm>
+          <a:off x="0" y="0"/>
+          <a:ext cx="0" cy="0"/>
+          <a:chOff x="0" y="0"/>
+          <a:chExt cx="0" cy="0"/>
+        </a:xfrm>
+      </p:grpSpPr>
+      <p:sp>
+        <p:nvSpPr>
+          <p:cNvPr id="2" name="Title 1">
+            <a:extLst>
+              <a:ext uri="{FF2B5EF4-FFF2-40B4-BE49-F238E27FC236}">
+                <a16:creationId xmlns:a16="http://schemas.microsoft.com/office/drawing/2014/main" id="{D634FFE8-98B2-4838-A33C-D8C6BCBD2C77}"/>
+              </a:ext>
+            </a:extLst>
+          </p:cNvPr>
+          <p:cNvSpPr>
+            <a:spLocks noGrp="1"/>
+          </p:cNvSpPr>
+          <p:nvPr>
+            <p:ph type="title"/>
+          </p:nvPr>
+        </p:nvSpPr>
+        <p:spPr/>
+        <p:txBody>
+          <a:bodyPr/>
+          <a:lstStyle/>
+          <a:p>
+            <a:r>
+              <a:rPr lang="en-US" dirty="0">
+                <a:solidFill>
+                  <a:srgbClr val="0070C0"/>
+                </a:solidFill>
+              </a:rPr>
+              <a:t>Absolute Maxima &amp; Minima</a:t>
+            </a:r>
+          </a:p>
+        </p:txBody>
+      </p:sp>
+      <mc:AlternateContent xmlns:mc="http://schemas.openxmlformats.org/markup-compatibility/2006" xmlns:a14="http://schemas.microsoft.com/office/drawing/2010/main">
+        <mc:Choice Requires="a14">
+          <p:sp>
+            <p:nvSpPr>
+              <p:cNvPr id="4" name="TextBox 3">
+                <a:extLst>
+                  <a:ext uri="{FF2B5EF4-FFF2-40B4-BE49-F238E27FC236}">
+                    <a16:creationId xmlns:a16="http://schemas.microsoft.com/office/drawing/2014/main" id="{437A87C2-3DEC-4E3F-A557-57FCFB092CAF}"/>
+                  </a:ext>
+                </a:extLst>
+              </p:cNvPr>
+              <p:cNvSpPr txBox="1"/>
+              <p:nvPr/>
+            </p:nvSpPr>
+            <p:spPr>
+              <a:xfrm>
+                <a:off x="1295402" y="2597426"/>
+                <a:ext cx="9601196" cy="1631216"/>
+              </a:xfrm>
+              <a:prstGeom prst="rect">
+                <a:avLst/>
+              </a:prstGeom>
+              <a:noFill/>
+            </p:spPr>
+            <p:txBody>
+              <a:bodyPr wrap="square" rtlCol="0">
+                <a:spAutoFit/>
+              </a:bodyPr>
+              <a:lstStyle/>
+              <a:p>
+                <a:r>
+                  <a:rPr lang="en-US" sz="2000" dirty="0">
+                    <a:latin typeface="Cambria Math" panose="02040503050406030204" pitchFamily="18" charset="0"/>
+                    <a:ea typeface="Cambria Math" panose="02040503050406030204" pitchFamily="18" charset="0"/>
+                  </a:rPr>
+                  <a:t>Let ƒ be a function with domain D. Then ƒ has an </a:t>
+                </a:r>
+                <a:r>
+                  <a:rPr lang="en-US" sz="2000" b="1" dirty="0">
+                    <a:latin typeface="Cambria Math" panose="02040503050406030204" pitchFamily="18" charset="0"/>
+                    <a:ea typeface="Cambria Math" panose="02040503050406030204" pitchFamily="18" charset="0"/>
+                  </a:rPr>
+                  <a:t>absolute maximum </a:t>
+                </a:r>
+                <a:r>
+                  <a:rPr lang="en-US" sz="2000" dirty="0">
+                    <a:latin typeface="Cambria Math" panose="02040503050406030204" pitchFamily="18" charset="0"/>
+                    <a:ea typeface="Cambria Math" panose="02040503050406030204" pitchFamily="18" charset="0"/>
+                  </a:rPr>
+                  <a:t>value on D at a point c if</a:t>
+                </a:r>
+              </a:p>
+              <a:p>
+                <a:pPr algn="ctr"/>
+                <a14:m>
+                  <m:oMath xmlns:m="http://schemas.openxmlformats.org/officeDocument/2006/math">
+                    <m:r>
+                      <a:rPr lang="en-US" sz="2000" b="0" i="1" smtClean="0">
+                        <a:latin typeface="Cambria Math" panose="02040503050406030204" pitchFamily="18" charset="0"/>
+                        <a:ea typeface="Cambria Math" panose="02040503050406030204" pitchFamily="18" charset="0"/>
+                      </a:rPr>
+                      <m:t>𝑓</m:t>
+                    </m:r>
+                    <m:d>
+                      <m:dPr>
+                        <m:ctrlPr>
+                          <a:rPr lang="en-US" sz="2000" b="0" i="1" smtClean="0">
+                            <a:latin typeface="Cambria Math" panose="02040503050406030204" pitchFamily="18" charset="0"/>
+                            <a:ea typeface="Cambria Math" panose="02040503050406030204" pitchFamily="18" charset="0"/>
+                          </a:rPr>
+                        </m:ctrlPr>
+                      </m:dPr>
+                      <m:e>
+                        <m:r>
+                          <a:rPr lang="en-US" sz="2000" b="0" i="1" smtClean="0">
+                            <a:latin typeface="Cambria Math" panose="02040503050406030204" pitchFamily="18" charset="0"/>
+                            <a:ea typeface="Cambria Math" panose="02040503050406030204" pitchFamily="18" charset="0"/>
+                          </a:rPr>
+                          <m:t>𝑥</m:t>
+                        </m:r>
+                      </m:e>
+                    </m:d>
+                    <m:r>
+                      <a:rPr lang="en-US" sz="2000" b="0" i="1" smtClean="0">
+                        <a:latin typeface="Cambria Math" panose="02040503050406030204" pitchFamily="18" charset="0"/>
+                        <a:ea typeface="Cambria Math" panose="02040503050406030204" pitchFamily="18" charset="0"/>
+                      </a:rPr>
+                      <m:t>≤</m:t>
+                    </m:r>
+                    <m:r>
+                      <a:rPr lang="en-US" sz="2000" b="0" i="1" smtClean="0">
+                        <a:latin typeface="Cambria Math" panose="02040503050406030204" pitchFamily="18" charset="0"/>
+                        <a:ea typeface="Cambria Math" panose="02040503050406030204" pitchFamily="18" charset="0"/>
+                      </a:rPr>
+                      <m:t>𝑓</m:t>
+                    </m:r>
+                    <m:d>
+                      <m:dPr>
+                        <m:ctrlPr>
+                          <a:rPr lang="en-US" sz="2000" b="0" i="1" smtClean="0">
+                            <a:latin typeface="Cambria Math" panose="02040503050406030204" pitchFamily="18" charset="0"/>
+                            <a:ea typeface="Cambria Math" panose="02040503050406030204" pitchFamily="18" charset="0"/>
+                          </a:rPr>
+                        </m:ctrlPr>
+                      </m:dPr>
+                      <m:e>
+                        <m:r>
+                          <a:rPr lang="en-US" sz="2000" b="0" i="1" smtClean="0">
+                            <a:latin typeface="Cambria Math" panose="02040503050406030204" pitchFamily="18" charset="0"/>
+                            <a:ea typeface="Cambria Math" panose="02040503050406030204" pitchFamily="18" charset="0"/>
+                          </a:rPr>
+                          <m:t>𝑐</m:t>
+                        </m:r>
+                      </m:e>
+                    </m:d>
+                  </m:oMath>
+                </a14:m>
+                <a:r>
+                  <a:rPr lang="en-US" sz="2000" dirty="0">
+                    <a:latin typeface="Cambria Math" panose="02040503050406030204" pitchFamily="18" charset="0"/>
+                    <a:ea typeface="Cambria Math" panose="02040503050406030204" pitchFamily="18" charset="0"/>
+                  </a:rPr>
+                  <a:t> 		for all x in D</a:t>
+                </a:r>
+              </a:p>
+              <a:p>
+                <a:r>
+                  <a:rPr lang="en-US" sz="2000" dirty="0">
+                    <a:latin typeface="Cambria Math" panose="02040503050406030204" pitchFamily="18" charset="0"/>
+                    <a:ea typeface="Cambria Math" panose="02040503050406030204" pitchFamily="18" charset="0"/>
+                  </a:rPr>
+                  <a:t>and an </a:t>
+                </a:r>
+                <a:r>
+                  <a:rPr lang="en-US" sz="2000" b="1" dirty="0">
+                    <a:latin typeface="Cambria Math" panose="02040503050406030204" pitchFamily="18" charset="0"/>
+                    <a:ea typeface="Cambria Math" panose="02040503050406030204" pitchFamily="18" charset="0"/>
+                  </a:rPr>
+                  <a:t>absolute minimum </a:t>
+                </a:r>
+                <a:r>
+                  <a:rPr lang="en-US" sz="2000" dirty="0">
+                    <a:latin typeface="Cambria Math" panose="02040503050406030204" pitchFamily="18" charset="0"/>
+                    <a:ea typeface="Cambria Math" panose="02040503050406030204" pitchFamily="18" charset="0"/>
+                  </a:rPr>
+                  <a:t>value on D at c if</a:t>
+                </a:r>
+              </a:p>
+              <a:p>
+                <a:pPr algn="ctr"/>
+                <a14:m>
+                  <m:oMath xmlns:m="http://schemas.openxmlformats.org/officeDocument/2006/math">
+                    <m:r>
+                      <a:rPr lang="en-US" sz="2000" b="0" i="1" smtClean="0">
+                        <a:latin typeface="Cambria Math" panose="02040503050406030204" pitchFamily="18" charset="0"/>
+                        <a:ea typeface="Cambria Math" panose="02040503050406030204" pitchFamily="18" charset="0"/>
+                      </a:rPr>
+                      <m:t>𝑓</m:t>
+                    </m:r>
+                    <m:d>
+                      <m:dPr>
+                        <m:ctrlPr>
+                          <a:rPr lang="en-US" sz="2000" b="0" i="1" smtClean="0">
+                            <a:latin typeface="Cambria Math" panose="02040503050406030204" pitchFamily="18" charset="0"/>
+                            <a:ea typeface="Cambria Math" panose="02040503050406030204" pitchFamily="18" charset="0"/>
+                          </a:rPr>
+                        </m:ctrlPr>
+                      </m:dPr>
+                      <m:e>
+                        <m:r>
+                          <a:rPr lang="en-US" sz="2000" b="0" i="1" smtClean="0">
+                            <a:latin typeface="Cambria Math" panose="02040503050406030204" pitchFamily="18" charset="0"/>
+                            <a:ea typeface="Cambria Math" panose="02040503050406030204" pitchFamily="18" charset="0"/>
+                          </a:rPr>
+                          <m:t>𝑥</m:t>
+                        </m:r>
+                      </m:e>
+                    </m:d>
+                    <m:r>
+                      <a:rPr lang="en-US" sz="2000" b="0" i="1" smtClean="0">
+                        <a:latin typeface="Cambria Math" panose="02040503050406030204" pitchFamily="18" charset="0"/>
+                        <a:ea typeface="Cambria Math" panose="02040503050406030204" pitchFamily="18" charset="0"/>
+                      </a:rPr>
+                      <m:t>≥</m:t>
+                    </m:r>
+                    <m:r>
+                      <a:rPr lang="en-US" sz="2000" b="0" i="1" smtClean="0">
+                        <a:latin typeface="Cambria Math" panose="02040503050406030204" pitchFamily="18" charset="0"/>
+                        <a:ea typeface="Cambria Math" panose="02040503050406030204" pitchFamily="18" charset="0"/>
+                      </a:rPr>
+                      <m:t>𝑓</m:t>
+                    </m:r>
+                    <m:d>
+                      <m:dPr>
+                        <m:ctrlPr>
+                          <a:rPr lang="en-US" sz="2000" b="0" i="1" smtClean="0">
+                            <a:latin typeface="Cambria Math" panose="02040503050406030204" pitchFamily="18" charset="0"/>
+                            <a:ea typeface="Cambria Math" panose="02040503050406030204" pitchFamily="18" charset="0"/>
+                          </a:rPr>
+                        </m:ctrlPr>
+                      </m:dPr>
+                      <m:e>
+                        <m:r>
+                          <a:rPr lang="en-US" sz="2000" b="0" i="1" smtClean="0">
+                            <a:latin typeface="Cambria Math" panose="02040503050406030204" pitchFamily="18" charset="0"/>
+                            <a:ea typeface="Cambria Math" panose="02040503050406030204" pitchFamily="18" charset="0"/>
+                          </a:rPr>
+                          <m:t>𝑐</m:t>
+                        </m:r>
+                      </m:e>
+                    </m:d>
+                  </m:oMath>
+                </a14:m>
+                <a:r>
+                  <a:rPr lang="en-US" sz="2000" dirty="0">
+                    <a:latin typeface="Cambria Math" panose="02040503050406030204" pitchFamily="18" charset="0"/>
+                    <a:ea typeface="Cambria Math" panose="02040503050406030204" pitchFamily="18" charset="0"/>
+                  </a:rPr>
+                  <a:t> 		for all x in D.</a:t>
+                </a:r>
+              </a:p>
+            </p:txBody>
+          </p:sp>
+        </mc:Choice>
+        <mc:Fallback xmlns="">
+          <p:sp>
+            <p:nvSpPr>
+              <p:cNvPr id="4" name="TextBox 3">
+                <a:extLst>
+                  <a:ext uri="{FF2B5EF4-FFF2-40B4-BE49-F238E27FC236}">
+                    <a16:creationId xmlns:a16="http://schemas.microsoft.com/office/drawing/2014/main" id="{437A87C2-3DEC-4E3F-A557-57FCFB092CAF}"/>
+                  </a:ext>
+                </a:extLst>
+              </p:cNvPr>
+              <p:cNvSpPr txBox="1">
+                <a:spLocks noRot="1" noChangeAspect="1" noMove="1" noResize="1" noEditPoints="1" noAdjustHandles="1" noChangeArrowheads="1" noChangeShapeType="1" noTextEdit="1"/>
+              </p:cNvSpPr>
+              <p:nvPr/>
+            </p:nvSpPr>
+            <p:spPr>
+              <a:xfrm>
+                <a:off x="1295402" y="2597426"/>
+                <a:ext cx="9601196" cy="1631216"/>
+              </a:xfrm>
+              <a:prstGeom prst="rect">
+                <a:avLst/>
+              </a:prstGeom>
+              <a:blipFill>
+                <a:blip r:embed="rId2"/>
+                <a:stretch>
+                  <a:fillRect l="-699" t="-1866" b="-5597"/>
+                </a:stretch>
+              </a:blipFill>
+            </p:spPr>
+            <p:txBody>
+              <a:bodyPr/>
+              <a:lstStyle/>
+              <a:p>
+                <a:r>
+                  <a:rPr lang="en-US">
+                    <a:noFill/>
+                  </a:rPr>
+                  <a:t> </a:t>
+                </a:r>
+              </a:p>
+            </p:txBody>
+          </p:sp>
+        </mc:Fallback>
+      </mc:AlternateContent>
+    </p:spTree>
+    <p:extLst>
+      <p:ext uri="{BB962C8B-B14F-4D97-AF65-F5344CB8AC3E}">
+        <p14:creationId xmlns:p14="http://schemas.microsoft.com/office/powerpoint/2010/main" val="3542921428"/>
       </p:ext>
     </p:extLst>
   </p:cSld>
@@ -13702,337 +13362,6 @@
                   <a:srgbClr val="0070C0"/>
                 </a:solidFill>
               </a:rPr>
-              <a:t>Absolute Maxima &amp; Minima</a:t>
-            </a:r>
-          </a:p>
-        </p:txBody>
-      </p:sp>
-      <mc:AlternateContent xmlns:mc="http://schemas.openxmlformats.org/markup-compatibility/2006" xmlns:a14="http://schemas.microsoft.com/office/drawing/2010/main">
-        <mc:Choice Requires="a14">
-          <p:sp>
-            <p:nvSpPr>
-              <p:cNvPr id="4" name="TextBox 3">
-                <a:extLst>
-                  <a:ext uri="{FF2B5EF4-FFF2-40B4-BE49-F238E27FC236}">
-                    <a16:creationId xmlns:a16="http://schemas.microsoft.com/office/drawing/2014/main" id="{437A87C2-3DEC-4E3F-A557-57FCFB092CAF}"/>
-                  </a:ext>
-                </a:extLst>
-              </p:cNvPr>
-              <p:cNvSpPr txBox="1"/>
-              <p:nvPr/>
-            </p:nvSpPr>
-            <p:spPr>
-              <a:xfrm>
-                <a:off x="1295402" y="2597426"/>
-                <a:ext cx="9601196" cy="1631216"/>
-              </a:xfrm>
-              <a:prstGeom prst="rect">
-                <a:avLst/>
-              </a:prstGeom>
-              <a:noFill/>
-            </p:spPr>
-            <p:txBody>
-              <a:bodyPr wrap="square" rtlCol="0">
-                <a:spAutoFit/>
-              </a:bodyPr>
-              <a:lstStyle/>
-              <a:p>
-                <a:r>
-                  <a:rPr lang="en-US" sz="2000" dirty="0">
-                    <a:latin typeface="Cambria Math" panose="02040503050406030204" pitchFamily="18" charset="0"/>
-                    <a:ea typeface="Cambria Math" panose="02040503050406030204" pitchFamily="18" charset="0"/>
-                  </a:rPr>
-                  <a:t>Let ƒ be a function with domain D. Then ƒ has an </a:t>
-                </a:r>
-                <a:r>
-                  <a:rPr lang="en-US" sz="2000" b="1" dirty="0">
-                    <a:latin typeface="Cambria Math" panose="02040503050406030204" pitchFamily="18" charset="0"/>
-                    <a:ea typeface="Cambria Math" panose="02040503050406030204" pitchFamily="18" charset="0"/>
-                  </a:rPr>
-                  <a:t>absolute maximum </a:t>
-                </a:r>
-                <a:r>
-                  <a:rPr lang="en-US" sz="2000" dirty="0">
-                    <a:latin typeface="Cambria Math" panose="02040503050406030204" pitchFamily="18" charset="0"/>
-                    <a:ea typeface="Cambria Math" panose="02040503050406030204" pitchFamily="18" charset="0"/>
-                  </a:rPr>
-                  <a:t>value on D at a point c if</a:t>
-                </a:r>
-              </a:p>
-              <a:p>
-                <a:pPr algn="ctr"/>
-                <a14:m>
-                  <m:oMath xmlns:m="http://schemas.openxmlformats.org/officeDocument/2006/math">
-                    <m:r>
-                      <a:rPr lang="en-US" sz="2000" b="0" i="1" smtClean="0">
-                        <a:latin typeface="Cambria Math" panose="02040503050406030204" pitchFamily="18" charset="0"/>
-                        <a:ea typeface="Cambria Math" panose="02040503050406030204" pitchFamily="18" charset="0"/>
-                      </a:rPr>
-                      <m:t>𝑓</m:t>
-                    </m:r>
-                    <m:d>
-                      <m:dPr>
-                        <m:ctrlPr>
-                          <a:rPr lang="en-US" sz="2000" b="0" i="1" smtClean="0">
-                            <a:latin typeface="Cambria Math" panose="02040503050406030204" pitchFamily="18" charset="0"/>
-                            <a:ea typeface="Cambria Math" panose="02040503050406030204" pitchFamily="18" charset="0"/>
-                          </a:rPr>
-                        </m:ctrlPr>
-                      </m:dPr>
-                      <m:e>
-                        <m:r>
-                          <a:rPr lang="en-US" sz="2000" b="0" i="1" smtClean="0">
-                            <a:latin typeface="Cambria Math" panose="02040503050406030204" pitchFamily="18" charset="0"/>
-                            <a:ea typeface="Cambria Math" panose="02040503050406030204" pitchFamily="18" charset="0"/>
-                          </a:rPr>
-                          <m:t>𝑥</m:t>
-                        </m:r>
-                      </m:e>
-                    </m:d>
-                    <m:r>
-                      <a:rPr lang="en-US" sz="2000" b="0" i="1" smtClean="0">
-                        <a:latin typeface="Cambria Math" panose="02040503050406030204" pitchFamily="18" charset="0"/>
-                        <a:ea typeface="Cambria Math" panose="02040503050406030204" pitchFamily="18" charset="0"/>
-                      </a:rPr>
-                      <m:t>≤</m:t>
-                    </m:r>
-                    <m:r>
-                      <a:rPr lang="en-US" sz="2000" b="0" i="1" smtClean="0">
-                        <a:latin typeface="Cambria Math" panose="02040503050406030204" pitchFamily="18" charset="0"/>
-                        <a:ea typeface="Cambria Math" panose="02040503050406030204" pitchFamily="18" charset="0"/>
-                      </a:rPr>
-                      <m:t>𝑓</m:t>
-                    </m:r>
-                    <m:d>
-                      <m:dPr>
-                        <m:ctrlPr>
-                          <a:rPr lang="en-US" sz="2000" b="0" i="1" smtClean="0">
-                            <a:latin typeface="Cambria Math" panose="02040503050406030204" pitchFamily="18" charset="0"/>
-                            <a:ea typeface="Cambria Math" panose="02040503050406030204" pitchFamily="18" charset="0"/>
-                          </a:rPr>
-                        </m:ctrlPr>
-                      </m:dPr>
-                      <m:e>
-                        <m:r>
-                          <a:rPr lang="en-US" sz="2000" b="0" i="1" smtClean="0">
-                            <a:latin typeface="Cambria Math" panose="02040503050406030204" pitchFamily="18" charset="0"/>
-                            <a:ea typeface="Cambria Math" panose="02040503050406030204" pitchFamily="18" charset="0"/>
-                          </a:rPr>
-                          <m:t>𝑐</m:t>
-                        </m:r>
-                      </m:e>
-                    </m:d>
-                  </m:oMath>
-                </a14:m>
-                <a:r>
-                  <a:rPr lang="en-US" sz="2000" dirty="0">
-                    <a:latin typeface="Cambria Math" panose="02040503050406030204" pitchFamily="18" charset="0"/>
-                    <a:ea typeface="Cambria Math" panose="02040503050406030204" pitchFamily="18" charset="0"/>
-                  </a:rPr>
-                  <a:t> 		for all x in D</a:t>
-                </a:r>
-              </a:p>
-              <a:p>
-                <a:r>
-                  <a:rPr lang="en-US" sz="2000" dirty="0">
-                    <a:latin typeface="Cambria Math" panose="02040503050406030204" pitchFamily="18" charset="0"/>
-                    <a:ea typeface="Cambria Math" panose="02040503050406030204" pitchFamily="18" charset="0"/>
-                  </a:rPr>
-                  <a:t>and an </a:t>
-                </a:r>
-                <a:r>
-                  <a:rPr lang="en-US" sz="2000" b="1" dirty="0">
-                    <a:latin typeface="Cambria Math" panose="02040503050406030204" pitchFamily="18" charset="0"/>
-                    <a:ea typeface="Cambria Math" panose="02040503050406030204" pitchFamily="18" charset="0"/>
-                  </a:rPr>
-                  <a:t>absolute minimum </a:t>
-                </a:r>
-                <a:r>
-                  <a:rPr lang="en-US" sz="2000" dirty="0">
-                    <a:latin typeface="Cambria Math" panose="02040503050406030204" pitchFamily="18" charset="0"/>
-                    <a:ea typeface="Cambria Math" panose="02040503050406030204" pitchFamily="18" charset="0"/>
-                  </a:rPr>
-                  <a:t>value on D at c if</a:t>
-                </a:r>
-              </a:p>
-              <a:p>
-                <a:pPr algn="ctr"/>
-                <a14:m>
-                  <m:oMath xmlns:m="http://schemas.openxmlformats.org/officeDocument/2006/math">
-                    <m:r>
-                      <a:rPr lang="en-US" sz="2000" b="0" i="1" smtClean="0">
-                        <a:latin typeface="Cambria Math" panose="02040503050406030204" pitchFamily="18" charset="0"/>
-                        <a:ea typeface="Cambria Math" panose="02040503050406030204" pitchFamily="18" charset="0"/>
-                      </a:rPr>
-                      <m:t>𝑓</m:t>
-                    </m:r>
-                    <m:d>
-                      <m:dPr>
-                        <m:ctrlPr>
-                          <a:rPr lang="en-US" sz="2000" b="0" i="1" smtClean="0">
-                            <a:latin typeface="Cambria Math" panose="02040503050406030204" pitchFamily="18" charset="0"/>
-                            <a:ea typeface="Cambria Math" panose="02040503050406030204" pitchFamily="18" charset="0"/>
-                          </a:rPr>
-                        </m:ctrlPr>
-                      </m:dPr>
-                      <m:e>
-                        <m:r>
-                          <a:rPr lang="en-US" sz="2000" b="0" i="1" smtClean="0">
-                            <a:latin typeface="Cambria Math" panose="02040503050406030204" pitchFamily="18" charset="0"/>
-                            <a:ea typeface="Cambria Math" panose="02040503050406030204" pitchFamily="18" charset="0"/>
-                          </a:rPr>
-                          <m:t>𝑥</m:t>
-                        </m:r>
-                      </m:e>
-                    </m:d>
-                    <m:r>
-                      <a:rPr lang="en-US" sz="2000" b="0" i="1" smtClean="0">
-                        <a:latin typeface="Cambria Math" panose="02040503050406030204" pitchFamily="18" charset="0"/>
-                        <a:ea typeface="Cambria Math" panose="02040503050406030204" pitchFamily="18" charset="0"/>
-                      </a:rPr>
-                      <m:t>≥</m:t>
-                    </m:r>
-                    <m:r>
-                      <a:rPr lang="en-US" sz="2000" b="0" i="1" smtClean="0">
-                        <a:latin typeface="Cambria Math" panose="02040503050406030204" pitchFamily="18" charset="0"/>
-                        <a:ea typeface="Cambria Math" panose="02040503050406030204" pitchFamily="18" charset="0"/>
-                      </a:rPr>
-                      <m:t>𝑓</m:t>
-                    </m:r>
-                    <m:d>
-                      <m:dPr>
-                        <m:ctrlPr>
-                          <a:rPr lang="en-US" sz="2000" b="0" i="1" smtClean="0">
-                            <a:latin typeface="Cambria Math" panose="02040503050406030204" pitchFamily="18" charset="0"/>
-                            <a:ea typeface="Cambria Math" panose="02040503050406030204" pitchFamily="18" charset="0"/>
-                          </a:rPr>
-                        </m:ctrlPr>
-                      </m:dPr>
-                      <m:e>
-                        <m:r>
-                          <a:rPr lang="en-US" sz="2000" b="0" i="1" smtClean="0">
-                            <a:latin typeface="Cambria Math" panose="02040503050406030204" pitchFamily="18" charset="0"/>
-                            <a:ea typeface="Cambria Math" panose="02040503050406030204" pitchFamily="18" charset="0"/>
-                          </a:rPr>
-                          <m:t>𝑐</m:t>
-                        </m:r>
-                      </m:e>
-                    </m:d>
-                  </m:oMath>
-                </a14:m>
-                <a:r>
-                  <a:rPr lang="en-US" sz="2000" dirty="0">
-                    <a:latin typeface="Cambria Math" panose="02040503050406030204" pitchFamily="18" charset="0"/>
-                    <a:ea typeface="Cambria Math" panose="02040503050406030204" pitchFamily="18" charset="0"/>
-                  </a:rPr>
-                  <a:t> 		for all x in D.</a:t>
-                </a:r>
-              </a:p>
-            </p:txBody>
-          </p:sp>
-        </mc:Choice>
-        <mc:Fallback xmlns="">
-          <p:sp>
-            <p:nvSpPr>
-              <p:cNvPr id="4" name="TextBox 3">
-                <a:extLst>
-                  <a:ext uri="{FF2B5EF4-FFF2-40B4-BE49-F238E27FC236}">
-                    <a16:creationId xmlns:a16="http://schemas.microsoft.com/office/drawing/2014/main" id="{437A87C2-3DEC-4E3F-A557-57FCFB092CAF}"/>
-                  </a:ext>
-                </a:extLst>
-              </p:cNvPr>
-              <p:cNvSpPr txBox="1">
-                <a:spLocks noRot="1" noChangeAspect="1" noMove="1" noResize="1" noEditPoints="1" noAdjustHandles="1" noChangeArrowheads="1" noChangeShapeType="1" noTextEdit="1"/>
-              </p:cNvSpPr>
-              <p:nvPr/>
-            </p:nvSpPr>
-            <p:spPr>
-              <a:xfrm>
-                <a:off x="1295402" y="2597426"/>
-                <a:ext cx="9601196" cy="1631216"/>
-              </a:xfrm>
-              <a:prstGeom prst="rect">
-                <a:avLst/>
-              </a:prstGeom>
-              <a:blipFill>
-                <a:blip r:embed="rId2"/>
-                <a:stretch>
-                  <a:fillRect l="-699" t="-1866" b="-5597"/>
-                </a:stretch>
-              </a:blipFill>
-            </p:spPr>
-            <p:txBody>
-              <a:bodyPr/>
-              <a:lstStyle/>
-              <a:p>
-                <a:r>
-                  <a:rPr lang="en-US">
-                    <a:noFill/>
-                  </a:rPr>
-                  <a:t> </a:t>
-                </a:r>
-              </a:p>
-            </p:txBody>
-          </p:sp>
-        </mc:Fallback>
-      </mc:AlternateContent>
-    </p:spTree>
-    <p:extLst>
-      <p:ext uri="{BB962C8B-B14F-4D97-AF65-F5344CB8AC3E}">
-        <p14:creationId xmlns:p14="http://schemas.microsoft.com/office/powerpoint/2010/main" val="3542921428"/>
-      </p:ext>
-    </p:extLst>
-  </p:cSld>
-  <p:clrMapOvr>
-    <a:masterClrMapping/>
-  </p:clrMapOvr>
-</p:sld>
-</file>
-
-<file path=ppt/slides/slide21.xml><?xml version="1.0" encoding="utf-8"?>
-<p:sld xmlns:a="http://schemas.openxmlformats.org/drawingml/2006/main" xmlns:r="http://schemas.openxmlformats.org/officeDocument/2006/relationships" xmlns:p="http://schemas.openxmlformats.org/presentationml/2006/main">
-  <p:cSld>
-    <p:spTree>
-      <p:nvGrpSpPr>
-        <p:cNvPr id="1" name=""/>
-        <p:cNvGrpSpPr/>
-        <p:nvPr/>
-      </p:nvGrpSpPr>
-      <p:grpSpPr>
-        <a:xfrm>
-          <a:off x="0" y="0"/>
-          <a:ext cx="0" cy="0"/>
-          <a:chOff x="0" y="0"/>
-          <a:chExt cx="0" cy="0"/>
-        </a:xfrm>
-      </p:grpSpPr>
-      <p:sp>
-        <p:nvSpPr>
-          <p:cNvPr id="2" name="Title 1">
-            <a:extLst>
-              <a:ext uri="{FF2B5EF4-FFF2-40B4-BE49-F238E27FC236}">
-                <a16:creationId xmlns:a16="http://schemas.microsoft.com/office/drawing/2014/main" id="{D634FFE8-98B2-4838-A33C-D8C6BCBD2C77}"/>
-              </a:ext>
-            </a:extLst>
-          </p:cNvPr>
-          <p:cNvSpPr>
-            <a:spLocks noGrp="1"/>
-          </p:cNvSpPr>
-          <p:nvPr>
-            <p:ph type="title"/>
-          </p:nvPr>
-        </p:nvSpPr>
-        <p:spPr/>
-        <p:txBody>
-          <a:bodyPr/>
-          <a:lstStyle/>
-          <a:p>
-            <a:r>
-              <a:rPr lang="en-US" dirty="0">
-                <a:solidFill>
-                  <a:srgbClr val="0070C0"/>
-                </a:solidFill>
-              </a:rPr>
               <a:t>Local Maxima &amp; Minima</a:t>
             </a:r>
           </a:p>
@@ -14389,7 +13718,7 @@
 </p:sld>
 </file>
 
-<file path=ppt/slides/slide22.xml><?xml version="1.0" encoding="utf-8"?>
+<file path=ppt/slides/slide21.xml><?xml version="1.0" encoding="utf-8"?>
 <p:sld xmlns:a="http://schemas.openxmlformats.org/drawingml/2006/main" xmlns:r="http://schemas.openxmlformats.org/officeDocument/2006/relationships" xmlns:p="http://schemas.openxmlformats.org/presentationml/2006/main">
   <p:cSld>
     <p:spTree>
@@ -15588,7 +14917,7 @@
 </p:sld>
 </file>
 
-<file path=ppt/slides/slide23.xml><?xml version="1.0" encoding="utf-8"?>
+<file path=ppt/slides/slide22.xml><?xml version="1.0" encoding="utf-8"?>
 <p:sld xmlns:a="http://schemas.openxmlformats.org/drawingml/2006/main" xmlns:r="http://schemas.openxmlformats.org/officeDocument/2006/relationships" xmlns:p="http://schemas.openxmlformats.org/presentationml/2006/main">
   <p:cSld>
     <p:spTree>
@@ -15796,6 +15125,600 @@
 </p:sld>
 </file>
 
+<file path=ppt/slides/slide23.xml><?xml version="1.0" encoding="utf-8"?>
+<p:sld xmlns:a="http://schemas.openxmlformats.org/drawingml/2006/main" xmlns:r="http://schemas.openxmlformats.org/officeDocument/2006/relationships" xmlns:p="http://schemas.openxmlformats.org/presentationml/2006/main">
+  <p:cSld>
+    <p:spTree>
+      <p:nvGrpSpPr>
+        <p:cNvPr id="1" name=""/>
+        <p:cNvGrpSpPr/>
+        <p:nvPr/>
+      </p:nvGrpSpPr>
+      <p:grpSpPr>
+        <a:xfrm>
+          <a:off x="0" y="0"/>
+          <a:ext cx="0" cy="0"/>
+          <a:chOff x="0" y="0"/>
+          <a:chExt cx="0" cy="0"/>
+        </a:xfrm>
+      </p:grpSpPr>
+      <mc:AlternateContent xmlns:mc="http://schemas.openxmlformats.org/markup-compatibility/2006" xmlns:a14="http://schemas.microsoft.com/office/drawing/2010/main">
+        <mc:Choice Requires="a14">
+          <p:sp>
+            <p:nvSpPr>
+              <p:cNvPr id="4" name="TextBox 3">
+                <a:extLst>
+                  <a:ext uri="{FF2B5EF4-FFF2-40B4-BE49-F238E27FC236}">
+                    <a16:creationId xmlns:a16="http://schemas.microsoft.com/office/drawing/2014/main" id="{D20F929D-96D0-4AE2-90F7-8BC3E1A20CA3}"/>
+                  </a:ext>
+                </a:extLst>
+              </p:cNvPr>
+              <p:cNvSpPr txBox="1"/>
+              <p:nvPr/>
+            </p:nvSpPr>
+            <p:spPr>
+              <a:xfrm>
+                <a:off x="1391478" y="1845928"/>
+                <a:ext cx="9409043" cy="3269869"/>
+              </a:xfrm>
+              <a:prstGeom prst="rect">
+                <a:avLst/>
+              </a:prstGeom>
+              <a:noFill/>
+            </p:spPr>
+            <p:txBody>
+              <a:bodyPr wrap="square" rtlCol="0">
+                <a:spAutoFit/>
+              </a:bodyPr>
+              <a:lstStyle/>
+              <a:p>
+                <a:r>
+                  <a:rPr lang="de-DE" sz="2400" dirty="0">
+                    <a:solidFill>
+                      <a:srgbClr val="0070C0"/>
+                    </a:solidFill>
+                    <a:latin typeface="Cambria Math" panose="02040503050406030204" pitchFamily="18" charset="0"/>
+                    <a:ea typeface="Cambria Math" panose="02040503050406030204" pitchFamily="18" charset="0"/>
+                  </a:rPr>
+                  <a:t>THEOREM 4—The Sandwich Theorem</a:t>
+                </a:r>
+              </a:p>
+              <a:p>
+                <a:endParaRPr lang="de-DE" sz="2400" dirty="0">
+                  <a:latin typeface="Cambria Math" panose="02040503050406030204" pitchFamily="18" charset="0"/>
+                  <a:ea typeface="Cambria Math" panose="02040503050406030204" pitchFamily="18" charset="0"/>
+                </a:endParaRPr>
+              </a:p>
+              <a:p>
+                <a:r>
+                  <a:rPr lang="en-US" sz="2400" dirty="0">
+                    <a:latin typeface="Cambria Math" panose="02040503050406030204" pitchFamily="18" charset="0"/>
+                    <a:ea typeface="Cambria Math" panose="02040503050406030204" pitchFamily="18" charset="0"/>
+                  </a:rPr>
+                  <a:t>Suppose that </a:t>
+                </a:r>
+                <a14:m>
+                  <m:oMath xmlns:m="http://schemas.openxmlformats.org/officeDocument/2006/math">
+                    <m:r>
+                      <a:rPr lang="en-US" sz="2400" b="0" i="1" smtClean="0">
+                        <a:latin typeface="Cambria Math" panose="02040503050406030204" pitchFamily="18" charset="0"/>
+                        <a:ea typeface="Cambria Math" panose="02040503050406030204" pitchFamily="18" charset="0"/>
+                      </a:rPr>
+                      <m:t>𝑔</m:t>
+                    </m:r>
+                    <m:d>
+                      <m:dPr>
+                        <m:ctrlPr>
+                          <a:rPr lang="en-US" sz="2400" b="0" i="1" smtClean="0">
+                            <a:latin typeface="Cambria Math" panose="02040503050406030204" pitchFamily="18" charset="0"/>
+                            <a:ea typeface="Cambria Math" panose="02040503050406030204" pitchFamily="18" charset="0"/>
+                          </a:rPr>
+                        </m:ctrlPr>
+                      </m:dPr>
+                      <m:e>
+                        <m:r>
+                          <a:rPr lang="en-US" sz="2400" b="0" i="1" smtClean="0">
+                            <a:latin typeface="Cambria Math" panose="02040503050406030204" pitchFamily="18" charset="0"/>
+                            <a:ea typeface="Cambria Math" panose="02040503050406030204" pitchFamily="18" charset="0"/>
+                          </a:rPr>
+                          <m:t>𝑥</m:t>
+                        </m:r>
+                      </m:e>
+                    </m:d>
+                    <m:r>
+                      <a:rPr lang="en-US" sz="2400" b="0" i="1" smtClean="0">
+                        <a:latin typeface="Cambria Math" panose="02040503050406030204" pitchFamily="18" charset="0"/>
+                        <a:ea typeface="Cambria Math" panose="02040503050406030204" pitchFamily="18" charset="0"/>
+                      </a:rPr>
+                      <m:t>≤</m:t>
+                    </m:r>
+                    <m:r>
+                      <a:rPr lang="en-US" sz="2400" b="0" i="1" smtClean="0">
+                        <a:latin typeface="Cambria Math" panose="02040503050406030204" pitchFamily="18" charset="0"/>
+                        <a:ea typeface="Cambria Math" panose="02040503050406030204" pitchFamily="18" charset="0"/>
+                      </a:rPr>
+                      <m:t>𝑓</m:t>
+                    </m:r>
+                    <m:d>
+                      <m:dPr>
+                        <m:ctrlPr>
+                          <a:rPr lang="en-US" sz="2400" b="0" i="1" smtClean="0">
+                            <a:latin typeface="Cambria Math" panose="02040503050406030204" pitchFamily="18" charset="0"/>
+                            <a:ea typeface="Cambria Math" panose="02040503050406030204" pitchFamily="18" charset="0"/>
+                          </a:rPr>
+                        </m:ctrlPr>
+                      </m:dPr>
+                      <m:e>
+                        <m:r>
+                          <a:rPr lang="en-US" sz="2400" b="0" i="1" smtClean="0">
+                            <a:latin typeface="Cambria Math" panose="02040503050406030204" pitchFamily="18" charset="0"/>
+                            <a:ea typeface="Cambria Math" panose="02040503050406030204" pitchFamily="18" charset="0"/>
+                          </a:rPr>
+                          <m:t>𝑥</m:t>
+                        </m:r>
+                      </m:e>
+                    </m:d>
+                    <m:r>
+                      <a:rPr lang="en-US" sz="2400" b="0" i="1" smtClean="0">
+                        <a:latin typeface="Cambria Math" panose="02040503050406030204" pitchFamily="18" charset="0"/>
+                        <a:ea typeface="Cambria Math" panose="02040503050406030204" pitchFamily="18" charset="0"/>
+                      </a:rPr>
+                      <m:t>≤</m:t>
+                    </m:r>
+                    <m:r>
+                      <a:rPr lang="en-US" sz="2400" b="0" i="1" smtClean="0">
+                        <a:latin typeface="Cambria Math" panose="02040503050406030204" pitchFamily="18" charset="0"/>
+                        <a:ea typeface="Cambria Math" panose="02040503050406030204" pitchFamily="18" charset="0"/>
+                      </a:rPr>
+                      <m:t>h</m:t>
+                    </m:r>
+                    <m:d>
+                      <m:dPr>
+                        <m:ctrlPr>
+                          <a:rPr lang="en-US" sz="2400" b="0" i="1" smtClean="0">
+                            <a:latin typeface="Cambria Math" panose="02040503050406030204" pitchFamily="18" charset="0"/>
+                            <a:ea typeface="Cambria Math" panose="02040503050406030204" pitchFamily="18" charset="0"/>
+                          </a:rPr>
+                        </m:ctrlPr>
+                      </m:dPr>
+                      <m:e>
+                        <m:r>
+                          <a:rPr lang="en-US" sz="2400" b="0" i="1" smtClean="0">
+                            <a:latin typeface="Cambria Math" panose="02040503050406030204" pitchFamily="18" charset="0"/>
+                            <a:ea typeface="Cambria Math" panose="02040503050406030204" pitchFamily="18" charset="0"/>
+                          </a:rPr>
+                          <m:t>𝑥</m:t>
+                        </m:r>
+                      </m:e>
+                    </m:d>
+                  </m:oMath>
+                </a14:m>
+                <a:r>
+                  <a:rPr lang="en-US" sz="2400" dirty="0">
+                    <a:latin typeface="Cambria Math" panose="02040503050406030204" pitchFamily="18" charset="0"/>
+                    <a:ea typeface="Cambria Math" panose="02040503050406030204" pitchFamily="18" charset="0"/>
+                  </a:rPr>
+                  <a:t> for all x in some open interval containing c, except possibly at x = c itself. Suppose also that</a:t>
+                </a:r>
+              </a:p>
+              <a:p>
+                <a:r>
+                  <a:rPr lang="en-US" sz="2400" dirty="0">
+                    <a:ea typeface="Cambria Math" panose="02040503050406030204" pitchFamily="18" charset="0"/>
+                  </a:rPr>
+                  <a:t>	</a:t>
+                </a:r>
+              </a:p>
+              <a:p>
+                <a:r>
+                  <a:rPr lang="en-US" sz="2400" dirty="0">
+                    <a:ea typeface="Cambria Math" panose="02040503050406030204" pitchFamily="18" charset="0"/>
+                  </a:rPr>
+                  <a:t>		       </a:t>
+                </a:r>
+                <a14:m>
+                  <m:oMath xmlns:m="http://schemas.openxmlformats.org/officeDocument/2006/math">
+                    <m:func>
+                      <m:funcPr>
+                        <m:ctrlPr>
+                          <a:rPr lang="en-US" sz="2400" i="1" smtClean="0">
+                            <a:latin typeface="Cambria Math" panose="02040503050406030204" pitchFamily="18" charset="0"/>
+                            <a:ea typeface="Cambria Math" panose="02040503050406030204" pitchFamily="18" charset="0"/>
+                          </a:rPr>
+                        </m:ctrlPr>
+                      </m:funcPr>
+                      <m:fName>
+                        <m:limLow>
+                          <m:limLowPr>
+                            <m:ctrlPr>
+                              <a:rPr lang="en-US" sz="2400" i="1" smtClean="0">
+                                <a:latin typeface="Cambria Math" panose="02040503050406030204" pitchFamily="18" charset="0"/>
+                                <a:ea typeface="Cambria Math" panose="02040503050406030204" pitchFamily="18" charset="0"/>
+                              </a:rPr>
+                            </m:ctrlPr>
+                          </m:limLowPr>
+                          <m:e>
+                            <m:r>
+                              <m:rPr>
+                                <m:sty m:val="p"/>
+                              </m:rPr>
+                              <a:rPr lang="en-US" sz="2400" i="0" smtClean="0">
+                                <a:latin typeface="Cambria Math" panose="02040503050406030204" pitchFamily="18" charset="0"/>
+                                <a:ea typeface="Cambria Math" panose="02040503050406030204" pitchFamily="18" charset="0"/>
+                              </a:rPr>
+                              <m:t>lim</m:t>
+                            </m:r>
+                          </m:e>
+                          <m:lim>
+                            <m:r>
+                              <a:rPr lang="en-US" sz="2400" b="0" i="1" smtClean="0">
+                                <a:latin typeface="Cambria Math" panose="02040503050406030204" pitchFamily="18" charset="0"/>
+                                <a:ea typeface="Cambria Math" panose="02040503050406030204" pitchFamily="18" charset="0"/>
+                              </a:rPr>
+                              <m:t>𝑥</m:t>
+                            </m:r>
+                            <m:r>
+                              <a:rPr lang="en-US" sz="2400" b="0" i="1" smtClean="0">
+                                <a:latin typeface="Cambria Math" panose="02040503050406030204" pitchFamily="18" charset="0"/>
+                                <a:ea typeface="Cambria Math" panose="02040503050406030204" pitchFamily="18" charset="0"/>
+                              </a:rPr>
+                              <m:t>→</m:t>
+                            </m:r>
+                            <m:r>
+                              <a:rPr lang="en-US" sz="2400" b="0" i="1" smtClean="0">
+                                <a:latin typeface="Cambria Math" panose="02040503050406030204" pitchFamily="18" charset="0"/>
+                                <a:ea typeface="Cambria Math" panose="02040503050406030204" pitchFamily="18" charset="0"/>
+                              </a:rPr>
+                              <m:t>𝑐</m:t>
+                            </m:r>
+                          </m:lim>
+                        </m:limLow>
+                      </m:fName>
+                      <m:e>
+                        <m:r>
+                          <a:rPr lang="en-US" sz="2400" b="0" i="1" smtClean="0">
+                            <a:latin typeface="Cambria Math" panose="02040503050406030204" pitchFamily="18" charset="0"/>
+                            <a:ea typeface="Cambria Math" panose="02040503050406030204" pitchFamily="18" charset="0"/>
+                          </a:rPr>
+                          <m:t>𝑔</m:t>
+                        </m:r>
+                        <m:d>
+                          <m:dPr>
+                            <m:ctrlPr>
+                              <a:rPr lang="en-US" sz="2400" b="0" i="1" smtClean="0">
+                                <a:latin typeface="Cambria Math" panose="02040503050406030204" pitchFamily="18" charset="0"/>
+                                <a:ea typeface="Cambria Math" panose="02040503050406030204" pitchFamily="18" charset="0"/>
+                              </a:rPr>
+                            </m:ctrlPr>
+                          </m:dPr>
+                          <m:e>
+                            <m:r>
+                              <a:rPr lang="en-US" sz="2400" b="0" i="1" smtClean="0">
+                                <a:latin typeface="Cambria Math" panose="02040503050406030204" pitchFamily="18" charset="0"/>
+                                <a:ea typeface="Cambria Math" panose="02040503050406030204" pitchFamily="18" charset="0"/>
+                              </a:rPr>
+                              <m:t>𝑥</m:t>
+                            </m:r>
+                          </m:e>
+                        </m:d>
+                        <m:r>
+                          <a:rPr lang="en-US" sz="2400" b="0" i="1" smtClean="0">
+                            <a:latin typeface="Cambria Math" panose="02040503050406030204" pitchFamily="18" charset="0"/>
+                            <a:ea typeface="Cambria Math" panose="02040503050406030204" pitchFamily="18" charset="0"/>
+                          </a:rPr>
+                          <m:t>=</m:t>
+                        </m:r>
+                      </m:e>
+                    </m:func>
+                    <m:func>
+                      <m:funcPr>
+                        <m:ctrlPr>
+                          <a:rPr lang="en-US" sz="2400" i="1">
+                            <a:latin typeface="Cambria Math" panose="02040503050406030204" pitchFamily="18" charset="0"/>
+                            <a:ea typeface="Cambria Math" panose="02040503050406030204" pitchFamily="18" charset="0"/>
+                          </a:rPr>
+                        </m:ctrlPr>
+                      </m:funcPr>
+                      <m:fName>
+                        <m:limLow>
+                          <m:limLowPr>
+                            <m:ctrlPr>
+                              <a:rPr lang="en-US" sz="2400" i="1">
+                                <a:latin typeface="Cambria Math" panose="02040503050406030204" pitchFamily="18" charset="0"/>
+                                <a:ea typeface="Cambria Math" panose="02040503050406030204" pitchFamily="18" charset="0"/>
+                              </a:rPr>
+                            </m:ctrlPr>
+                          </m:limLowPr>
+                          <m:e>
+                            <m:r>
+                              <m:rPr>
+                                <m:sty m:val="p"/>
+                              </m:rPr>
+                              <a:rPr lang="en-US" sz="2400">
+                                <a:latin typeface="Cambria Math" panose="02040503050406030204" pitchFamily="18" charset="0"/>
+                                <a:ea typeface="Cambria Math" panose="02040503050406030204" pitchFamily="18" charset="0"/>
+                              </a:rPr>
+                              <m:t>lim</m:t>
+                            </m:r>
+                          </m:e>
+                          <m:lim>
+                            <m:r>
+                              <a:rPr lang="en-US" sz="2400" i="1">
+                                <a:latin typeface="Cambria Math" panose="02040503050406030204" pitchFamily="18" charset="0"/>
+                                <a:ea typeface="Cambria Math" panose="02040503050406030204" pitchFamily="18" charset="0"/>
+                              </a:rPr>
+                              <m:t>𝑥</m:t>
+                            </m:r>
+                            <m:r>
+                              <a:rPr lang="en-US" sz="2400" i="1">
+                                <a:latin typeface="Cambria Math" panose="02040503050406030204" pitchFamily="18" charset="0"/>
+                                <a:ea typeface="Cambria Math" panose="02040503050406030204" pitchFamily="18" charset="0"/>
+                              </a:rPr>
+                              <m:t>→</m:t>
+                            </m:r>
+                            <m:r>
+                              <a:rPr lang="en-US" sz="2400" i="1">
+                                <a:latin typeface="Cambria Math" panose="02040503050406030204" pitchFamily="18" charset="0"/>
+                                <a:ea typeface="Cambria Math" panose="02040503050406030204" pitchFamily="18" charset="0"/>
+                              </a:rPr>
+                              <m:t>𝑐</m:t>
+                            </m:r>
+                          </m:lim>
+                        </m:limLow>
+                      </m:fName>
+                      <m:e>
+                        <m:r>
+                          <a:rPr lang="en-US" sz="2400" b="0" i="1" smtClean="0">
+                            <a:latin typeface="Cambria Math" panose="02040503050406030204" pitchFamily="18" charset="0"/>
+                            <a:ea typeface="Cambria Math" panose="02040503050406030204" pitchFamily="18" charset="0"/>
+                          </a:rPr>
+                          <m:t>h</m:t>
+                        </m:r>
+                        <m:d>
+                          <m:dPr>
+                            <m:ctrlPr>
+                              <a:rPr lang="en-US" sz="2400" i="1">
+                                <a:latin typeface="Cambria Math" panose="02040503050406030204" pitchFamily="18" charset="0"/>
+                                <a:ea typeface="Cambria Math" panose="02040503050406030204" pitchFamily="18" charset="0"/>
+                              </a:rPr>
+                            </m:ctrlPr>
+                          </m:dPr>
+                          <m:e>
+                            <m:r>
+                              <a:rPr lang="en-US" sz="2400" i="1">
+                                <a:latin typeface="Cambria Math" panose="02040503050406030204" pitchFamily="18" charset="0"/>
+                                <a:ea typeface="Cambria Math" panose="02040503050406030204" pitchFamily="18" charset="0"/>
+                              </a:rPr>
+                              <m:t>𝑥</m:t>
+                            </m:r>
+                          </m:e>
+                        </m:d>
+                        <m:r>
+                          <a:rPr lang="en-US" sz="2400" i="1">
+                            <a:latin typeface="Cambria Math" panose="02040503050406030204" pitchFamily="18" charset="0"/>
+                            <a:ea typeface="Cambria Math" panose="02040503050406030204" pitchFamily="18" charset="0"/>
+                          </a:rPr>
+                          <m:t>=</m:t>
+                        </m:r>
+                        <m:r>
+                          <a:rPr lang="en-US" sz="2400" b="0" i="1" smtClean="0">
+                            <a:latin typeface="Cambria Math" panose="02040503050406030204" pitchFamily="18" charset="0"/>
+                            <a:ea typeface="Cambria Math" panose="02040503050406030204" pitchFamily="18" charset="0"/>
+                          </a:rPr>
+                          <m:t>𝐿</m:t>
+                        </m:r>
+                      </m:e>
+                    </m:func>
+                    <m:r>
+                      <a:rPr lang="en-US" sz="2400" b="0" i="1" smtClean="0">
+                        <a:latin typeface="Cambria Math" panose="02040503050406030204" pitchFamily="18" charset="0"/>
+                        <a:ea typeface="Cambria Math" panose="02040503050406030204" pitchFamily="18" charset="0"/>
+                      </a:rPr>
+                      <m:t> </m:t>
+                    </m:r>
+                  </m:oMath>
+                </a14:m>
+                <a:r>
+                  <a:rPr lang="en-US" sz="2400" dirty="0">
+                    <a:latin typeface="Cambria Math" panose="02040503050406030204" pitchFamily="18" charset="0"/>
+                    <a:ea typeface="Cambria Math" panose="02040503050406030204" pitchFamily="18" charset="0"/>
+                  </a:rPr>
+                  <a:t> </a:t>
+                </a:r>
+              </a:p>
+              <a:p>
+                <a:endParaRPr lang="en-US" sz="2400" b="0" i="1" dirty="0">
+                  <a:latin typeface="Cambria Math" panose="02040503050406030204" pitchFamily="18" charset="0"/>
+                  <a:ea typeface="Cambria Math" panose="02040503050406030204" pitchFamily="18" charset="0"/>
+                </a:endParaRPr>
+              </a:p>
+              <a:p>
+                <a14:m>
+                  <m:oMath xmlns:m="http://schemas.openxmlformats.org/officeDocument/2006/math">
+                    <m:r>
+                      <a:rPr lang="en-US" sz="2400" b="0" i="1" smtClean="0">
+                        <a:latin typeface="Cambria Math" panose="02040503050406030204" pitchFamily="18" charset="0"/>
+                        <a:ea typeface="Cambria Math" panose="02040503050406030204" pitchFamily="18" charset="0"/>
+                      </a:rPr>
+                      <m:t>𝑇h𝑒𝑛</m:t>
+                    </m:r>
+                    <m:r>
+                      <a:rPr lang="en-US" sz="2400" b="0" i="1" smtClean="0">
+                        <a:latin typeface="Cambria Math" panose="02040503050406030204" pitchFamily="18" charset="0"/>
+                        <a:ea typeface="Cambria Math" panose="02040503050406030204" pitchFamily="18" charset="0"/>
+                      </a:rPr>
+                      <m:t>,         </m:t>
+                    </m:r>
+                    <m:func>
+                      <m:funcPr>
+                        <m:ctrlPr>
+                          <a:rPr lang="en-US" sz="2400" b="0" i="1" smtClean="0">
+                            <a:latin typeface="Cambria Math" panose="02040503050406030204" pitchFamily="18" charset="0"/>
+                            <a:ea typeface="Cambria Math" panose="02040503050406030204" pitchFamily="18" charset="0"/>
+                          </a:rPr>
+                        </m:ctrlPr>
+                      </m:funcPr>
+                      <m:fName>
+                        <m:limLow>
+                          <m:limLowPr>
+                            <m:ctrlPr>
+                              <a:rPr lang="en-US" sz="2400" b="0" i="1" smtClean="0">
+                                <a:latin typeface="Cambria Math" panose="02040503050406030204" pitchFamily="18" charset="0"/>
+                                <a:ea typeface="Cambria Math" panose="02040503050406030204" pitchFamily="18" charset="0"/>
+                              </a:rPr>
+                            </m:ctrlPr>
+                          </m:limLowPr>
+                          <m:e>
+                            <m:r>
+                              <m:rPr>
+                                <m:sty m:val="p"/>
+                              </m:rPr>
+                              <a:rPr lang="en-US" sz="2400" b="0" i="0" smtClean="0">
+                                <a:latin typeface="Cambria Math" panose="02040503050406030204" pitchFamily="18" charset="0"/>
+                                <a:ea typeface="Cambria Math" panose="02040503050406030204" pitchFamily="18" charset="0"/>
+                              </a:rPr>
+                              <m:t>lim</m:t>
+                            </m:r>
+                          </m:e>
+                          <m:lim>
+                            <m:r>
+                              <a:rPr lang="en-US" sz="2400" b="0" i="1" smtClean="0">
+                                <a:latin typeface="Cambria Math" panose="02040503050406030204" pitchFamily="18" charset="0"/>
+                                <a:ea typeface="Cambria Math" panose="02040503050406030204" pitchFamily="18" charset="0"/>
+                              </a:rPr>
+                              <m:t>𝑥</m:t>
+                            </m:r>
+                            <m:r>
+                              <a:rPr lang="en-US" sz="2400" b="0" i="1" smtClean="0">
+                                <a:latin typeface="Cambria Math" panose="02040503050406030204" pitchFamily="18" charset="0"/>
+                                <a:ea typeface="Cambria Math" panose="02040503050406030204" pitchFamily="18" charset="0"/>
+                              </a:rPr>
+                              <m:t>→</m:t>
+                            </m:r>
+                            <m:r>
+                              <a:rPr lang="en-US" sz="2400" b="0" i="1" smtClean="0">
+                                <a:latin typeface="Cambria Math" panose="02040503050406030204" pitchFamily="18" charset="0"/>
+                                <a:ea typeface="Cambria Math" panose="02040503050406030204" pitchFamily="18" charset="0"/>
+                              </a:rPr>
+                              <m:t>𝑐</m:t>
+                            </m:r>
+                          </m:lim>
+                        </m:limLow>
+                      </m:fName>
+                      <m:e>
+                        <m:r>
+                          <a:rPr lang="en-US" sz="2400" b="0" i="1" smtClean="0">
+                            <a:latin typeface="Cambria Math" panose="02040503050406030204" pitchFamily="18" charset="0"/>
+                            <a:ea typeface="Cambria Math" panose="02040503050406030204" pitchFamily="18" charset="0"/>
+                          </a:rPr>
+                          <m:t>𝑓</m:t>
+                        </m:r>
+                        <m:d>
+                          <m:dPr>
+                            <m:ctrlPr>
+                              <a:rPr lang="en-US" sz="2400" b="0" i="1" smtClean="0">
+                                <a:latin typeface="Cambria Math" panose="02040503050406030204" pitchFamily="18" charset="0"/>
+                                <a:ea typeface="Cambria Math" panose="02040503050406030204" pitchFamily="18" charset="0"/>
+                              </a:rPr>
+                            </m:ctrlPr>
+                          </m:dPr>
+                          <m:e>
+                            <m:r>
+                              <a:rPr lang="en-US" sz="2400" b="0" i="1" smtClean="0">
+                                <a:latin typeface="Cambria Math" panose="02040503050406030204" pitchFamily="18" charset="0"/>
+                                <a:ea typeface="Cambria Math" panose="02040503050406030204" pitchFamily="18" charset="0"/>
+                              </a:rPr>
+                              <m:t>𝑥</m:t>
+                            </m:r>
+                          </m:e>
+                        </m:d>
+                      </m:e>
+                    </m:func>
+                    <m:r>
+                      <a:rPr lang="en-US" sz="2400" b="0" i="1" smtClean="0">
+                        <a:latin typeface="Cambria Math" panose="02040503050406030204" pitchFamily="18" charset="0"/>
+                        <a:ea typeface="Cambria Math" panose="02040503050406030204" pitchFamily="18" charset="0"/>
+                      </a:rPr>
+                      <m:t>=</m:t>
+                    </m:r>
+                    <m:r>
+                      <a:rPr lang="en-US" sz="2400" b="0" i="1" smtClean="0">
+                        <a:latin typeface="Cambria Math" panose="02040503050406030204" pitchFamily="18" charset="0"/>
+                        <a:ea typeface="Cambria Math" panose="02040503050406030204" pitchFamily="18" charset="0"/>
+                      </a:rPr>
+                      <m:t>𝐿</m:t>
+                    </m:r>
+                  </m:oMath>
+                </a14:m>
+                <a:r>
+                  <a:rPr lang="en-US" sz="2400" dirty="0">
+                    <a:latin typeface="Cambria Math" panose="02040503050406030204" pitchFamily="18" charset="0"/>
+                    <a:ea typeface="Cambria Math" panose="02040503050406030204" pitchFamily="18" charset="0"/>
+                  </a:rPr>
+                  <a:t> </a:t>
+                </a:r>
+              </a:p>
+            </p:txBody>
+          </p:sp>
+        </mc:Choice>
+        <mc:Fallback xmlns="">
+          <p:sp>
+            <p:nvSpPr>
+              <p:cNvPr id="4" name="TextBox 3">
+                <a:extLst>
+                  <a:ext uri="{FF2B5EF4-FFF2-40B4-BE49-F238E27FC236}">
+                    <a16:creationId xmlns:a16="http://schemas.microsoft.com/office/drawing/2014/main" id="{D20F929D-96D0-4AE2-90F7-8BC3E1A20CA3}"/>
+                  </a:ext>
+                </a:extLst>
+              </p:cNvPr>
+              <p:cNvSpPr txBox="1">
+                <a:spLocks noRot="1" noChangeAspect="1" noMove="1" noResize="1" noEditPoints="1" noAdjustHandles="1" noChangeArrowheads="1" noChangeShapeType="1" noTextEdit="1"/>
+              </p:cNvSpPr>
+              <p:nvPr/>
+            </p:nvSpPr>
+            <p:spPr>
+              <a:xfrm>
+                <a:off x="1391478" y="1845928"/>
+                <a:ext cx="9409043" cy="3269869"/>
+              </a:xfrm>
+              <a:prstGeom prst="rect">
+                <a:avLst/>
+              </a:prstGeom>
+              <a:blipFill>
+                <a:blip r:embed="rId2"/>
+                <a:stretch>
+                  <a:fillRect l="-972" t="-1493"/>
+                </a:stretch>
+              </a:blipFill>
+            </p:spPr>
+            <p:txBody>
+              <a:bodyPr/>
+              <a:lstStyle/>
+              <a:p>
+                <a:r>
+                  <a:rPr lang="en-US">
+                    <a:noFill/>
+                  </a:rPr>
+                  <a:t> </a:t>
+                </a:r>
+              </a:p>
+            </p:txBody>
+          </p:sp>
+        </mc:Fallback>
+      </mc:AlternateContent>
+    </p:spTree>
+    <p:extLst>
+      <p:ext uri="{BB962C8B-B14F-4D97-AF65-F5344CB8AC3E}">
+        <p14:creationId xmlns:p14="http://schemas.microsoft.com/office/powerpoint/2010/main" val="1102805211"/>
+      </p:ext>
+    </p:extLst>
+  </p:cSld>
+  <p:clrMapOvr>
+    <a:masterClrMapping/>
+  </p:clrMapOvr>
+</p:sld>
+</file>
+
 <file path=ppt/slides/slide3.xml><?xml version="1.0" encoding="utf-8"?>
 <p:sld xmlns:a="http://schemas.openxmlformats.org/drawingml/2006/main" xmlns:r="http://schemas.openxmlformats.org/officeDocument/2006/relationships" xmlns:p="http://schemas.openxmlformats.org/presentationml/2006/main">
   <p:cSld>
@@ -15878,7 +15801,7 @@
               <a:lstStyle/>
               <a:p>
                 <a:r>
-                  <a:rPr lang="en-US" sz="2000" dirty="0">
+                  <a:rPr lang="en-US" sz="2000" dirty="0" smtClean="0">
                     <a:latin typeface="Cambria Math" panose="02040503050406030204" pitchFamily="18" charset="0"/>
                     <a:ea typeface="Cambria Math" panose="02040503050406030204" pitchFamily="18" charset="0"/>
                   </a:rPr>
@@ -15986,7 +15909,21 @@
                     <a:latin typeface="Cambria Math" panose="02040503050406030204" pitchFamily="18" charset="0"/>
                     <a:ea typeface="Cambria Math" panose="02040503050406030204" pitchFamily="18" charset="0"/>
                   </a:rPr>
-                  <a:t>If we define a function 𝑦 = 𝑓(𝑥)with a formula and the domain is not stated explicitly,</a:t>
+                  <a:t>If we define a function 𝑦 = 𝑓(𝑥</a:t>
+                </a:r>
+                <a:r>
+                  <a:rPr lang="en-US" sz="2000" dirty="0" smtClean="0">
+                    <a:latin typeface="Cambria Math" panose="02040503050406030204" pitchFamily="18" charset="0"/>
+                    <a:ea typeface="Cambria Math" panose="02040503050406030204" pitchFamily="18" charset="0"/>
+                  </a:rPr>
+                  <a:t>) with </a:t>
+                </a:r>
+                <a:r>
+                  <a:rPr lang="en-US" sz="2000" dirty="0">
+                    <a:latin typeface="Cambria Math" panose="02040503050406030204" pitchFamily="18" charset="0"/>
+                    <a:ea typeface="Cambria Math" panose="02040503050406030204" pitchFamily="18" charset="0"/>
+                  </a:rPr>
+                  <a:t>a formula and the domain is not stated explicitly,</a:t>
                 </a:r>
               </a:p>
               <a:p>
@@ -16023,7 +15960,21 @@
                     <a:latin typeface="Cambria Math" panose="02040503050406030204" pitchFamily="18" charset="0"/>
                     <a:ea typeface="Cambria Math" panose="02040503050406030204" pitchFamily="18" charset="0"/>
                   </a:rPr>
-                  <a:t>-values for which 𝑓(𝑥)is defined or </a:t>
+                  <a:t>-values for which 𝑓(𝑥</a:t>
+                </a:r>
+                <a:r>
+                  <a:rPr lang="en-US" sz="2000" dirty="0" smtClean="0">
+                    <a:latin typeface="Cambria Math" panose="02040503050406030204" pitchFamily="18" charset="0"/>
+                    <a:ea typeface="Cambria Math" panose="02040503050406030204" pitchFamily="18" charset="0"/>
+                  </a:rPr>
+                  <a:t>) is </a:t>
+                </a:r>
+                <a:r>
+                  <a:rPr lang="en-US" sz="2000" dirty="0">
+                    <a:latin typeface="Cambria Math" panose="02040503050406030204" pitchFamily="18" charset="0"/>
+                    <a:ea typeface="Cambria Math" panose="02040503050406030204" pitchFamily="18" charset="0"/>
+                  </a:rPr>
+                  <a:t>defined or </a:t>
                 </a:r>
                 <a:r>
                   <a:rPr lang="en-US" sz="2000" i="1" dirty="0">
@@ -16170,18 +16121,25 @@
                     </m:oMath>
                   </m:oMathPara>
                 </a14:m>
-                <a:endParaRPr lang="en-US" sz="2000" dirty="0">
+                <a:endParaRPr lang="en-US" sz="2000" b="0" dirty="0" smtClean="0">
                   <a:latin typeface="Cambria Math" panose="02040503050406030204" pitchFamily="18" charset="0"/>
                   <a:ea typeface="Cambria Math" panose="02040503050406030204" pitchFamily="18" charset="0"/>
                 </a:endParaRPr>
               </a:p>
               <a:p>
                 <a:r>
+                  <a:rPr lang="en-US" sz="2000" dirty="0" smtClean="0">
+                    <a:latin typeface="Cambria Math" panose="02040503050406030204" pitchFamily="18" charset="0"/>
+                    <a:ea typeface="Cambria Math" panose="02040503050406030204" pitchFamily="18" charset="0"/>
+                  </a:rPr>
+                  <a:t>and </a:t>
+                </a:r>
+                <a:r>
                   <a:rPr lang="en-US" sz="2000" dirty="0">
                     <a:latin typeface="Cambria Math" panose="02040503050406030204" pitchFamily="18" charset="0"/>
                     <a:ea typeface="Cambria Math" panose="02040503050406030204" pitchFamily="18" charset="0"/>
                   </a:rPr>
-                  <a:t>and the range of the function </a:t>
+                  <a:t>the range of the function </a:t>
                 </a:r>
                 <a14:m>
                   <m:oMath xmlns:m="http://schemas.openxmlformats.org/officeDocument/2006/math">
@@ -16221,14 +16179,21 @@
                   <a:t> is set of all images of elements of the domain D , </a:t>
                 </a:r>
                 <a:r>
-                  <a:rPr lang="en-US" sz="2000" dirty="0" err="1">
+                  <a:rPr lang="en-US" sz="2000" dirty="0" err="1" smtClean="0">
                     <a:latin typeface="Cambria Math" panose="02040503050406030204" pitchFamily="18" charset="0"/>
                     <a:ea typeface="Cambria Math" panose="02040503050406030204" pitchFamily="18" charset="0"/>
                   </a:rPr>
                   <a:t>i.e</a:t>
                 </a:r>
-                <a:r>
-                  <a:rPr lang="en-US" sz="2000" dirty="0">
+                <a:endParaRPr lang="en-US" sz="2000" dirty="0" smtClean="0">
+                  <a:latin typeface="Cambria Math" panose="02040503050406030204" pitchFamily="18" charset="0"/>
+                  <a:ea typeface="Cambria Math" panose="02040503050406030204" pitchFamily="18" charset="0"/>
+                </a:endParaRPr>
+              </a:p>
+              <a:p>
+                <a:pPr algn="ctr"/>
+                <a:r>
+                  <a:rPr lang="en-US" sz="2000" dirty="0" smtClean="0">
                     <a:latin typeface="Cambria Math" panose="02040503050406030204" pitchFamily="18" charset="0"/>
                     <a:ea typeface="Cambria Math" panose="02040503050406030204" pitchFamily="18" charset="0"/>
                   </a:rPr>
@@ -16288,7 +16253,7 @@
                             <a:latin typeface="Cambria Math" panose="02040503050406030204" pitchFamily="18" charset="0"/>
                             <a:ea typeface="Cambria Math" panose="02040503050406030204" pitchFamily="18" charset="0"/>
                           </a:rPr>
-                          <m:t> </m:t>
+                          <m:t> : </m:t>
                         </m:r>
                         <m:r>
                           <a:rPr lang="en-US" sz="2000" b="0" i="1" smtClean="0">
@@ -16409,22 +16374,12 @@
                         </m:r>
                       </m:e>
                     </m:d>
-                    <m:r>
-                      <a:rPr lang="en-US" sz="2000" b="0" i="1" smtClean="0">
-                        <a:latin typeface="Cambria Math" panose="02040503050406030204" pitchFamily="18" charset="0"/>
-                        <a:ea typeface="Cambria Math" panose="02040503050406030204" pitchFamily="18" charset="0"/>
-                      </a:rPr>
-                      <m:t> </m:t>
-                    </m:r>
                   </m:oMath>
                 </a14:m>
-                <a:r>
-                  <a:rPr lang="en-US" sz="2000" dirty="0">
-                    <a:latin typeface="Cambria Math" panose="02040503050406030204" pitchFamily="18" charset="0"/>
-                    <a:ea typeface="Cambria Math" panose="02040503050406030204" pitchFamily="18" charset="0"/>
-                  </a:rPr>
-                  <a:t>.</a:t>
-                </a:r>
+                <a:endParaRPr lang="en-US" sz="2000" dirty="0">
+                  <a:latin typeface="Cambria Math" panose="02040503050406030204" pitchFamily="18" charset="0"/>
+                  <a:ea typeface="Cambria Math" panose="02040503050406030204" pitchFamily="18" charset="0"/>
+                </a:endParaRPr>
               </a:p>
               <a:p>
                 <a:r>
@@ -16842,1262 +16797,6 @@
 </file>
 
 <file path=ppt/slides/slide5.xml><?xml version="1.0" encoding="utf-8"?>
-<p:sld xmlns:a="http://schemas.openxmlformats.org/drawingml/2006/main" xmlns:r="http://schemas.openxmlformats.org/officeDocument/2006/relationships" xmlns:p="http://schemas.openxmlformats.org/presentationml/2006/main">
-  <p:cSld>
-    <p:spTree>
-      <p:nvGrpSpPr>
-        <p:cNvPr id="1" name=""/>
-        <p:cNvGrpSpPr/>
-        <p:nvPr/>
-      </p:nvGrpSpPr>
-      <p:grpSpPr>
-        <a:xfrm>
-          <a:off x="0" y="0"/>
-          <a:ext cx="0" cy="0"/>
-          <a:chOff x="0" y="0"/>
-          <a:chExt cx="0" cy="0"/>
-        </a:xfrm>
-      </p:grpSpPr>
-      <p:sp>
-        <p:nvSpPr>
-          <p:cNvPr id="2" name="Title 1">
-            <a:extLst>
-              <a:ext uri="{FF2B5EF4-FFF2-40B4-BE49-F238E27FC236}">
-                <a16:creationId xmlns:a16="http://schemas.microsoft.com/office/drawing/2014/main" id="{4008384A-D6A9-4E2A-9987-E9DD85348123}"/>
-              </a:ext>
-            </a:extLst>
-          </p:cNvPr>
-          <p:cNvSpPr>
-            <a:spLocks noGrp="1"/>
-          </p:cNvSpPr>
-          <p:nvPr>
-            <p:ph type="title"/>
-          </p:nvPr>
-        </p:nvSpPr>
-        <p:spPr/>
-        <p:txBody>
-          <a:bodyPr/>
-          <a:lstStyle/>
-          <a:p>
-            <a:r>
-              <a:rPr lang="en-US" dirty="0">
-                <a:solidFill>
-                  <a:srgbClr val="0070C0"/>
-                </a:solidFill>
-              </a:rPr>
-              <a:t>Graph of a Function</a:t>
-            </a:r>
-          </a:p>
-        </p:txBody>
-      </p:sp>
-      <p:sp>
-        <p:nvSpPr>
-          <p:cNvPr id="4" name="TextBox 3">
-            <a:extLst>
-              <a:ext uri="{FF2B5EF4-FFF2-40B4-BE49-F238E27FC236}">
-                <a16:creationId xmlns:a16="http://schemas.microsoft.com/office/drawing/2014/main" id="{782AC1AE-A5D7-4617-9A2F-CEE67DF71E7A}"/>
-              </a:ext>
-            </a:extLst>
-          </p:cNvPr>
-          <p:cNvSpPr txBox="1"/>
-          <p:nvPr/>
-        </p:nvSpPr>
-        <p:spPr>
-          <a:xfrm>
-            <a:off x="1295402" y="2576945"/>
-            <a:ext cx="9601196" cy="646331"/>
-          </a:xfrm>
-          <a:prstGeom prst="rect">
-            <a:avLst/>
-          </a:prstGeom>
-          <a:noFill/>
-        </p:spPr>
-        <p:txBody>
-          <a:bodyPr wrap="square" rtlCol="0">
-            <a:spAutoFit/>
-          </a:bodyPr>
-          <a:lstStyle/>
-          <a:p>
-            <a:r>
-              <a:rPr lang="en-US" dirty="0"/>
-              <a:t>If </a:t>
-            </a:r>
-            <a:r>
-              <a:rPr lang="en-US" i="1" dirty="0"/>
-              <a:t>f </a:t>
-            </a:r>
-            <a:r>
-              <a:rPr lang="en-US" dirty="0"/>
-              <a:t>is a real-valued function of a real variable, then the </a:t>
-            </a:r>
-            <a:r>
-              <a:rPr lang="en-US" b="1" i="1" dirty="0"/>
-              <a:t>graph </a:t>
-            </a:r>
-            <a:r>
-              <a:rPr lang="en-US" dirty="0"/>
-              <a:t>of </a:t>
-            </a:r>
-            <a:r>
-              <a:rPr lang="en-US" i="1" dirty="0"/>
-              <a:t>f </a:t>
-            </a:r>
-            <a:r>
-              <a:rPr lang="en-US" dirty="0"/>
-              <a:t>in the </a:t>
-            </a:r>
-            <a:r>
-              <a:rPr lang="en-US" i="1" dirty="0" err="1"/>
-              <a:t>xy</a:t>
-            </a:r>
-            <a:r>
-              <a:rPr lang="en-US" dirty="0"/>
-              <a:t>-plane is</a:t>
-            </a:r>
-          </a:p>
-          <a:p>
-            <a:r>
-              <a:rPr lang="en-US" dirty="0"/>
-              <a:t>defined to be the graph of the equation </a:t>
-            </a:r>
-            <a:r>
-              <a:rPr lang="en-US" i="1" dirty="0"/>
-              <a:t>y </a:t>
-            </a:r>
-            <a:r>
-              <a:rPr lang="en-US" dirty="0"/>
-              <a:t>= </a:t>
-            </a:r>
-            <a:r>
-              <a:rPr lang="en-US" i="1" dirty="0"/>
-              <a:t>f(x)</a:t>
-            </a:r>
-            <a:r>
-              <a:rPr lang="en-US" dirty="0"/>
-              <a:t>.</a:t>
-            </a:r>
-            <a:endParaRPr lang="en-US" sz="2400" dirty="0">
-              <a:latin typeface="Cambria Math" panose="02040503050406030204" pitchFamily="18" charset="0"/>
-              <a:ea typeface="Cambria Math" panose="02040503050406030204" pitchFamily="18" charset="0"/>
-            </a:endParaRPr>
-          </a:p>
-        </p:txBody>
-      </p:sp>
-    </p:spTree>
-    <p:extLst>
-      <p:ext uri="{BB962C8B-B14F-4D97-AF65-F5344CB8AC3E}">
-        <p14:creationId xmlns:p14="http://schemas.microsoft.com/office/powerpoint/2010/main" val="2939978615"/>
-      </p:ext>
-    </p:extLst>
-  </p:cSld>
-  <p:clrMapOvr>
-    <a:masterClrMapping/>
-  </p:clrMapOvr>
-</p:sld>
-</file>
-
-<file path=ppt/slides/slide6.xml><?xml version="1.0" encoding="utf-8"?>
-<p:sld xmlns:a="http://schemas.openxmlformats.org/drawingml/2006/main" xmlns:r="http://schemas.openxmlformats.org/officeDocument/2006/relationships" xmlns:p="http://schemas.openxmlformats.org/presentationml/2006/main">
-  <p:cSld>
-    <p:spTree>
-      <p:nvGrpSpPr>
-        <p:cNvPr id="1" name=""/>
-        <p:cNvGrpSpPr/>
-        <p:nvPr/>
-      </p:nvGrpSpPr>
-      <p:grpSpPr>
-        <a:xfrm>
-          <a:off x="0" y="0"/>
-          <a:ext cx="0" cy="0"/>
-          <a:chOff x="0" y="0"/>
-          <a:chExt cx="0" cy="0"/>
-        </a:xfrm>
-      </p:grpSpPr>
-      <p:sp>
-        <p:nvSpPr>
-          <p:cNvPr id="2" name="Title 1">
-            <a:extLst>
-              <a:ext uri="{FF2B5EF4-FFF2-40B4-BE49-F238E27FC236}">
-                <a16:creationId xmlns:a16="http://schemas.microsoft.com/office/drawing/2014/main" id="{4008384A-D6A9-4E2A-9987-E9DD85348123}"/>
-              </a:ext>
-            </a:extLst>
-          </p:cNvPr>
-          <p:cNvSpPr>
-            <a:spLocks noGrp="1"/>
-          </p:cNvSpPr>
-          <p:nvPr>
-            <p:ph type="title"/>
-          </p:nvPr>
-        </p:nvSpPr>
-        <p:spPr/>
-        <p:txBody>
-          <a:bodyPr/>
-          <a:lstStyle/>
-          <a:p>
-            <a:r>
-              <a:rPr lang="en-US" dirty="0">
-                <a:solidFill>
-                  <a:srgbClr val="0070C0"/>
-                </a:solidFill>
-              </a:rPr>
-              <a:t>Shifting of Graphs</a:t>
-            </a:r>
-          </a:p>
-        </p:txBody>
-      </p:sp>
-      <mc:AlternateContent xmlns:mc="http://schemas.openxmlformats.org/markup-compatibility/2006" xmlns:a14="http://schemas.microsoft.com/office/drawing/2010/main">
-        <mc:Choice Requires="a14">
-          <p:sp>
-            <p:nvSpPr>
-              <p:cNvPr id="4" name="TextBox 3">
-                <a:extLst>
-                  <a:ext uri="{FF2B5EF4-FFF2-40B4-BE49-F238E27FC236}">
-                    <a16:creationId xmlns:a16="http://schemas.microsoft.com/office/drawing/2014/main" id="{782AC1AE-A5D7-4617-9A2F-CEE67DF71E7A}"/>
-                  </a:ext>
-                </a:extLst>
-              </p:cNvPr>
-              <p:cNvSpPr txBox="1"/>
-              <p:nvPr/>
-            </p:nvSpPr>
-            <p:spPr>
-              <a:xfrm>
-                <a:off x="1295401" y="2576945"/>
-                <a:ext cx="9770163" cy="3531929"/>
-              </a:xfrm>
-              <a:prstGeom prst="rect">
-                <a:avLst/>
-              </a:prstGeom>
-              <a:noFill/>
-            </p:spPr>
-            <p:txBody>
-              <a:bodyPr wrap="square" rtlCol="0">
-                <a:spAutoFit/>
-              </a:bodyPr>
-              <a:lstStyle/>
-              <a:p>
-                <a:r>
-                  <a:rPr lang="en-US" sz="1800" b="1" i="0" u="none" strike="noStrike" baseline="0" dirty="0">
-                    <a:latin typeface="Cambria Math" panose="02040503050406030204" pitchFamily="18" charset="0"/>
-                    <a:ea typeface="Cambria Math" panose="02040503050406030204" pitchFamily="18" charset="0"/>
-                  </a:rPr>
-                  <a:t>Vertical Shifts</a:t>
-                </a:r>
-                <a:r>
-                  <a:rPr lang="en-US" sz="1800" i="0" u="none" strike="noStrike" baseline="0" dirty="0">
-                    <a:latin typeface="Cambria Math" panose="02040503050406030204" pitchFamily="18" charset="0"/>
-                    <a:ea typeface="Cambria Math" panose="02040503050406030204" pitchFamily="18" charset="0"/>
-                  </a:rPr>
-                  <a:t>					</a:t>
-                </a:r>
-                <a14:m>
-                  <m:oMath xmlns:m="http://schemas.openxmlformats.org/officeDocument/2006/math">
-                    <m:r>
-                      <m:rPr>
-                        <m:sty m:val="p"/>
-                      </m:rPr>
-                      <a:rPr lang="en-US" sz="1800" b="0" i="0" u="none" strike="noStrike" baseline="0" smtClean="0">
-                        <a:latin typeface="Cambria Math" panose="02040503050406030204" pitchFamily="18" charset="0"/>
-                        <a:ea typeface="Cambria Math" panose="02040503050406030204" pitchFamily="18" charset="0"/>
-                      </a:rPr>
-                      <m:t>y</m:t>
-                    </m:r>
-                    <m:r>
-                      <a:rPr lang="en-US" sz="1800" b="0" i="0" u="none" strike="noStrike" baseline="0" smtClean="0">
-                        <a:latin typeface="Cambria Math" panose="02040503050406030204" pitchFamily="18" charset="0"/>
-                        <a:ea typeface="Cambria Math" panose="02040503050406030204" pitchFamily="18" charset="0"/>
-                      </a:rPr>
-                      <m:t>=</m:t>
-                    </m:r>
-                    <m:r>
-                      <a:rPr lang="en-US" sz="1800" b="0" i="1" u="none" strike="noStrike" baseline="0" smtClean="0">
-                        <a:latin typeface="Cambria Math" panose="02040503050406030204" pitchFamily="18" charset="0"/>
-                        <a:ea typeface="Cambria Math" panose="02040503050406030204" pitchFamily="18" charset="0"/>
-                      </a:rPr>
-                      <m:t>𝑓</m:t>
-                    </m:r>
-                    <m:d>
-                      <m:dPr>
-                        <m:ctrlPr>
-                          <a:rPr lang="en-US" sz="1800" i="1" u="none" strike="noStrike" baseline="0" smtClean="0">
-                            <a:latin typeface="Cambria Math" panose="02040503050406030204" pitchFamily="18" charset="0"/>
-                            <a:ea typeface="Cambria Math" panose="02040503050406030204" pitchFamily="18" charset="0"/>
-                          </a:rPr>
-                        </m:ctrlPr>
-                      </m:dPr>
-                      <m:e>
-                        <m:r>
-                          <a:rPr lang="en-US" sz="1800" b="0" i="1" u="none" strike="noStrike" baseline="0" smtClean="0">
-                            <a:latin typeface="Cambria Math" panose="02040503050406030204" pitchFamily="18" charset="0"/>
-                            <a:ea typeface="Cambria Math" panose="02040503050406030204" pitchFamily="18" charset="0"/>
-                          </a:rPr>
-                          <m:t>𝑥</m:t>
-                        </m:r>
-                      </m:e>
-                    </m:d>
-                    <m:r>
-                      <a:rPr lang="en-US" sz="1800" b="0" i="1" u="none" strike="noStrike" baseline="0" smtClean="0">
-                        <a:latin typeface="Cambria Math" panose="02040503050406030204" pitchFamily="18" charset="0"/>
-                        <a:ea typeface="Cambria Math" panose="02040503050406030204" pitchFamily="18" charset="0"/>
-                      </a:rPr>
-                      <m:t>+</m:t>
-                    </m:r>
-                    <m:r>
-                      <a:rPr lang="en-US" sz="1800" b="0" i="1" u="none" strike="noStrike" baseline="0" smtClean="0">
-                        <a:latin typeface="Cambria Math" panose="02040503050406030204" pitchFamily="18" charset="0"/>
-                        <a:ea typeface="Cambria Math" panose="02040503050406030204" pitchFamily="18" charset="0"/>
-                      </a:rPr>
-                      <m:t>𝑘</m:t>
-                    </m:r>
-                  </m:oMath>
-                </a14:m>
-                <a:r>
-                  <a:rPr lang="en-US" sz="1800" i="1" u="none" strike="noStrike" baseline="0" dirty="0">
-                    <a:latin typeface="Cambria Math" panose="02040503050406030204" pitchFamily="18" charset="0"/>
-                    <a:ea typeface="Cambria Math" panose="02040503050406030204" pitchFamily="18" charset="0"/>
-                  </a:rPr>
-                  <a:t> </a:t>
-                </a:r>
-                <a:r>
-                  <a:rPr lang="en-US" sz="1800" i="0" u="none" strike="noStrike" baseline="0" dirty="0">
-                    <a:latin typeface="Cambria Math" panose="02040503050406030204" pitchFamily="18" charset="0"/>
-                    <a:ea typeface="Cambria Math" panose="02040503050406030204" pitchFamily="18" charset="0"/>
-                  </a:rPr>
-                  <a:t>Shifts the graph of ƒ </a:t>
-                </a:r>
-                <a:r>
-                  <a:rPr lang="en-US" sz="1800" i="1" u="none" strike="noStrike" baseline="0" dirty="0">
-                    <a:latin typeface="Cambria Math" panose="02040503050406030204" pitchFamily="18" charset="0"/>
-                    <a:ea typeface="Cambria Math" panose="02040503050406030204" pitchFamily="18" charset="0"/>
-                  </a:rPr>
-                  <a:t>up k </a:t>
-                </a:r>
-                <a:r>
-                  <a:rPr lang="en-US" sz="1800" i="0" u="none" strike="noStrike" baseline="0" dirty="0">
-                    <a:latin typeface="Cambria Math" panose="02040503050406030204" pitchFamily="18" charset="0"/>
-                    <a:ea typeface="Cambria Math" panose="02040503050406030204" pitchFamily="18" charset="0"/>
-                  </a:rPr>
-                  <a:t>units if </a:t>
-                </a:r>
-                <a14:m>
-                  <m:oMath xmlns:m="http://schemas.openxmlformats.org/officeDocument/2006/math">
-                    <m:r>
-                      <a:rPr lang="en-US" sz="1800" b="0" i="1" u="none" strike="noStrike" baseline="0" smtClean="0">
-                        <a:latin typeface="Cambria Math" panose="02040503050406030204" pitchFamily="18" charset="0"/>
-                        <a:ea typeface="Cambria Math" panose="02040503050406030204" pitchFamily="18" charset="0"/>
-                      </a:rPr>
-                      <m:t>𝑘</m:t>
-                    </m:r>
-                    <m:r>
-                      <a:rPr lang="en-US" sz="1800" b="0" i="1" u="none" strike="noStrike" baseline="0" smtClean="0">
-                        <a:latin typeface="Cambria Math" panose="02040503050406030204" pitchFamily="18" charset="0"/>
-                        <a:ea typeface="Cambria Math" panose="02040503050406030204" pitchFamily="18" charset="0"/>
-                      </a:rPr>
-                      <m:t>&gt;0</m:t>
-                    </m:r>
-                  </m:oMath>
-                </a14:m>
-                <a:r>
-                  <a:rPr lang="en-US" sz="1800" i="0" u="none" strike="noStrike" baseline="0" dirty="0">
-                    <a:latin typeface="Cambria Math" panose="02040503050406030204" pitchFamily="18" charset="0"/>
-                    <a:ea typeface="Cambria Math" panose="02040503050406030204" pitchFamily="18" charset="0"/>
-                  </a:rPr>
-                  <a:t> Shifts it 								</a:t>
-                </a:r>
-                <a:r>
-                  <a:rPr lang="en-US" sz="1800" i="1" u="none" strike="noStrike" baseline="0" dirty="0">
-                    <a:latin typeface="Cambria Math" panose="02040503050406030204" pitchFamily="18" charset="0"/>
-                    <a:ea typeface="Cambria Math" panose="02040503050406030204" pitchFamily="18" charset="0"/>
-                  </a:rPr>
-                  <a:t>down  </a:t>
-                </a:r>
-                <a14:m>
-                  <m:oMath xmlns:m="http://schemas.openxmlformats.org/officeDocument/2006/math">
-                    <m:d>
-                      <m:dPr>
-                        <m:begChr m:val="|"/>
-                        <m:endChr m:val="|"/>
-                        <m:ctrlPr>
-                          <a:rPr lang="en-US" sz="1800" i="1" u="none" strike="noStrike" baseline="0" smtClean="0">
-                            <a:latin typeface="Cambria Math" panose="02040503050406030204" pitchFamily="18" charset="0"/>
-                            <a:ea typeface="Cambria Math" panose="02040503050406030204" pitchFamily="18" charset="0"/>
-                          </a:rPr>
-                        </m:ctrlPr>
-                      </m:dPr>
-                      <m:e>
-                        <m:r>
-                          <a:rPr lang="en-US" sz="1800" b="0" i="1" u="none" strike="noStrike" baseline="0" smtClean="0">
-                            <a:latin typeface="Cambria Math" panose="02040503050406030204" pitchFamily="18" charset="0"/>
-                            <a:ea typeface="Cambria Math" panose="02040503050406030204" pitchFamily="18" charset="0"/>
-                          </a:rPr>
-                          <m:t>𝑘</m:t>
-                        </m:r>
-                      </m:e>
-                    </m:d>
-                  </m:oMath>
-                </a14:m>
-                <a:r>
-                  <a:rPr lang="en-US" sz="1800" i="0" u="none" strike="noStrike" baseline="0" dirty="0">
-                    <a:latin typeface="Cambria Math" panose="02040503050406030204" pitchFamily="18" charset="0"/>
-                    <a:ea typeface="Cambria Math" panose="02040503050406030204" pitchFamily="18" charset="0"/>
-                  </a:rPr>
-                  <a:t> units if </a:t>
-                </a:r>
-                <a14:m>
-                  <m:oMath xmlns:m="http://schemas.openxmlformats.org/officeDocument/2006/math">
-                    <m:r>
-                      <a:rPr lang="en-US" b="0" i="1">
-                        <a:latin typeface="Cambria Math" panose="02040503050406030204" pitchFamily="18" charset="0"/>
-                        <a:ea typeface="Cambria Math" panose="02040503050406030204" pitchFamily="18" charset="0"/>
-                      </a:rPr>
-                      <m:t>𝑘</m:t>
-                    </m:r>
-                    <m:r>
-                      <a:rPr lang="en-US" b="0" i="1" smtClean="0">
-                        <a:latin typeface="Cambria Math" panose="02040503050406030204" pitchFamily="18" charset="0"/>
-                        <a:ea typeface="Cambria Math" panose="02040503050406030204" pitchFamily="18" charset="0"/>
-                      </a:rPr>
-                      <m:t>&lt;</m:t>
-                    </m:r>
-                    <m:r>
-                      <a:rPr lang="en-US" b="0" i="1">
-                        <a:latin typeface="Cambria Math" panose="02040503050406030204" pitchFamily="18" charset="0"/>
-                        <a:ea typeface="Cambria Math" panose="02040503050406030204" pitchFamily="18" charset="0"/>
-                      </a:rPr>
-                      <m:t>0</m:t>
-                    </m:r>
-                  </m:oMath>
-                </a14:m>
-                <a:endParaRPr lang="en-US" sz="1800" i="0" u="none" strike="noStrike" baseline="0" dirty="0">
-                  <a:latin typeface="Cambria Math" panose="02040503050406030204" pitchFamily="18" charset="0"/>
-                  <a:ea typeface="Cambria Math" panose="02040503050406030204" pitchFamily="18" charset="0"/>
-                </a:endParaRPr>
-              </a:p>
-              <a:p>
-                <a:r>
-                  <a:rPr lang="en-US" sz="1800" b="1" i="0" u="none" strike="noStrike" baseline="0" dirty="0">
-                    <a:latin typeface="Cambria Math" panose="02040503050406030204" pitchFamily="18" charset="0"/>
-                    <a:ea typeface="Cambria Math" panose="02040503050406030204" pitchFamily="18" charset="0"/>
-                  </a:rPr>
-                  <a:t>Horizontal Shifts</a:t>
-                </a:r>
-                <a:r>
-                  <a:rPr lang="en-US" sz="1800" i="0" u="none" strike="noStrike" baseline="0" dirty="0">
-                    <a:latin typeface="Cambria Math" panose="02040503050406030204" pitchFamily="18" charset="0"/>
-                    <a:ea typeface="Cambria Math" panose="02040503050406030204" pitchFamily="18" charset="0"/>
-                  </a:rPr>
-                  <a:t>				</a:t>
-                </a:r>
-                <a14:m>
-                  <m:oMath xmlns:m="http://schemas.openxmlformats.org/officeDocument/2006/math">
-                    <m:r>
-                      <a:rPr lang="en-US" sz="1800" b="0" i="1" u="none" strike="noStrike" baseline="0" smtClean="0">
-                        <a:latin typeface="Cambria Math" panose="02040503050406030204" pitchFamily="18" charset="0"/>
-                        <a:ea typeface="Cambria Math" panose="02040503050406030204" pitchFamily="18" charset="0"/>
-                      </a:rPr>
-                      <m:t>𝑦</m:t>
-                    </m:r>
-                    <m:r>
-                      <a:rPr lang="en-US" sz="1800" b="0" i="1" u="none" strike="noStrike" baseline="0" smtClean="0">
-                        <a:latin typeface="Cambria Math" panose="02040503050406030204" pitchFamily="18" charset="0"/>
-                        <a:ea typeface="Cambria Math" panose="02040503050406030204" pitchFamily="18" charset="0"/>
-                      </a:rPr>
-                      <m:t>=</m:t>
-                    </m:r>
-                    <m:r>
-                      <a:rPr lang="en-US" sz="1800" b="0" i="1" u="none" strike="noStrike" baseline="0" smtClean="0">
-                        <a:latin typeface="Cambria Math" panose="02040503050406030204" pitchFamily="18" charset="0"/>
-                        <a:ea typeface="Cambria Math" panose="02040503050406030204" pitchFamily="18" charset="0"/>
-                      </a:rPr>
-                      <m:t>𝑓</m:t>
-                    </m:r>
-                    <m:d>
-                      <m:dPr>
-                        <m:ctrlPr>
-                          <a:rPr lang="en-US" sz="1800" i="1" u="none" strike="noStrike" baseline="0" smtClean="0">
-                            <a:latin typeface="Cambria Math" panose="02040503050406030204" pitchFamily="18" charset="0"/>
-                            <a:ea typeface="Cambria Math" panose="02040503050406030204" pitchFamily="18" charset="0"/>
-                          </a:rPr>
-                        </m:ctrlPr>
-                      </m:dPr>
-                      <m:e>
-                        <m:r>
-                          <a:rPr lang="en-US" sz="1800" b="0" i="1" u="none" strike="noStrike" baseline="0" smtClean="0">
-                            <a:latin typeface="Cambria Math" panose="02040503050406030204" pitchFamily="18" charset="0"/>
-                            <a:ea typeface="Cambria Math" panose="02040503050406030204" pitchFamily="18" charset="0"/>
-                          </a:rPr>
-                          <m:t>𝑥</m:t>
-                        </m:r>
-                        <m:r>
-                          <a:rPr lang="en-US" sz="1800" b="0" i="1" u="none" strike="noStrike" baseline="0" smtClean="0">
-                            <a:latin typeface="Cambria Math" panose="02040503050406030204" pitchFamily="18" charset="0"/>
-                            <a:ea typeface="Cambria Math" panose="02040503050406030204" pitchFamily="18" charset="0"/>
-                          </a:rPr>
-                          <m:t>+</m:t>
-                        </m:r>
-                        <m:r>
-                          <a:rPr lang="en-US" sz="1800" b="0" i="1" u="none" strike="noStrike" baseline="0" smtClean="0">
-                            <a:latin typeface="Cambria Math" panose="02040503050406030204" pitchFamily="18" charset="0"/>
-                            <a:ea typeface="Cambria Math" panose="02040503050406030204" pitchFamily="18" charset="0"/>
-                          </a:rPr>
-                          <m:t>h</m:t>
-                        </m:r>
-                      </m:e>
-                    </m:d>
-                  </m:oMath>
-                </a14:m>
-                <a:r>
-                  <a:rPr lang="en-US" sz="1800" i="0" u="none" strike="noStrike" baseline="0" dirty="0">
-                    <a:latin typeface="Cambria Math" panose="02040503050406030204" pitchFamily="18" charset="0"/>
-                    <a:ea typeface="Cambria Math" panose="02040503050406030204" pitchFamily="18" charset="0"/>
-                  </a:rPr>
-                  <a:t> Shifts the graph of ƒ </a:t>
-                </a:r>
-                <a:r>
-                  <a:rPr lang="en-US" sz="1800" i="1" u="none" strike="noStrike" baseline="0" dirty="0">
-                    <a:latin typeface="Cambria Math" panose="02040503050406030204" pitchFamily="18" charset="0"/>
-                    <a:ea typeface="Cambria Math" panose="02040503050406030204" pitchFamily="18" charset="0"/>
-                  </a:rPr>
-                  <a:t>left h </a:t>
-                </a:r>
-                <a:r>
-                  <a:rPr lang="en-US" sz="1800" i="0" u="none" strike="noStrike" baseline="0" dirty="0">
-                    <a:latin typeface="Cambria Math" panose="02040503050406030204" pitchFamily="18" charset="0"/>
-                    <a:ea typeface="Cambria Math" panose="02040503050406030204" pitchFamily="18" charset="0"/>
-                  </a:rPr>
-                  <a:t>units if</a:t>
-                </a:r>
-                <a14:m>
-                  <m:oMath xmlns:m="http://schemas.openxmlformats.org/officeDocument/2006/math">
-                    <m:r>
-                      <a:rPr lang="en-US" b="0" i="0" smtClean="0">
-                        <a:latin typeface="Cambria Math" panose="02040503050406030204" pitchFamily="18" charset="0"/>
-                        <a:ea typeface="Cambria Math" panose="02040503050406030204" pitchFamily="18" charset="0"/>
-                      </a:rPr>
-                      <m:t> </m:t>
-                    </m:r>
-                    <m:r>
-                      <a:rPr lang="en-US" b="0" i="1" smtClean="0">
-                        <a:latin typeface="Cambria Math" panose="02040503050406030204" pitchFamily="18" charset="0"/>
-                        <a:ea typeface="Cambria Math" panose="02040503050406030204" pitchFamily="18" charset="0"/>
-                      </a:rPr>
-                      <m:t>h</m:t>
-                    </m:r>
-                    <m:r>
-                      <a:rPr lang="en-US" b="0" i="1">
-                        <a:latin typeface="Cambria Math" panose="02040503050406030204" pitchFamily="18" charset="0"/>
-                        <a:ea typeface="Cambria Math" panose="02040503050406030204" pitchFamily="18" charset="0"/>
-                      </a:rPr>
-                      <m:t>&gt;0</m:t>
-                    </m:r>
-                  </m:oMath>
-                </a14:m>
-                <a:endParaRPr lang="en-US" sz="1800" i="0" u="none" strike="noStrike" baseline="0" dirty="0">
-                  <a:latin typeface="Cambria Math" panose="02040503050406030204" pitchFamily="18" charset="0"/>
-                  <a:ea typeface="Cambria Math" panose="02040503050406030204" pitchFamily="18" charset="0"/>
-                </a:endParaRPr>
-              </a:p>
-              <a:p>
-                <a:pPr algn="l"/>
-                <a:r>
-                  <a:rPr lang="en-US" sz="1800" i="0" u="none" strike="noStrike" baseline="0" dirty="0">
-                    <a:latin typeface="Cambria Math" panose="02040503050406030204" pitchFamily="18" charset="0"/>
-                    <a:ea typeface="Cambria Math" panose="02040503050406030204" pitchFamily="18" charset="0"/>
-                  </a:rPr>
-                  <a:t>							Shifts it </a:t>
-                </a:r>
-                <a:r>
-                  <a:rPr lang="en-US" sz="1800" i="1" u="none" strike="noStrike" baseline="0" dirty="0">
-                    <a:latin typeface="Cambria Math" panose="02040503050406030204" pitchFamily="18" charset="0"/>
-                    <a:ea typeface="Cambria Math" panose="02040503050406030204" pitchFamily="18" charset="0"/>
-                  </a:rPr>
-                  <a:t>right </a:t>
-                </a:r>
-                <a14:m>
-                  <m:oMath xmlns:m="http://schemas.openxmlformats.org/officeDocument/2006/math">
-                    <m:d>
-                      <m:dPr>
-                        <m:begChr m:val="|"/>
-                        <m:endChr m:val="|"/>
-                        <m:ctrlPr>
-                          <a:rPr lang="en-US" sz="1800" i="1" u="none" strike="noStrike" baseline="0" smtClean="0">
-                            <a:latin typeface="Cambria Math" panose="02040503050406030204" pitchFamily="18" charset="0"/>
-                            <a:ea typeface="Cambria Math" panose="02040503050406030204" pitchFamily="18" charset="0"/>
-                          </a:rPr>
-                        </m:ctrlPr>
-                      </m:dPr>
-                      <m:e>
-                        <m:r>
-                          <a:rPr lang="en-US" sz="1800" b="0" i="1" u="none" strike="noStrike" baseline="0" smtClean="0">
-                            <a:latin typeface="Cambria Math" panose="02040503050406030204" pitchFamily="18" charset="0"/>
-                            <a:ea typeface="Cambria Math" panose="02040503050406030204" pitchFamily="18" charset="0"/>
-                          </a:rPr>
-                          <m:t>h</m:t>
-                        </m:r>
-                      </m:e>
-                    </m:d>
-                  </m:oMath>
-                </a14:m>
-                <a:r>
-                  <a:rPr lang="en-US" sz="1800" i="1" u="none" strike="noStrike" baseline="0" dirty="0">
-                    <a:latin typeface="Cambria Math" panose="02040503050406030204" pitchFamily="18" charset="0"/>
-                    <a:ea typeface="Cambria Math" panose="02040503050406030204" pitchFamily="18" charset="0"/>
-                  </a:rPr>
-                  <a:t> </a:t>
-                </a:r>
-                <a:r>
-                  <a:rPr lang="en-US" sz="1800" i="0" u="none" strike="noStrike" baseline="0" dirty="0">
-                    <a:latin typeface="Cambria Math" panose="02040503050406030204" pitchFamily="18" charset="0"/>
-                    <a:ea typeface="Cambria Math" panose="02040503050406030204" pitchFamily="18" charset="0"/>
-                  </a:rPr>
-                  <a:t>units if </a:t>
-                </a:r>
-                <a14:m>
-                  <m:oMath xmlns:m="http://schemas.openxmlformats.org/officeDocument/2006/math">
-                    <m:r>
-                      <m:rPr>
-                        <m:sty m:val="p"/>
-                      </m:rPr>
-                      <a:rPr lang="en-US" sz="1800" b="0" i="0" u="none" strike="noStrike" baseline="0" smtClean="0">
-                        <a:latin typeface="Cambria Math" panose="02040503050406030204" pitchFamily="18" charset="0"/>
-                        <a:ea typeface="Cambria Math" panose="02040503050406030204" pitchFamily="18" charset="0"/>
-                      </a:rPr>
-                      <m:t>h</m:t>
-                    </m:r>
-                    <m:r>
-                      <a:rPr lang="en-US" sz="1800" b="0" i="1" u="none" strike="noStrike" baseline="0" smtClean="0">
-                        <a:latin typeface="Cambria Math" panose="02040503050406030204" pitchFamily="18" charset="0"/>
-                        <a:ea typeface="Cambria Math" panose="02040503050406030204" pitchFamily="18" charset="0"/>
-                      </a:rPr>
-                      <m:t>&lt;0</m:t>
-                    </m:r>
-                  </m:oMath>
-                </a14:m>
-                <a:endParaRPr lang="en-US" sz="1800" i="0" u="none" strike="noStrike" baseline="0" dirty="0">
-                  <a:latin typeface="Cambria Math" panose="02040503050406030204" pitchFamily="18" charset="0"/>
-                  <a:ea typeface="Cambria Math" panose="02040503050406030204" pitchFamily="18" charset="0"/>
-                </a:endParaRPr>
-              </a:p>
-              <a:p>
-                <a:pPr algn="l"/>
-                <a:endParaRPr lang="en-US" sz="1800" b="1" i="0" u="none" strike="noStrike" baseline="0" dirty="0">
-                  <a:latin typeface="Cambria Math" panose="02040503050406030204" pitchFamily="18" charset="0"/>
-                  <a:ea typeface="Cambria Math" panose="02040503050406030204" pitchFamily="18" charset="0"/>
-                </a:endParaRPr>
-              </a:p>
-              <a:p>
-                <a:pPr algn="l"/>
-                <a:r>
-                  <a:rPr lang="en-US" sz="1800" b="1" i="0" u="none" strike="noStrike" baseline="0" dirty="0">
-                    <a:latin typeface="Cambria Math" panose="02040503050406030204" pitchFamily="18" charset="0"/>
-                    <a:ea typeface="Cambria Math" panose="02040503050406030204" pitchFamily="18" charset="0"/>
-                  </a:rPr>
-                  <a:t>For </a:t>
-                </a:r>
-                <a:r>
-                  <a:rPr lang="en-US" sz="1800" b="1" i="1" u="none" strike="noStrike" baseline="0" dirty="0">
-                    <a:latin typeface="Cambria Math" panose="02040503050406030204" pitchFamily="18" charset="0"/>
-                    <a:ea typeface="Cambria Math" panose="02040503050406030204" pitchFamily="18" charset="0"/>
-                  </a:rPr>
-                  <a:t>c </a:t>
-                </a:r>
-                <a:r>
-                  <a:rPr lang="en-US" sz="1800" b="1" i="0" u="none" strike="noStrike" baseline="0" dirty="0">
-                    <a:latin typeface="Cambria Math" panose="02040503050406030204" pitchFamily="18" charset="0"/>
-                    <a:ea typeface="Cambria Math" panose="02040503050406030204" pitchFamily="18" charset="0"/>
-                  </a:rPr>
-                  <a:t>+ 1, the graph is scaled:	</a:t>
-                </a:r>
-                <a14:m>
-                  <m:oMath xmlns:m="http://schemas.openxmlformats.org/officeDocument/2006/math">
-                    <m:r>
-                      <a:rPr lang="en-US" sz="1800" b="0" i="1" u="none" strike="noStrike" baseline="0" smtClean="0">
-                        <a:latin typeface="Cambria Math" panose="02040503050406030204" pitchFamily="18" charset="0"/>
-                        <a:ea typeface="Cambria Math" panose="02040503050406030204" pitchFamily="18" charset="0"/>
-                      </a:rPr>
-                      <m:t>𝑦</m:t>
-                    </m:r>
-                    <m:r>
-                      <a:rPr lang="en-US" sz="1800" b="0" i="1" u="none" strike="noStrike" baseline="0" smtClean="0">
-                        <a:latin typeface="Cambria Math" panose="02040503050406030204" pitchFamily="18" charset="0"/>
-                        <a:ea typeface="Cambria Math" panose="02040503050406030204" pitchFamily="18" charset="0"/>
-                      </a:rPr>
-                      <m:t>=</m:t>
-                    </m:r>
-                    <m:r>
-                      <a:rPr lang="en-US" sz="1800" b="0" i="1" u="none" strike="noStrike" baseline="0" smtClean="0">
-                        <a:latin typeface="Cambria Math" panose="02040503050406030204" pitchFamily="18" charset="0"/>
-                        <a:ea typeface="Cambria Math" panose="02040503050406030204" pitchFamily="18" charset="0"/>
-                      </a:rPr>
-                      <m:t>𝑐𝑓</m:t>
-                    </m:r>
-                    <m:d>
-                      <m:dPr>
-                        <m:ctrlPr>
-                          <a:rPr lang="en-US" sz="1800" i="1" u="none" strike="noStrike" baseline="0" smtClean="0">
-                            <a:latin typeface="Cambria Math" panose="02040503050406030204" pitchFamily="18" charset="0"/>
-                            <a:ea typeface="Cambria Math" panose="02040503050406030204" pitchFamily="18" charset="0"/>
-                          </a:rPr>
-                        </m:ctrlPr>
-                      </m:dPr>
-                      <m:e>
-                        <m:r>
-                          <a:rPr lang="en-US" sz="1800" b="0" i="1" u="none" strike="noStrike" baseline="0" smtClean="0">
-                            <a:latin typeface="Cambria Math" panose="02040503050406030204" pitchFamily="18" charset="0"/>
-                            <a:ea typeface="Cambria Math" panose="02040503050406030204" pitchFamily="18" charset="0"/>
-                          </a:rPr>
-                          <m:t>𝑥</m:t>
-                        </m:r>
-                      </m:e>
-                    </m:d>
-                  </m:oMath>
-                </a14:m>
-                <a:r>
-                  <a:rPr lang="en-US" sz="1800" i="0" u="none" strike="noStrike" baseline="0" dirty="0">
-                    <a:latin typeface="Cambria Math" panose="02040503050406030204" pitchFamily="18" charset="0"/>
-                    <a:ea typeface="Cambria Math" panose="02040503050406030204" pitchFamily="18" charset="0"/>
-                  </a:rPr>
-                  <a:t> Stretches the graph of ƒ vertically by a factor of </a:t>
-                </a:r>
-                <a:r>
-                  <a:rPr lang="en-US" sz="1800" i="1" u="none" strike="noStrike" baseline="0" dirty="0">
-                    <a:latin typeface="Cambria Math" panose="02040503050406030204" pitchFamily="18" charset="0"/>
-                    <a:ea typeface="Cambria Math" panose="02040503050406030204" pitchFamily="18" charset="0"/>
-                  </a:rPr>
-                  <a:t>c</a:t>
-                </a:r>
-                <a:r>
-                  <a:rPr lang="en-US" sz="1800" i="0" u="none" strike="noStrike" baseline="0" dirty="0">
-                    <a:latin typeface="Cambria Math" panose="02040503050406030204" pitchFamily="18" charset="0"/>
-                    <a:ea typeface="Cambria Math" panose="02040503050406030204" pitchFamily="18" charset="0"/>
-                  </a:rPr>
-                  <a:t>.</a:t>
-                </a:r>
-              </a:p>
-              <a:p>
-                <a:pPr algn="l"/>
-                <a:r>
-                  <a:rPr lang="en-US" sz="1800" i="1" u="none" strike="noStrike" baseline="0" dirty="0">
-                    <a:latin typeface="Cambria Math" panose="02040503050406030204" pitchFamily="18" charset="0"/>
-                    <a:ea typeface="Cambria Math" panose="02040503050406030204" pitchFamily="18" charset="0"/>
-                  </a:rPr>
-                  <a:t>							</a:t>
-                </a:r>
-                <a14:m>
-                  <m:oMath xmlns:m="http://schemas.openxmlformats.org/officeDocument/2006/math">
-                    <m:r>
-                      <a:rPr lang="en-US" sz="1800" b="0" i="1" u="none" strike="noStrike" baseline="0" smtClean="0">
-                        <a:latin typeface="Cambria Math" panose="02040503050406030204" pitchFamily="18" charset="0"/>
-                        <a:ea typeface="Cambria Math" panose="02040503050406030204" pitchFamily="18" charset="0"/>
-                      </a:rPr>
-                      <m:t>𝑦</m:t>
-                    </m:r>
-                    <m:r>
-                      <a:rPr lang="en-US" sz="1800" b="0" i="1" u="none" strike="noStrike" baseline="0" smtClean="0">
-                        <a:latin typeface="Cambria Math" panose="02040503050406030204" pitchFamily="18" charset="0"/>
-                        <a:ea typeface="Cambria Math" panose="02040503050406030204" pitchFamily="18" charset="0"/>
-                      </a:rPr>
-                      <m:t>=</m:t>
-                    </m:r>
-                    <m:f>
-                      <m:fPr>
-                        <m:ctrlPr>
-                          <a:rPr lang="en-US" sz="1800" i="1" u="none" strike="noStrike" baseline="0" smtClean="0">
-                            <a:latin typeface="Cambria Math" panose="02040503050406030204" pitchFamily="18" charset="0"/>
-                            <a:ea typeface="Cambria Math" panose="02040503050406030204" pitchFamily="18" charset="0"/>
-                          </a:rPr>
-                        </m:ctrlPr>
-                      </m:fPr>
-                      <m:num>
-                        <m:r>
-                          <a:rPr lang="en-US" sz="1800" b="0" i="1" u="none" strike="noStrike" baseline="0" smtClean="0">
-                            <a:latin typeface="Cambria Math" panose="02040503050406030204" pitchFamily="18" charset="0"/>
-                            <a:ea typeface="Cambria Math" panose="02040503050406030204" pitchFamily="18" charset="0"/>
-                          </a:rPr>
-                          <m:t>1</m:t>
-                        </m:r>
-                      </m:num>
-                      <m:den>
-                        <m:r>
-                          <a:rPr lang="en-US" sz="1800" b="0" i="1" u="none" strike="noStrike" baseline="0" smtClean="0">
-                            <a:latin typeface="Cambria Math" panose="02040503050406030204" pitchFamily="18" charset="0"/>
-                            <a:ea typeface="Cambria Math" panose="02040503050406030204" pitchFamily="18" charset="0"/>
-                          </a:rPr>
-                          <m:t>𝑐</m:t>
-                        </m:r>
-                      </m:den>
-                    </m:f>
-                    <m:r>
-                      <a:rPr lang="en-US" sz="1800" b="0" i="1" u="none" strike="noStrike" baseline="0" smtClean="0">
-                        <a:latin typeface="Cambria Math" panose="02040503050406030204" pitchFamily="18" charset="0"/>
-                        <a:ea typeface="Cambria Math" panose="02040503050406030204" pitchFamily="18" charset="0"/>
-                      </a:rPr>
-                      <m:t>𝑓</m:t>
-                    </m:r>
-                    <m:d>
-                      <m:dPr>
-                        <m:ctrlPr>
-                          <a:rPr lang="en-US" sz="1800" i="1" u="none" strike="noStrike" baseline="0" smtClean="0">
-                            <a:latin typeface="Cambria Math" panose="02040503050406030204" pitchFamily="18" charset="0"/>
-                            <a:ea typeface="Cambria Math" panose="02040503050406030204" pitchFamily="18" charset="0"/>
-                          </a:rPr>
-                        </m:ctrlPr>
-                      </m:dPr>
-                      <m:e>
-                        <m:r>
-                          <a:rPr lang="en-US" sz="1800" b="0" i="1" u="none" strike="noStrike" baseline="0" smtClean="0">
-                            <a:latin typeface="Cambria Math" panose="02040503050406030204" pitchFamily="18" charset="0"/>
-                            <a:ea typeface="Cambria Math" panose="02040503050406030204" pitchFamily="18" charset="0"/>
-                          </a:rPr>
-                          <m:t>𝑥</m:t>
-                        </m:r>
-                      </m:e>
-                    </m:d>
-                  </m:oMath>
-                </a14:m>
-                <a:r>
-                  <a:rPr lang="en-US" sz="1800" i="0" u="none" strike="noStrike" baseline="0" dirty="0">
-                    <a:latin typeface="Cambria Math" panose="02040503050406030204" pitchFamily="18" charset="0"/>
-                    <a:ea typeface="Cambria Math" panose="02040503050406030204" pitchFamily="18" charset="0"/>
-                  </a:rPr>
-                  <a:t> Compresses the graph of ƒ vertically by a factor of </a:t>
-                </a:r>
-                <a:r>
-                  <a:rPr lang="en-US" sz="1800" i="1" u="none" strike="noStrike" baseline="0" dirty="0">
-                    <a:latin typeface="Cambria Math" panose="02040503050406030204" pitchFamily="18" charset="0"/>
-                    <a:ea typeface="Cambria Math" panose="02040503050406030204" pitchFamily="18" charset="0"/>
-                  </a:rPr>
-                  <a:t>c</a:t>
-                </a:r>
-                <a:r>
-                  <a:rPr lang="en-US" sz="1800" i="0" u="none" strike="noStrike" baseline="0" dirty="0">
-                    <a:latin typeface="Cambria Math" panose="02040503050406030204" pitchFamily="18" charset="0"/>
-                    <a:ea typeface="Cambria Math" panose="02040503050406030204" pitchFamily="18" charset="0"/>
-                  </a:rPr>
-                  <a:t>.</a:t>
-                </a:r>
-              </a:p>
-              <a:p>
-                <a:pPr algn="l"/>
-                <a:r>
-                  <a:rPr lang="en-US" sz="1800" i="1" u="none" strike="noStrike" baseline="0" dirty="0">
-                    <a:latin typeface="Cambria Math" panose="02040503050406030204" pitchFamily="18" charset="0"/>
-                    <a:ea typeface="Cambria Math" panose="02040503050406030204" pitchFamily="18" charset="0"/>
-                  </a:rPr>
-                  <a:t>							</a:t>
-                </a:r>
-                <a14:m>
-                  <m:oMath xmlns:m="http://schemas.openxmlformats.org/officeDocument/2006/math">
-                    <m:r>
-                      <a:rPr lang="en-US" sz="1800" b="0" i="1" u="none" strike="noStrike" baseline="0" smtClean="0">
-                        <a:latin typeface="Cambria Math" panose="02040503050406030204" pitchFamily="18" charset="0"/>
-                        <a:ea typeface="Cambria Math" panose="02040503050406030204" pitchFamily="18" charset="0"/>
-                      </a:rPr>
-                      <m:t>𝑦</m:t>
-                    </m:r>
-                    <m:r>
-                      <a:rPr lang="en-US" sz="1800" b="0" i="1" u="none" strike="noStrike" baseline="0" smtClean="0">
-                        <a:latin typeface="Cambria Math" panose="02040503050406030204" pitchFamily="18" charset="0"/>
-                        <a:ea typeface="Cambria Math" panose="02040503050406030204" pitchFamily="18" charset="0"/>
-                      </a:rPr>
-                      <m:t>=</m:t>
-                    </m:r>
-                    <m:r>
-                      <a:rPr lang="en-US" sz="1800" b="0" i="1" u="none" strike="noStrike" baseline="0" smtClean="0">
-                        <a:latin typeface="Cambria Math" panose="02040503050406030204" pitchFamily="18" charset="0"/>
-                        <a:ea typeface="Cambria Math" panose="02040503050406030204" pitchFamily="18" charset="0"/>
-                      </a:rPr>
-                      <m:t>𝑓</m:t>
-                    </m:r>
-                    <m:d>
-                      <m:dPr>
-                        <m:ctrlPr>
-                          <a:rPr lang="en-US" sz="1800" i="1" u="none" strike="noStrike" baseline="0" smtClean="0">
-                            <a:latin typeface="Cambria Math" panose="02040503050406030204" pitchFamily="18" charset="0"/>
-                            <a:ea typeface="Cambria Math" panose="02040503050406030204" pitchFamily="18" charset="0"/>
-                          </a:rPr>
-                        </m:ctrlPr>
-                      </m:dPr>
-                      <m:e>
-                        <m:r>
-                          <a:rPr lang="en-US" sz="1800" b="0" i="1" u="none" strike="noStrike" baseline="0" smtClean="0">
-                            <a:latin typeface="Cambria Math" panose="02040503050406030204" pitchFamily="18" charset="0"/>
-                            <a:ea typeface="Cambria Math" panose="02040503050406030204" pitchFamily="18" charset="0"/>
-                          </a:rPr>
-                          <m:t>𝑐𝑥</m:t>
-                        </m:r>
-                      </m:e>
-                    </m:d>
-                  </m:oMath>
-                </a14:m>
-                <a:r>
-                  <a:rPr lang="en-US" sz="1800" i="0" u="none" strike="noStrike" baseline="0" dirty="0">
-                    <a:latin typeface="Cambria Math" panose="02040503050406030204" pitchFamily="18" charset="0"/>
-                    <a:ea typeface="Cambria Math" panose="02040503050406030204" pitchFamily="18" charset="0"/>
-                  </a:rPr>
-                  <a:t> compresses the graph of ƒ horizontally by a factor of </a:t>
-                </a:r>
-                <a:r>
-                  <a:rPr lang="en-US" sz="1800" i="1" u="none" strike="noStrike" baseline="0" dirty="0">
-                    <a:latin typeface="Cambria Math" panose="02040503050406030204" pitchFamily="18" charset="0"/>
-                    <a:ea typeface="Cambria Math" panose="02040503050406030204" pitchFamily="18" charset="0"/>
-                  </a:rPr>
-                  <a:t>c</a:t>
-                </a:r>
-                <a:r>
-                  <a:rPr lang="en-US" sz="1800" i="0" u="none" strike="noStrike" baseline="0" dirty="0">
-                    <a:latin typeface="Cambria Math" panose="02040503050406030204" pitchFamily="18" charset="0"/>
-                    <a:ea typeface="Cambria Math" panose="02040503050406030204" pitchFamily="18" charset="0"/>
-                  </a:rPr>
-                  <a:t>.</a:t>
-                </a:r>
-              </a:p>
-              <a:p>
-                <a:pPr algn="l"/>
-                <a:r>
-                  <a:rPr lang="en-US" sz="1800" i="1" u="none" strike="noStrike" baseline="0" dirty="0">
-                    <a:latin typeface="Cambria Math" panose="02040503050406030204" pitchFamily="18" charset="0"/>
-                    <a:ea typeface="Cambria Math" panose="02040503050406030204" pitchFamily="18" charset="0"/>
-                  </a:rPr>
-                  <a:t>							</a:t>
-                </a:r>
-                <a14:m>
-                  <m:oMath xmlns:m="http://schemas.openxmlformats.org/officeDocument/2006/math">
-                    <m:r>
-                      <a:rPr lang="en-US" sz="1800" b="0" i="1" u="none" strike="noStrike" baseline="0" smtClean="0">
-                        <a:latin typeface="Cambria Math" panose="02040503050406030204" pitchFamily="18" charset="0"/>
-                        <a:ea typeface="Cambria Math" panose="02040503050406030204" pitchFamily="18" charset="0"/>
-                      </a:rPr>
-                      <m:t>𝑦</m:t>
-                    </m:r>
-                    <m:r>
-                      <a:rPr lang="en-US" sz="1800" b="0" i="1" u="none" strike="noStrike" baseline="0" smtClean="0">
-                        <a:latin typeface="Cambria Math" panose="02040503050406030204" pitchFamily="18" charset="0"/>
-                        <a:ea typeface="Cambria Math" panose="02040503050406030204" pitchFamily="18" charset="0"/>
-                      </a:rPr>
-                      <m:t>=</m:t>
-                    </m:r>
-                    <m:r>
-                      <a:rPr lang="en-US" sz="1800" b="0" i="1" u="none" strike="noStrike" baseline="0" smtClean="0">
-                        <a:latin typeface="Cambria Math" panose="02040503050406030204" pitchFamily="18" charset="0"/>
-                        <a:ea typeface="Cambria Math" panose="02040503050406030204" pitchFamily="18" charset="0"/>
-                      </a:rPr>
-                      <m:t>𝑓</m:t>
-                    </m:r>
-                    <m:d>
-                      <m:dPr>
-                        <m:ctrlPr>
-                          <a:rPr lang="en-US" sz="1800" i="1" u="none" strike="noStrike" baseline="0" smtClean="0">
-                            <a:latin typeface="Cambria Math" panose="02040503050406030204" pitchFamily="18" charset="0"/>
-                            <a:ea typeface="Cambria Math" panose="02040503050406030204" pitchFamily="18" charset="0"/>
-                          </a:rPr>
-                        </m:ctrlPr>
-                      </m:dPr>
-                      <m:e>
-                        <m:r>
-                          <a:rPr lang="en-US" sz="1800" b="0" i="1" u="none" strike="noStrike" baseline="0" smtClean="0">
-                            <a:latin typeface="Cambria Math" panose="02040503050406030204" pitchFamily="18" charset="0"/>
-                            <a:ea typeface="Cambria Math" panose="02040503050406030204" pitchFamily="18" charset="0"/>
-                          </a:rPr>
-                          <m:t>𝑥</m:t>
-                        </m:r>
-                        <m:r>
-                          <a:rPr lang="en-US" sz="1800" b="0" i="1" u="none" strike="noStrike" baseline="0" smtClean="0">
-                            <a:latin typeface="Cambria Math" panose="02040503050406030204" pitchFamily="18" charset="0"/>
-                            <a:ea typeface="Cambria Math" panose="02040503050406030204" pitchFamily="18" charset="0"/>
-                          </a:rPr>
-                          <m:t>/</m:t>
-                        </m:r>
-                        <m:r>
-                          <a:rPr lang="en-US" sz="1800" b="0" i="1" u="none" strike="noStrike" baseline="0" smtClean="0">
-                            <a:latin typeface="Cambria Math" panose="02040503050406030204" pitchFamily="18" charset="0"/>
-                            <a:ea typeface="Cambria Math" panose="02040503050406030204" pitchFamily="18" charset="0"/>
-                          </a:rPr>
-                          <m:t>𝑐</m:t>
-                        </m:r>
-                      </m:e>
-                    </m:d>
-                  </m:oMath>
-                </a14:m>
-                <a:r>
-                  <a:rPr lang="en-US" sz="1800" i="0" u="none" strike="noStrike" baseline="0" dirty="0">
-                    <a:latin typeface="Cambria Math" panose="02040503050406030204" pitchFamily="18" charset="0"/>
-                    <a:ea typeface="Cambria Math" panose="02040503050406030204" pitchFamily="18" charset="0"/>
-                  </a:rPr>
-                  <a:t> Stretches the graph of ƒ horizontally by a factor of </a:t>
-                </a:r>
-                <a:r>
-                  <a:rPr lang="en-US" sz="1800" i="1" u="none" strike="noStrike" baseline="0" dirty="0">
-                    <a:latin typeface="Cambria Math" panose="02040503050406030204" pitchFamily="18" charset="0"/>
-                    <a:ea typeface="Cambria Math" panose="02040503050406030204" pitchFamily="18" charset="0"/>
-                  </a:rPr>
-                  <a:t>c</a:t>
-                </a:r>
-                <a:r>
-                  <a:rPr lang="en-US" sz="1800" i="0" u="none" strike="noStrike" baseline="0" dirty="0">
-                    <a:latin typeface="Cambria Math" panose="02040503050406030204" pitchFamily="18" charset="0"/>
-                    <a:ea typeface="Cambria Math" panose="02040503050406030204" pitchFamily="18" charset="0"/>
-                  </a:rPr>
-                  <a:t>.</a:t>
-                </a:r>
-              </a:p>
-              <a:p>
-                <a:pPr algn="l"/>
-                <a:endParaRPr lang="en-US" sz="1800" b="1" i="0" u="none" strike="noStrike" baseline="0" dirty="0">
-                  <a:latin typeface="Cambria Math" panose="02040503050406030204" pitchFamily="18" charset="0"/>
-                  <a:ea typeface="Cambria Math" panose="02040503050406030204" pitchFamily="18" charset="0"/>
-                </a:endParaRPr>
-              </a:p>
-              <a:p>
-                <a:pPr algn="l"/>
-                <a:r>
-                  <a:rPr lang="en-US" sz="1800" b="1" i="0" u="none" strike="noStrike" baseline="0" dirty="0">
-                    <a:latin typeface="Cambria Math" panose="02040503050406030204" pitchFamily="18" charset="0"/>
-                    <a:ea typeface="Cambria Math" panose="02040503050406030204" pitchFamily="18" charset="0"/>
-                  </a:rPr>
-                  <a:t>For </a:t>
-                </a:r>
-                <a:r>
-                  <a:rPr lang="en-US" sz="1800" b="1" i="1" u="none" strike="noStrike" baseline="0" dirty="0">
-                    <a:latin typeface="Cambria Math" panose="02040503050406030204" pitchFamily="18" charset="0"/>
-                    <a:ea typeface="Cambria Math" panose="02040503050406030204" pitchFamily="18" charset="0"/>
-                  </a:rPr>
-                  <a:t>c </a:t>
-                </a:r>
-                <a:r>
-                  <a:rPr lang="en-US" sz="1800" b="1" i="0" u="none" strike="noStrike" baseline="0" dirty="0">
-                    <a:latin typeface="Cambria Math" panose="02040503050406030204" pitchFamily="18" charset="0"/>
-                    <a:ea typeface="Cambria Math" panose="02040503050406030204" pitchFamily="18" charset="0"/>
-                  </a:rPr>
-                  <a:t> 1, the graph is reflected:	</a:t>
-                </a:r>
-                <a14:m>
-                  <m:oMath xmlns:m="http://schemas.openxmlformats.org/officeDocument/2006/math">
-                    <m:r>
-                      <a:rPr lang="en-US" sz="1800" b="0" i="1" u="none" strike="noStrike" baseline="0" smtClean="0">
-                        <a:latin typeface="Cambria Math" panose="02040503050406030204" pitchFamily="18" charset="0"/>
-                        <a:ea typeface="Cambria Math" panose="02040503050406030204" pitchFamily="18" charset="0"/>
-                      </a:rPr>
-                      <m:t>𝑦</m:t>
-                    </m:r>
-                    <m:r>
-                      <a:rPr lang="en-US" sz="1800" b="0" i="1" u="none" strike="noStrike" baseline="0" smtClean="0">
-                        <a:latin typeface="Cambria Math" panose="02040503050406030204" pitchFamily="18" charset="0"/>
-                        <a:ea typeface="Cambria Math" panose="02040503050406030204" pitchFamily="18" charset="0"/>
-                      </a:rPr>
-                      <m:t>=−</m:t>
-                    </m:r>
-                    <m:r>
-                      <a:rPr lang="en-US" sz="1800" b="0" i="1" u="none" strike="noStrike" baseline="0" smtClean="0">
-                        <a:latin typeface="Cambria Math" panose="02040503050406030204" pitchFamily="18" charset="0"/>
-                        <a:ea typeface="Cambria Math" panose="02040503050406030204" pitchFamily="18" charset="0"/>
-                      </a:rPr>
-                      <m:t>𝑓</m:t>
-                    </m:r>
-                    <m:d>
-                      <m:dPr>
-                        <m:ctrlPr>
-                          <a:rPr lang="en-US" sz="1800" i="1" u="none" strike="noStrike" baseline="0" smtClean="0">
-                            <a:latin typeface="Cambria Math" panose="02040503050406030204" pitchFamily="18" charset="0"/>
-                            <a:ea typeface="Cambria Math" panose="02040503050406030204" pitchFamily="18" charset="0"/>
-                          </a:rPr>
-                        </m:ctrlPr>
-                      </m:dPr>
-                      <m:e>
-                        <m:r>
-                          <a:rPr lang="en-US" sz="1800" b="0" i="1" u="none" strike="noStrike" baseline="0" smtClean="0">
-                            <a:latin typeface="Cambria Math" panose="02040503050406030204" pitchFamily="18" charset="0"/>
-                            <a:ea typeface="Cambria Math" panose="02040503050406030204" pitchFamily="18" charset="0"/>
-                          </a:rPr>
-                          <m:t>𝑥</m:t>
-                        </m:r>
-                      </m:e>
-                    </m:d>
-                  </m:oMath>
-                </a14:m>
-                <a:r>
-                  <a:rPr lang="en-US" sz="1800" i="0" u="none" strike="noStrike" baseline="0" dirty="0">
-                    <a:latin typeface="Cambria Math" panose="02040503050406030204" pitchFamily="18" charset="0"/>
-                    <a:ea typeface="Cambria Math" panose="02040503050406030204" pitchFamily="18" charset="0"/>
-                  </a:rPr>
-                  <a:t> Reflects the graph of ƒ across the </a:t>
-                </a:r>
-                <a:r>
-                  <a:rPr lang="en-US" sz="1800" i="1" u="none" strike="noStrike" baseline="0" dirty="0">
-                    <a:latin typeface="Cambria Math" panose="02040503050406030204" pitchFamily="18" charset="0"/>
-                    <a:ea typeface="Cambria Math" panose="02040503050406030204" pitchFamily="18" charset="0"/>
-                  </a:rPr>
-                  <a:t>x</a:t>
-                </a:r>
-                <a:r>
-                  <a:rPr lang="en-US" sz="1800" i="0" u="none" strike="noStrike" baseline="0" dirty="0">
-                    <a:latin typeface="Cambria Math" panose="02040503050406030204" pitchFamily="18" charset="0"/>
-                    <a:ea typeface="Cambria Math" panose="02040503050406030204" pitchFamily="18" charset="0"/>
-                  </a:rPr>
-                  <a:t>-axis.</a:t>
-                </a:r>
-              </a:p>
-              <a:p>
-                <a:pPr algn="l"/>
-                <a:r>
-                  <a:rPr lang="en-US" sz="1800" i="1" u="none" strike="noStrike" baseline="0" dirty="0">
-                    <a:latin typeface="Cambria Math" panose="02040503050406030204" pitchFamily="18" charset="0"/>
-                    <a:ea typeface="Cambria Math" panose="02040503050406030204" pitchFamily="18" charset="0"/>
-                  </a:rPr>
-                  <a:t>							</a:t>
-                </a:r>
-                <a:r>
-                  <a:rPr lang="en-US" sz="1800" u="none" strike="noStrike" baseline="0" dirty="0">
-                    <a:latin typeface="Cambria Math" panose="02040503050406030204" pitchFamily="18" charset="0"/>
-                    <a:ea typeface="Cambria Math" panose="02040503050406030204" pitchFamily="18" charset="0"/>
-                  </a:rPr>
-                  <a:t> </a:t>
-                </a:r>
-                <a14:m>
-                  <m:oMath xmlns:m="http://schemas.openxmlformats.org/officeDocument/2006/math">
-                    <m:r>
-                      <a:rPr lang="en-US" sz="1800" b="0" i="1" u="none" strike="noStrike" baseline="0" smtClean="0">
-                        <a:latin typeface="Cambria Math" panose="02040503050406030204" pitchFamily="18" charset="0"/>
-                        <a:ea typeface="Cambria Math" panose="02040503050406030204" pitchFamily="18" charset="0"/>
-                      </a:rPr>
-                      <m:t>𝑦</m:t>
-                    </m:r>
-                    <m:r>
-                      <a:rPr lang="en-US" sz="1800" b="0" i="1" u="none" strike="noStrike" baseline="0" smtClean="0">
-                        <a:latin typeface="Cambria Math" panose="02040503050406030204" pitchFamily="18" charset="0"/>
-                        <a:ea typeface="Cambria Math" panose="02040503050406030204" pitchFamily="18" charset="0"/>
-                      </a:rPr>
-                      <m:t>=</m:t>
-                    </m:r>
-                    <m:r>
-                      <a:rPr lang="en-US" sz="1800" b="0" i="1" u="none" strike="noStrike" baseline="0" smtClean="0">
-                        <a:latin typeface="Cambria Math" panose="02040503050406030204" pitchFamily="18" charset="0"/>
-                        <a:ea typeface="Cambria Math" panose="02040503050406030204" pitchFamily="18" charset="0"/>
-                      </a:rPr>
-                      <m:t>𝑓</m:t>
-                    </m:r>
-                    <m:d>
-                      <m:dPr>
-                        <m:ctrlPr>
-                          <a:rPr lang="en-US" sz="1800" i="1" u="none" strike="noStrike" baseline="0" smtClean="0">
-                            <a:latin typeface="Cambria Math" panose="02040503050406030204" pitchFamily="18" charset="0"/>
-                            <a:ea typeface="Cambria Math" panose="02040503050406030204" pitchFamily="18" charset="0"/>
-                          </a:rPr>
-                        </m:ctrlPr>
-                      </m:dPr>
-                      <m:e>
-                        <m:r>
-                          <a:rPr lang="en-US" sz="1800" b="0" i="1" u="none" strike="noStrike" baseline="0" smtClean="0">
-                            <a:latin typeface="Cambria Math" panose="02040503050406030204" pitchFamily="18" charset="0"/>
-                            <a:ea typeface="Cambria Math" panose="02040503050406030204" pitchFamily="18" charset="0"/>
-                          </a:rPr>
-                          <m:t>−</m:t>
-                        </m:r>
-                        <m:r>
-                          <a:rPr lang="en-US" sz="1800" b="0" i="1" u="none" strike="noStrike" baseline="0" smtClean="0">
-                            <a:latin typeface="Cambria Math" panose="02040503050406030204" pitchFamily="18" charset="0"/>
-                            <a:ea typeface="Cambria Math" panose="02040503050406030204" pitchFamily="18" charset="0"/>
-                          </a:rPr>
-                          <m:t>𝑥</m:t>
-                        </m:r>
-                      </m:e>
-                    </m:d>
-                  </m:oMath>
-                </a14:m>
-                <a:r>
-                  <a:rPr lang="en-US" sz="1800" i="1" u="none" strike="noStrike" baseline="0" dirty="0">
-                    <a:latin typeface="Cambria Math" panose="02040503050406030204" pitchFamily="18" charset="0"/>
-                    <a:ea typeface="Cambria Math" panose="02040503050406030204" pitchFamily="18" charset="0"/>
-                  </a:rPr>
-                  <a:t> </a:t>
-                </a:r>
-                <a:r>
-                  <a:rPr lang="en-US" sz="1800" i="0" u="none" strike="noStrike" baseline="0" dirty="0">
-                    <a:latin typeface="Cambria Math" panose="02040503050406030204" pitchFamily="18" charset="0"/>
-                    <a:ea typeface="Cambria Math" panose="02040503050406030204" pitchFamily="18" charset="0"/>
-                  </a:rPr>
-                  <a:t>Reflects the graph of ƒ across the </a:t>
-                </a:r>
-                <a:r>
-                  <a:rPr lang="en-US" sz="1800" i="1" u="none" strike="noStrike" baseline="0" dirty="0">
-                    <a:latin typeface="Cambria Math" panose="02040503050406030204" pitchFamily="18" charset="0"/>
-                    <a:ea typeface="Cambria Math" panose="02040503050406030204" pitchFamily="18" charset="0"/>
-                  </a:rPr>
-                  <a:t>y</a:t>
-                </a:r>
-                <a:r>
-                  <a:rPr lang="en-US" sz="1800" i="0" u="none" strike="noStrike" baseline="0" dirty="0">
-                    <a:latin typeface="Cambria Math" panose="02040503050406030204" pitchFamily="18" charset="0"/>
-                    <a:ea typeface="Cambria Math" panose="02040503050406030204" pitchFamily="18" charset="0"/>
-                  </a:rPr>
-                  <a:t>-axis.</a:t>
-                </a:r>
-                <a:endParaRPr lang="en-US" sz="2400" dirty="0">
-                  <a:latin typeface="Cambria Math" panose="02040503050406030204" pitchFamily="18" charset="0"/>
-                  <a:ea typeface="Cambria Math" panose="02040503050406030204" pitchFamily="18" charset="0"/>
-                </a:endParaRPr>
-              </a:p>
-            </p:txBody>
-          </p:sp>
-        </mc:Choice>
-        <mc:Fallback xmlns="">
-          <p:sp>
-            <p:nvSpPr>
-              <p:cNvPr id="4" name="TextBox 3">
-                <a:extLst>
-                  <a:ext uri="{FF2B5EF4-FFF2-40B4-BE49-F238E27FC236}">
-                    <a16:creationId xmlns:a16="http://schemas.microsoft.com/office/drawing/2014/main" id="{782AC1AE-A5D7-4617-9A2F-CEE67DF71E7A}"/>
-                  </a:ext>
-                </a:extLst>
-              </p:cNvPr>
-              <p:cNvSpPr txBox="1">
-                <a:spLocks noRot="1" noChangeAspect="1" noMove="1" noResize="1" noEditPoints="1" noAdjustHandles="1" noChangeArrowheads="1" noChangeShapeType="1" noTextEdit="1"/>
-              </p:cNvSpPr>
-              <p:nvPr/>
-            </p:nvSpPr>
-            <p:spPr>
-              <a:xfrm>
-                <a:off x="1295401" y="2576945"/>
-                <a:ext cx="9770163" cy="3531929"/>
-              </a:xfrm>
-              <a:prstGeom prst="rect">
-                <a:avLst/>
-              </a:prstGeom>
-              <a:blipFill>
-                <a:blip r:embed="rId2"/>
-                <a:stretch>
-                  <a:fillRect l="-562" t="-1209" b="-1727"/>
-                </a:stretch>
-              </a:blipFill>
-            </p:spPr>
-            <p:txBody>
-              <a:bodyPr/>
-              <a:lstStyle/>
-              <a:p>
-                <a:r>
-                  <a:rPr lang="en-US">
-                    <a:noFill/>
-                  </a:rPr>
-                  <a:t> </a:t>
-                </a:r>
-              </a:p>
-            </p:txBody>
-          </p:sp>
-        </mc:Fallback>
-      </mc:AlternateContent>
-    </p:spTree>
-    <p:extLst>
-      <p:ext uri="{BB962C8B-B14F-4D97-AF65-F5344CB8AC3E}">
-        <p14:creationId xmlns:p14="http://schemas.microsoft.com/office/powerpoint/2010/main" val="599395481"/>
-      </p:ext>
-    </p:extLst>
-  </p:cSld>
-  <p:clrMapOvr>
-    <a:masterClrMapping/>
-  </p:clrMapOvr>
-</p:sld>
-</file>
-
-<file path=ppt/slides/slide7.xml><?xml version="1.0" encoding="utf-8"?>
 <p:sld xmlns:a="http://schemas.openxmlformats.org/drawingml/2006/main" xmlns:r="http://schemas.openxmlformats.org/officeDocument/2006/relationships" xmlns:p="http://schemas.openxmlformats.org/presentationml/2006/main">
   <p:cSld>
     <p:spTree>
@@ -18323,6 +17022,1660 @@
 </p:sld>
 </file>
 
+<file path=ppt/slides/slide6.xml><?xml version="1.0" encoding="utf-8"?>
+<p:sld xmlns:a="http://schemas.openxmlformats.org/drawingml/2006/main" xmlns:r="http://schemas.openxmlformats.org/officeDocument/2006/relationships" xmlns:p="http://schemas.openxmlformats.org/presentationml/2006/main">
+  <p:cSld>
+    <p:spTree>
+      <p:nvGrpSpPr>
+        <p:cNvPr id="1" name=""/>
+        <p:cNvGrpSpPr/>
+        <p:nvPr/>
+      </p:nvGrpSpPr>
+      <p:grpSpPr>
+        <a:xfrm>
+          <a:off x="0" y="0"/>
+          <a:ext cx="0" cy="0"/>
+          <a:chOff x="0" y="0"/>
+          <a:chExt cx="0" cy="0"/>
+        </a:xfrm>
+      </p:grpSpPr>
+      <p:sp>
+        <p:nvSpPr>
+          <p:cNvPr id="2" name="Title 1">
+            <a:extLst>
+              <a:ext uri="{FF2B5EF4-FFF2-40B4-BE49-F238E27FC236}">
+                <a16:creationId xmlns:a16="http://schemas.microsoft.com/office/drawing/2014/main" id="{4008384A-D6A9-4E2A-9987-E9DD85348123}"/>
+              </a:ext>
+            </a:extLst>
+          </p:cNvPr>
+          <p:cNvSpPr>
+            <a:spLocks noGrp="1"/>
+          </p:cNvSpPr>
+          <p:nvPr>
+            <p:ph type="title"/>
+          </p:nvPr>
+        </p:nvSpPr>
+        <p:spPr/>
+        <p:txBody>
+          <a:bodyPr/>
+          <a:lstStyle/>
+          <a:p>
+            <a:r>
+              <a:rPr lang="en-US" dirty="0">
+                <a:solidFill>
+                  <a:srgbClr val="0070C0"/>
+                </a:solidFill>
+              </a:rPr>
+              <a:t>Graph of a Function</a:t>
+            </a:r>
+          </a:p>
+        </p:txBody>
+      </p:sp>
+      <mc:AlternateContent xmlns:mc="http://schemas.openxmlformats.org/markup-compatibility/2006" xmlns:a14="http://schemas.microsoft.com/office/drawing/2010/main">
+        <mc:Choice Requires="a14">
+          <p:sp>
+            <p:nvSpPr>
+              <p:cNvPr id="4" name="TextBox 3">
+                <a:extLst>
+                  <a:ext uri="{FF2B5EF4-FFF2-40B4-BE49-F238E27FC236}">
+                    <a16:creationId xmlns:a16="http://schemas.microsoft.com/office/drawing/2014/main" id="{782AC1AE-A5D7-4617-9A2F-CEE67DF71E7A}"/>
+                  </a:ext>
+                </a:extLst>
+              </p:cNvPr>
+              <p:cNvSpPr txBox="1"/>
+              <p:nvPr/>
+            </p:nvSpPr>
+            <p:spPr>
+              <a:xfrm>
+                <a:off x="1295402" y="2576945"/>
+                <a:ext cx="9601196" cy="707886"/>
+              </a:xfrm>
+              <a:prstGeom prst="rect">
+                <a:avLst/>
+              </a:prstGeom>
+              <a:noFill/>
+            </p:spPr>
+            <p:txBody>
+              <a:bodyPr wrap="square" rtlCol="0">
+                <a:spAutoFit/>
+              </a:bodyPr>
+              <a:lstStyle/>
+              <a:p>
+                <a:r>
+                  <a:rPr lang="en-US" sz="2000" dirty="0" smtClean="0">
+                    <a:latin typeface="Cambria Math" panose="02040503050406030204" pitchFamily="18" charset="0"/>
+                    <a:ea typeface="Cambria Math" panose="02040503050406030204" pitchFamily="18" charset="0"/>
+                  </a:rPr>
+                  <a:t>If </a:t>
+                </a:r>
+                <a14:m>
+                  <m:oMath xmlns:m="http://schemas.openxmlformats.org/officeDocument/2006/math">
+                    <m:r>
+                      <a:rPr lang="en-US" sz="2000" b="0" i="1" smtClean="0">
+                        <a:latin typeface="Cambria Math" panose="02040503050406030204" pitchFamily="18" charset="0"/>
+                        <a:ea typeface="Cambria Math" panose="02040503050406030204" pitchFamily="18" charset="0"/>
+                      </a:rPr>
+                      <m:t>𝑓</m:t>
+                    </m:r>
+                  </m:oMath>
+                </a14:m>
+                <a:r>
+                  <a:rPr lang="en-US" sz="2000" dirty="0" smtClean="0">
+                    <a:latin typeface="Cambria Math" panose="02040503050406030204" pitchFamily="18" charset="0"/>
+                    <a:ea typeface="Cambria Math" panose="02040503050406030204" pitchFamily="18" charset="0"/>
+                  </a:rPr>
+                  <a:t> </a:t>
+                </a:r>
+                <a:r>
+                  <a:rPr lang="en-US" sz="2000" dirty="0">
+                    <a:latin typeface="Cambria Math" panose="02040503050406030204" pitchFamily="18" charset="0"/>
+                    <a:ea typeface="Cambria Math" panose="02040503050406030204" pitchFamily="18" charset="0"/>
+                  </a:rPr>
+                  <a:t>is a real-valued function of a real variable, then the graph of f in the </a:t>
+                </a:r>
+                <a:r>
+                  <a:rPr lang="en-US" sz="2000" dirty="0" err="1">
+                    <a:latin typeface="Cambria Math" panose="02040503050406030204" pitchFamily="18" charset="0"/>
+                    <a:ea typeface="Cambria Math" panose="02040503050406030204" pitchFamily="18" charset="0"/>
+                  </a:rPr>
+                  <a:t>xy</a:t>
+                </a:r>
+                <a:r>
+                  <a:rPr lang="en-US" sz="2000" dirty="0">
+                    <a:latin typeface="Cambria Math" panose="02040503050406030204" pitchFamily="18" charset="0"/>
+                    <a:ea typeface="Cambria Math" panose="02040503050406030204" pitchFamily="18" charset="0"/>
+                  </a:rPr>
+                  <a:t>-plane is</a:t>
+                </a:r>
+              </a:p>
+              <a:p>
+                <a:r>
+                  <a:rPr lang="en-US" sz="2000" dirty="0">
+                    <a:latin typeface="Cambria Math" panose="02040503050406030204" pitchFamily="18" charset="0"/>
+                    <a:ea typeface="Cambria Math" panose="02040503050406030204" pitchFamily="18" charset="0"/>
+                  </a:rPr>
+                  <a:t>defined to be the graph of the equation </a:t>
+                </a:r>
+                <a14:m>
+                  <m:oMath xmlns:m="http://schemas.openxmlformats.org/officeDocument/2006/math">
+                    <m:r>
+                      <a:rPr lang="en-US" sz="2000" b="0" i="1" smtClean="0">
+                        <a:latin typeface="Cambria Math" panose="02040503050406030204" pitchFamily="18" charset="0"/>
+                        <a:ea typeface="Cambria Math" panose="02040503050406030204" pitchFamily="18" charset="0"/>
+                      </a:rPr>
+                      <m:t>𝑦</m:t>
+                    </m:r>
+                    <m:r>
+                      <a:rPr lang="en-US" sz="2000" b="0" i="1" smtClean="0">
+                        <a:latin typeface="Cambria Math" panose="02040503050406030204" pitchFamily="18" charset="0"/>
+                        <a:ea typeface="Cambria Math" panose="02040503050406030204" pitchFamily="18" charset="0"/>
+                      </a:rPr>
+                      <m:t>=</m:t>
+                    </m:r>
+                    <m:r>
+                      <a:rPr lang="en-US" sz="2000" b="0" i="1" smtClean="0">
+                        <a:latin typeface="Cambria Math" panose="02040503050406030204" pitchFamily="18" charset="0"/>
+                        <a:ea typeface="Cambria Math" panose="02040503050406030204" pitchFamily="18" charset="0"/>
+                      </a:rPr>
+                      <m:t>𝑓</m:t>
+                    </m:r>
+                    <m:d>
+                      <m:dPr>
+                        <m:ctrlPr>
+                          <a:rPr lang="en-US" sz="2000" b="0" i="1" smtClean="0">
+                            <a:latin typeface="Cambria Math" panose="02040503050406030204" pitchFamily="18" charset="0"/>
+                            <a:ea typeface="Cambria Math" panose="02040503050406030204" pitchFamily="18" charset="0"/>
+                          </a:rPr>
+                        </m:ctrlPr>
+                      </m:dPr>
+                      <m:e>
+                        <m:r>
+                          <a:rPr lang="en-US" sz="2000" b="0" i="1" smtClean="0">
+                            <a:latin typeface="Cambria Math" panose="02040503050406030204" pitchFamily="18" charset="0"/>
+                            <a:ea typeface="Cambria Math" panose="02040503050406030204" pitchFamily="18" charset="0"/>
+                          </a:rPr>
+                          <m:t>𝑥</m:t>
+                        </m:r>
+                      </m:e>
+                    </m:d>
+                  </m:oMath>
+                </a14:m>
+                <a:r>
+                  <a:rPr lang="en-US" sz="2000" dirty="0" smtClean="0">
+                    <a:latin typeface="Cambria Math" panose="02040503050406030204" pitchFamily="18" charset="0"/>
+                    <a:ea typeface="Cambria Math" panose="02040503050406030204" pitchFamily="18" charset="0"/>
+                  </a:rPr>
+                  <a:t>.</a:t>
+                </a:r>
+              </a:p>
+            </p:txBody>
+          </p:sp>
+        </mc:Choice>
+        <mc:Fallback xmlns="">
+          <p:sp>
+            <p:nvSpPr>
+              <p:cNvPr id="4" name="TextBox 3">
+                <a:extLst>
+                  <a:ext uri="{FF2B5EF4-FFF2-40B4-BE49-F238E27FC236}">
+                    <a16:creationId xmlns:a16="http://schemas.microsoft.com/office/drawing/2014/main" id="{782AC1AE-A5D7-4617-9A2F-CEE67DF71E7A}"/>
+                  </a:ext>
+                </a:extLst>
+              </p:cNvPr>
+              <p:cNvSpPr txBox="1">
+                <a:spLocks noRot="1" noChangeAspect="1" noMove="1" noResize="1" noEditPoints="1" noAdjustHandles="1" noChangeArrowheads="1" noChangeShapeType="1" noTextEdit="1"/>
+              </p:cNvSpPr>
+              <p:nvPr/>
+            </p:nvSpPr>
+            <p:spPr>
+              <a:xfrm>
+                <a:off x="1295402" y="2576945"/>
+                <a:ext cx="9601196" cy="707886"/>
+              </a:xfrm>
+              <a:prstGeom prst="rect">
+                <a:avLst/>
+              </a:prstGeom>
+              <a:blipFill>
+                <a:blip r:embed="rId2"/>
+                <a:stretch>
+                  <a:fillRect l="-699" t="-5172" b="-14655"/>
+                </a:stretch>
+              </a:blipFill>
+            </p:spPr>
+            <p:txBody>
+              <a:bodyPr/>
+              <a:lstStyle/>
+              <a:p>
+                <a:r>
+                  <a:rPr lang="en-US">
+                    <a:noFill/>
+                  </a:rPr>
+                  <a:t> </a:t>
+                </a:r>
+              </a:p>
+            </p:txBody>
+          </p:sp>
+        </mc:Fallback>
+      </mc:AlternateContent>
+      <p:pic>
+        <p:nvPicPr>
+          <p:cNvPr id="3" name="Picture 2"/>
+          <p:cNvPicPr>
+            <a:picLocks noChangeAspect="1"/>
+          </p:cNvPicPr>
+          <p:nvPr/>
+        </p:nvPicPr>
+        <p:blipFill>
+          <a:blip r:embed="rId3"/>
+          <a:stretch>
+            <a:fillRect/>
+          </a:stretch>
+        </p:blipFill>
+        <p:spPr>
+          <a:xfrm>
+            <a:off x="7389033" y="3093942"/>
+            <a:ext cx="2904499" cy="2843989"/>
+          </a:xfrm>
+          <a:prstGeom prst="rect">
+            <a:avLst/>
+          </a:prstGeom>
+        </p:spPr>
+      </p:pic>
+      <mc:AlternateContent xmlns:mc="http://schemas.openxmlformats.org/markup-compatibility/2006" xmlns:a14="http://schemas.microsoft.com/office/drawing/2010/main">
+        <mc:Choice Requires="a14">
+          <p:sp>
+            <p:nvSpPr>
+              <p:cNvPr id="5" name="TextBox 4"/>
+              <p:cNvSpPr txBox="1"/>
+              <p:nvPr/>
+            </p:nvSpPr>
+            <p:spPr>
+              <a:xfrm>
+                <a:off x="1295402" y="3575777"/>
+                <a:ext cx="6093631" cy="1754326"/>
+              </a:xfrm>
+              <a:prstGeom prst="rect">
+                <a:avLst/>
+              </a:prstGeom>
+              <a:noFill/>
+            </p:spPr>
+            <p:txBody>
+              <a:bodyPr wrap="square" rtlCol="0">
+                <a:spAutoFit/>
+              </a:bodyPr>
+              <a:lstStyle/>
+              <a:p>
+                <a:r>
+                  <a:rPr lang="en-US" dirty="0" smtClean="0">
+                    <a:latin typeface="Cambria Math" panose="02040503050406030204" pitchFamily="18" charset="0"/>
+                    <a:ea typeface="Cambria Math" panose="02040503050406030204" pitchFamily="18" charset="0"/>
+                  </a:rPr>
+                  <a:t>For Example</a:t>
+                </a:r>
+              </a:p>
+              <a:p>
+                <a:r>
+                  <a:rPr lang="en-US" dirty="0">
+                    <a:latin typeface="Cambria Math" panose="02040503050406030204" pitchFamily="18" charset="0"/>
+                    <a:ea typeface="Cambria Math" panose="02040503050406030204" pitchFamily="18" charset="0"/>
+                  </a:rPr>
+                  <a:t>The graph of the function </a:t>
+                </a:r>
+                <a14:m>
+                  <m:oMath xmlns:m="http://schemas.openxmlformats.org/officeDocument/2006/math">
+                    <m:r>
+                      <a:rPr lang="en-US" b="0" i="1" smtClean="0">
+                        <a:latin typeface="Cambria Math" panose="02040503050406030204" pitchFamily="18" charset="0"/>
+                        <a:ea typeface="Cambria Math" panose="02040503050406030204" pitchFamily="18" charset="0"/>
+                      </a:rPr>
+                      <m:t>𝑓</m:t>
+                    </m:r>
+                    <m:d>
+                      <m:dPr>
+                        <m:ctrlPr>
+                          <a:rPr lang="en-US" b="0" i="1" smtClean="0">
+                            <a:latin typeface="Cambria Math" panose="02040503050406030204" pitchFamily="18" charset="0"/>
+                            <a:ea typeface="Cambria Math" panose="02040503050406030204" pitchFamily="18" charset="0"/>
+                          </a:rPr>
+                        </m:ctrlPr>
+                      </m:dPr>
+                      <m:e>
+                        <m:r>
+                          <a:rPr lang="en-US" b="0" i="1" smtClean="0">
+                            <a:latin typeface="Cambria Math" panose="02040503050406030204" pitchFamily="18" charset="0"/>
+                            <a:ea typeface="Cambria Math" panose="02040503050406030204" pitchFamily="18" charset="0"/>
+                          </a:rPr>
+                          <m:t>𝑥</m:t>
+                        </m:r>
+                      </m:e>
+                    </m:d>
+                    <m:r>
+                      <a:rPr lang="en-US" b="0" i="1" smtClean="0">
+                        <a:latin typeface="Cambria Math" panose="02040503050406030204" pitchFamily="18" charset="0"/>
+                        <a:ea typeface="Cambria Math" panose="02040503050406030204" pitchFamily="18" charset="0"/>
+                      </a:rPr>
+                      <m:t>=</m:t>
+                    </m:r>
+                    <m:r>
+                      <a:rPr lang="en-US" b="0" i="1" smtClean="0">
+                        <a:latin typeface="Cambria Math" panose="02040503050406030204" pitchFamily="18" charset="0"/>
+                        <a:ea typeface="Cambria Math" panose="02040503050406030204" pitchFamily="18" charset="0"/>
+                      </a:rPr>
+                      <m:t>𝑥</m:t>
+                    </m:r>
+                    <m:r>
+                      <a:rPr lang="en-US" b="0" i="1" smtClean="0">
+                        <a:latin typeface="Cambria Math" panose="02040503050406030204" pitchFamily="18" charset="0"/>
+                        <a:ea typeface="Cambria Math" panose="02040503050406030204" pitchFamily="18" charset="0"/>
+                      </a:rPr>
+                      <m:t>+2</m:t>
+                    </m:r>
+                  </m:oMath>
+                </a14:m>
+                <a:r>
+                  <a:rPr lang="en-US" dirty="0">
+                    <a:latin typeface="Cambria Math" panose="02040503050406030204" pitchFamily="18" charset="0"/>
+                    <a:ea typeface="Cambria Math" panose="02040503050406030204" pitchFamily="18" charset="0"/>
+                  </a:rPr>
+                  <a:t> is the set of points with </a:t>
+                </a:r>
+                <a:r>
+                  <a:rPr lang="en-US" dirty="0" smtClean="0">
+                    <a:latin typeface="Cambria Math" panose="02040503050406030204" pitchFamily="18" charset="0"/>
+                    <a:ea typeface="Cambria Math" panose="02040503050406030204" pitchFamily="18" charset="0"/>
+                  </a:rPr>
+                  <a:t>coordinates </a:t>
+                </a:r>
+                <a14:m>
+                  <m:oMath xmlns:m="http://schemas.openxmlformats.org/officeDocument/2006/math">
+                    <m:d>
+                      <m:dPr>
+                        <m:ctrlPr>
+                          <a:rPr lang="en-US" b="0" i="1" smtClean="0">
+                            <a:latin typeface="Cambria Math" panose="02040503050406030204" pitchFamily="18" charset="0"/>
+                            <a:ea typeface="Cambria Math" panose="02040503050406030204" pitchFamily="18" charset="0"/>
+                          </a:rPr>
+                        </m:ctrlPr>
+                      </m:dPr>
+                      <m:e>
+                        <m:r>
+                          <a:rPr lang="en-US" b="0" i="1" smtClean="0">
+                            <a:latin typeface="Cambria Math" panose="02040503050406030204" pitchFamily="18" charset="0"/>
+                            <a:ea typeface="Cambria Math" panose="02040503050406030204" pitchFamily="18" charset="0"/>
+                          </a:rPr>
+                          <m:t>𝑥</m:t>
+                        </m:r>
+                        <m:r>
+                          <a:rPr lang="en-US" b="0" i="1" smtClean="0">
+                            <a:latin typeface="Cambria Math" panose="02040503050406030204" pitchFamily="18" charset="0"/>
+                            <a:ea typeface="Cambria Math" panose="02040503050406030204" pitchFamily="18" charset="0"/>
+                          </a:rPr>
+                          <m:t>,</m:t>
+                        </m:r>
+                        <m:r>
+                          <a:rPr lang="en-US" b="0" i="1" smtClean="0">
+                            <a:latin typeface="Cambria Math" panose="02040503050406030204" pitchFamily="18" charset="0"/>
+                            <a:ea typeface="Cambria Math" panose="02040503050406030204" pitchFamily="18" charset="0"/>
+                          </a:rPr>
+                          <m:t>𝑦</m:t>
+                        </m:r>
+                      </m:e>
+                    </m:d>
+                  </m:oMath>
+                </a14:m>
+                <a:r>
+                  <a:rPr lang="en-US" dirty="0" smtClean="0">
+                    <a:latin typeface="Cambria Math" panose="02040503050406030204" pitchFamily="18" charset="0"/>
+                    <a:ea typeface="Cambria Math" panose="02040503050406030204" pitchFamily="18" charset="0"/>
+                  </a:rPr>
+                  <a:t> </a:t>
+                </a:r>
+                <a:r>
+                  <a:rPr lang="en-US" dirty="0">
+                    <a:latin typeface="Cambria Math" panose="02040503050406030204" pitchFamily="18" charset="0"/>
+                    <a:ea typeface="Cambria Math" panose="02040503050406030204" pitchFamily="18" charset="0"/>
+                  </a:rPr>
+                  <a:t>for </a:t>
+                </a:r>
+                <a:r>
+                  <a:rPr lang="en-US" dirty="0" smtClean="0">
+                    <a:latin typeface="Cambria Math" panose="02040503050406030204" pitchFamily="18" charset="0"/>
+                    <a:ea typeface="Cambria Math" panose="02040503050406030204" pitchFamily="18" charset="0"/>
+                  </a:rPr>
+                  <a:t>which </a:t>
+                </a:r>
+                <a14:m>
+                  <m:oMath xmlns:m="http://schemas.openxmlformats.org/officeDocument/2006/math">
+                    <m:r>
+                      <a:rPr lang="en-US" b="0" i="1" smtClean="0">
+                        <a:latin typeface="Cambria Math" panose="02040503050406030204" pitchFamily="18" charset="0"/>
+                        <a:ea typeface="Cambria Math" panose="02040503050406030204" pitchFamily="18" charset="0"/>
+                      </a:rPr>
+                      <m:t>𝑦</m:t>
+                    </m:r>
+                    <m:r>
+                      <a:rPr lang="en-US" b="0" i="1" smtClean="0">
+                        <a:latin typeface="Cambria Math" panose="02040503050406030204" pitchFamily="18" charset="0"/>
+                        <a:ea typeface="Cambria Math" panose="02040503050406030204" pitchFamily="18" charset="0"/>
+                      </a:rPr>
+                      <m:t>=</m:t>
+                    </m:r>
+                    <m:r>
+                      <a:rPr lang="en-US" b="0" i="1" smtClean="0">
+                        <a:latin typeface="Cambria Math" panose="02040503050406030204" pitchFamily="18" charset="0"/>
+                        <a:ea typeface="Cambria Math" panose="02040503050406030204" pitchFamily="18" charset="0"/>
+                      </a:rPr>
+                      <m:t>𝑥</m:t>
+                    </m:r>
+                    <m:r>
+                      <a:rPr lang="en-US" b="0" i="1" smtClean="0">
+                        <a:latin typeface="Cambria Math" panose="02040503050406030204" pitchFamily="18" charset="0"/>
+                        <a:ea typeface="Cambria Math" panose="02040503050406030204" pitchFamily="18" charset="0"/>
+                      </a:rPr>
+                      <m:t>+2</m:t>
+                    </m:r>
+                  </m:oMath>
+                </a14:m>
+                <a:r>
+                  <a:rPr lang="en-US" dirty="0" smtClean="0">
+                    <a:latin typeface="Cambria Math" panose="02040503050406030204" pitchFamily="18" charset="0"/>
+                    <a:ea typeface="Cambria Math" panose="02040503050406030204" pitchFamily="18" charset="0"/>
+                  </a:rPr>
+                  <a:t>. </a:t>
+                </a:r>
+                <a:r>
+                  <a:rPr lang="en-US" dirty="0">
+                    <a:latin typeface="Cambria Math" panose="02040503050406030204" pitchFamily="18" charset="0"/>
+                    <a:ea typeface="Cambria Math" panose="02040503050406030204" pitchFamily="18" charset="0"/>
+                  </a:rPr>
+                  <a:t>Its graph is the straight line sketched in Figure 1.</a:t>
+                </a:r>
+              </a:p>
+              <a:p>
+                <a:endParaRPr lang="en-US" dirty="0">
+                  <a:latin typeface="Cambria Math" panose="02040503050406030204" pitchFamily="18" charset="0"/>
+                  <a:ea typeface="Cambria Math" panose="02040503050406030204" pitchFamily="18" charset="0"/>
+                </a:endParaRPr>
+              </a:p>
+              <a:p>
+                <a:endParaRPr lang="en-US" dirty="0"/>
+              </a:p>
+            </p:txBody>
+          </p:sp>
+        </mc:Choice>
+        <mc:Fallback xmlns="">
+          <p:sp>
+            <p:nvSpPr>
+              <p:cNvPr id="5" name="TextBox 4"/>
+              <p:cNvSpPr txBox="1">
+                <a:spLocks noRot="1" noChangeAspect="1" noMove="1" noResize="1" noEditPoints="1" noAdjustHandles="1" noChangeArrowheads="1" noChangeShapeType="1" noTextEdit="1"/>
+              </p:cNvSpPr>
+              <p:nvPr/>
+            </p:nvSpPr>
+            <p:spPr>
+              <a:xfrm>
+                <a:off x="1295402" y="3575777"/>
+                <a:ext cx="6093631" cy="1754326"/>
+              </a:xfrm>
+              <a:prstGeom prst="rect">
+                <a:avLst/>
+              </a:prstGeom>
+              <a:blipFill>
+                <a:blip r:embed="rId4"/>
+                <a:stretch>
+                  <a:fillRect l="-901" t="-2439"/>
+                </a:stretch>
+              </a:blipFill>
+            </p:spPr>
+            <p:txBody>
+              <a:bodyPr/>
+              <a:lstStyle/>
+              <a:p>
+                <a:r>
+                  <a:rPr lang="en-US">
+                    <a:noFill/>
+                  </a:rPr>
+                  <a:t> </a:t>
+                </a:r>
+              </a:p>
+            </p:txBody>
+          </p:sp>
+        </mc:Fallback>
+      </mc:AlternateContent>
+    </p:spTree>
+    <p:extLst>
+      <p:ext uri="{BB962C8B-B14F-4D97-AF65-F5344CB8AC3E}">
+        <p14:creationId xmlns:p14="http://schemas.microsoft.com/office/powerpoint/2010/main" val="2939978615"/>
+      </p:ext>
+    </p:extLst>
+  </p:cSld>
+  <p:clrMapOvr>
+    <a:masterClrMapping/>
+  </p:clrMapOvr>
+</p:sld>
+</file>
+
+<file path=ppt/slides/slide7.xml><?xml version="1.0" encoding="utf-8"?>
+<p:sld xmlns:a="http://schemas.openxmlformats.org/drawingml/2006/main" xmlns:r="http://schemas.openxmlformats.org/officeDocument/2006/relationships" xmlns:p="http://schemas.openxmlformats.org/presentationml/2006/main">
+  <p:cSld>
+    <p:spTree>
+      <p:nvGrpSpPr>
+        <p:cNvPr id="1" name=""/>
+        <p:cNvGrpSpPr/>
+        <p:nvPr/>
+      </p:nvGrpSpPr>
+      <p:grpSpPr>
+        <a:xfrm>
+          <a:off x="0" y="0"/>
+          <a:ext cx="0" cy="0"/>
+          <a:chOff x="0" y="0"/>
+          <a:chExt cx="0" cy="0"/>
+        </a:xfrm>
+      </p:grpSpPr>
+      <p:sp>
+        <p:nvSpPr>
+          <p:cNvPr id="2" name="Title 1">
+            <a:extLst>
+              <a:ext uri="{FF2B5EF4-FFF2-40B4-BE49-F238E27FC236}">
+                <a16:creationId xmlns:a16="http://schemas.microsoft.com/office/drawing/2014/main" id="{4008384A-D6A9-4E2A-9987-E9DD85348123}"/>
+              </a:ext>
+            </a:extLst>
+          </p:cNvPr>
+          <p:cNvSpPr>
+            <a:spLocks noGrp="1"/>
+          </p:cNvSpPr>
+          <p:nvPr>
+            <p:ph type="title"/>
+          </p:nvPr>
+        </p:nvSpPr>
+        <p:spPr/>
+        <p:txBody>
+          <a:bodyPr/>
+          <a:lstStyle/>
+          <a:p>
+            <a:r>
+              <a:rPr lang="en-US" dirty="0">
+                <a:solidFill>
+                  <a:srgbClr val="0070C0"/>
+                </a:solidFill>
+              </a:rPr>
+              <a:t>Shifting of Graphs</a:t>
+            </a:r>
+          </a:p>
+        </p:txBody>
+      </p:sp>
+      <mc:AlternateContent xmlns:mc="http://schemas.openxmlformats.org/markup-compatibility/2006">
+        <mc:Choice xmlns:a14="http://schemas.microsoft.com/office/drawing/2010/main" Requires="a14">
+          <p:sp>
+            <p:nvSpPr>
+              <p:cNvPr id="4" name="TextBox 3">
+                <a:extLst>
+                  <a:ext uri="{FF2B5EF4-FFF2-40B4-BE49-F238E27FC236}">
+                    <a16:creationId xmlns:a16="http://schemas.microsoft.com/office/drawing/2014/main" id="{782AC1AE-A5D7-4617-9A2F-CEE67DF71E7A}"/>
+                  </a:ext>
+                </a:extLst>
+              </p:cNvPr>
+              <p:cNvSpPr txBox="1"/>
+              <p:nvPr/>
+            </p:nvSpPr>
+            <p:spPr>
+              <a:xfrm>
+                <a:off x="1295401" y="2576945"/>
+                <a:ext cx="9770163" cy="3531929"/>
+              </a:xfrm>
+              <a:prstGeom prst="rect">
+                <a:avLst/>
+              </a:prstGeom>
+              <a:noFill/>
+            </p:spPr>
+            <p:txBody>
+              <a:bodyPr wrap="square" rtlCol="0">
+                <a:spAutoFit/>
+              </a:bodyPr>
+              <a:lstStyle/>
+              <a:p>
+                <a:r>
+                  <a:rPr lang="en-US" sz="1800" b="1" i="0" u="none" strike="noStrike" baseline="0" dirty="0">
+                    <a:latin typeface="Cambria Math" panose="02040503050406030204" pitchFamily="18" charset="0"/>
+                    <a:ea typeface="Cambria Math" panose="02040503050406030204" pitchFamily="18" charset="0"/>
+                  </a:rPr>
+                  <a:t>Vertical Shifts</a:t>
+                </a:r>
+                <a:r>
+                  <a:rPr lang="en-US" sz="1800" i="0" u="none" strike="noStrike" baseline="0" dirty="0">
+                    <a:latin typeface="Cambria Math" panose="02040503050406030204" pitchFamily="18" charset="0"/>
+                    <a:ea typeface="Cambria Math" panose="02040503050406030204" pitchFamily="18" charset="0"/>
+                  </a:rPr>
+                  <a:t>					</a:t>
+                </a:r>
+                <a14:m>
+                  <m:oMath xmlns:m="http://schemas.openxmlformats.org/officeDocument/2006/math">
+                    <m:r>
+                      <m:rPr>
+                        <m:sty m:val="p"/>
+                      </m:rPr>
+                      <a:rPr lang="en-US" sz="1800" b="0" i="0" u="none" strike="noStrike" baseline="0" smtClean="0">
+                        <a:latin typeface="Cambria Math" panose="02040503050406030204" pitchFamily="18" charset="0"/>
+                        <a:ea typeface="Cambria Math" panose="02040503050406030204" pitchFamily="18" charset="0"/>
+                      </a:rPr>
+                      <m:t>y</m:t>
+                    </m:r>
+                    <m:r>
+                      <a:rPr lang="en-US" sz="1800" b="0" i="0" u="none" strike="noStrike" baseline="0" smtClean="0">
+                        <a:latin typeface="Cambria Math" panose="02040503050406030204" pitchFamily="18" charset="0"/>
+                        <a:ea typeface="Cambria Math" panose="02040503050406030204" pitchFamily="18" charset="0"/>
+                      </a:rPr>
+                      <m:t>=</m:t>
+                    </m:r>
+                    <m:r>
+                      <a:rPr lang="en-US" sz="1800" b="0" i="1" u="none" strike="noStrike" baseline="0" smtClean="0">
+                        <a:latin typeface="Cambria Math" panose="02040503050406030204" pitchFamily="18" charset="0"/>
+                        <a:ea typeface="Cambria Math" panose="02040503050406030204" pitchFamily="18" charset="0"/>
+                      </a:rPr>
+                      <m:t>𝑓</m:t>
+                    </m:r>
+                    <m:d>
+                      <m:dPr>
+                        <m:ctrlPr>
+                          <a:rPr lang="en-US" sz="1800" i="1" u="none" strike="noStrike" baseline="0" smtClean="0">
+                            <a:latin typeface="Cambria Math" panose="02040503050406030204" pitchFamily="18" charset="0"/>
+                            <a:ea typeface="Cambria Math" panose="02040503050406030204" pitchFamily="18" charset="0"/>
+                          </a:rPr>
+                        </m:ctrlPr>
+                      </m:dPr>
+                      <m:e>
+                        <m:r>
+                          <a:rPr lang="en-US" sz="1800" b="0" i="1" u="none" strike="noStrike" baseline="0" smtClean="0">
+                            <a:latin typeface="Cambria Math" panose="02040503050406030204" pitchFamily="18" charset="0"/>
+                            <a:ea typeface="Cambria Math" panose="02040503050406030204" pitchFamily="18" charset="0"/>
+                          </a:rPr>
+                          <m:t>𝑥</m:t>
+                        </m:r>
+                      </m:e>
+                    </m:d>
+                    <m:r>
+                      <a:rPr lang="en-US" sz="1800" b="0" i="1" u="none" strike="noStrike" baseline="0" smtClean="0">
+                        <a:latin typeface="Cambria Math" panose="02040503050406030204" pitchFamily="18" charset="0"/>
+                        <a:ea typeface="Cambria Math" panose="02040503050406030204" pitchFamily="18" charset="0"/>
+                      </a:rPr>
+                      <m:t>+</m:t>
+                    </m:r>
+                    <m:r>
+                      <a:rPr lang="en-US" sz="1800" b="0" i="1" u="none" strike="noStrike" baseline="0" smtClean="0">
+                        <a:latin typeface="Cambria Math" panose="02040503050406030204" pitchFamily="18" charset="0"/>
+                        <a:ea typeface="Cambria Math" panose="02040503050406030204" pitchFamily="18" charset="0"/>
+                      </a:rPr>
+                      <m:t>𝑘</m:t>
+                    </m:r>
+                  </m:oMath>
+                </a14:m>
+                <a:r>
+                  <a:rPr lang="en-US" sz="1800" i="1" u="none" strike="noStrike" baseline="0" dirty="0">
+                    <a:latin typeface="Cambria Math" panose="02040503050406030204" pitchFamily="18" charset="0"/>
+                    <a:ea typeface="Cambria Math" panose="02040503050406030204" pitchFamily="18" charset="0"/>
+                  </a:rPr>
+                  <a:t> </a:t>
+                </a:r>
+                <a:r>
+                  <a:rPr lang="en-US" sz="1800" i="0" u="none" strike="noStrike" baseline="0" dirty="0">
+                    <a:latin typeface="Cambria Math" panose="02040503050406030204" pitchFamily="18" charset="0"/>
+                    <a:ea typeface="Cambria Math" panose="02040503050406030204" pitchFamily="18" charset="0"/>
+                  </a:rPr>
+                  <a:t>Shifts the graph of ƒ </a:t>
+                </a:r>
+                <a:r>
+                  <a:rPr lang="en-US" sz="1800" u="none" strike="noStrike" baseline="0" dirty="0">
+                    <a:latin typeface="Cambria Math" panose="02040503050406030204" pitchFamily="18" charset="0"/>
+                    <a:ea typeface="Cambria Math" panose="02040503050406030204" pitchFamily="18" charset="0"/>
+                  </a:rPr>
+                  <a:t>up</a:t>
+                </a:r>
+                <a:r>
+                  <a:rPr lang="en-US" sz="1800" i="1" u="none" strike="noStrike" baseline="0" dirty="0">
+                    <a:latin typeface="Cambria Math" panose="02040503050406030204" pitchFamily="18" charset="0"/>
+                    <a:ea typeface="Cambria Math" panose="02040503050406030204" pitchFamily="18" charset="0"/>
+                  </a:rPr>
+                  <a:t> k </a:t>
+                </a:r>
+                <a:r>
+                  <a:rPr lang="en-US" sz="1800" i="0" u="none" strike="noStrike" baseline="0" dirty="0">
+                    <a:latin typeface="Cambria Math" panose="02040503050406030204" pitchFamily="18" charset="0"/>
+                    <a:ea typeface="Cambria Math" panose="02040503050406030204" pitchFamily="18" charset="0"/>
+                  </a:rPr>
+                  <a:t>units if </a:t>
+                </a:r>
+                <a14:m>
+                  <m:oMath xmlns:m="http://schemas.openxmlformats.org/officeDocument/2006/math">
+                    <m:r>
+                      <a:rPr lang="en-US" sz="1800" b="0" i="1" u="none" strike="noStrike" baseline="0" smtClean="0">
+                        <a:latin typeface="Cambria Math" panose="02040503050406030204" pitchFamily="18" charset="0"/>
+                        <a:ea typeface="Cambria Math" panose="02040503050406030204" pitchFamily="18" charset="0"/>
+                      </a:rPr>
+                      <m:t>𝑘</m:t>
+                    </m:r>
+                    <m:r>
+                      <a:rPr lang="en-US" sz="1800" b="0" i="1" u="none" strike="noStrike" baseline="0" smtClean="0">
+                        <a:latin typeface="Cambria Math" panose="02040503050406030204" pitchFamily="18" charset="0"/>
+                        <a:ea typeface="Cambria Math" panose="02040503050406030204" pitchFamily="18" charset="0"/>
+                      </a:rPr>
+                      <m:t>&gt;0</m:t>
+                    </m:r>
+                  </m:oMath>
+                </a14:m>
+                <a:r>
+                  <a:rPr lang="en-US" sz="1800" i="0" u="none" strike="noStrike" baseline="0" dirty="0">
+                    <a:latin typeface="Cambria Math" panose="02040503050406030204" pitchFamily="18" charset="0"/>
+                    <a:ea typeface="Cambria Math" panose="02040503050406030204" pitchFamily="18" charset="0"/>
+                  </a:rPr>
+                  <a:t> Shifts it 								</a:t>
+                </a:r>
+                <a:r>
+                  <a:rPr lang="en-US" sz="1800" u="none" strike="noStrike" baseline="0" dirty="0">
+                    <a:latin typeface="Cambria Math" panose="02040503050406030204" pitchFamily="18" charset="0"/>
+                    <a:ea typeface="Cambria Math" panose="02040503050406030204" pitchFamily="18" charset="0"/>
+                  </a:rPr>
+                  <a:t>down</a:t>
+                </a:r>
+                <a:r>
+                  <a:rPr lang="en-US" sz="1800" i="1" u="none" strike="noStrike" baseline="0" dirty="0">
+                    <a:latin typeface="Cambria Math" panose="02040503050406030204" pitchFamily="18" charset="0"/>
+                    <a:ea typeface="Cambria Math" panose="02040503050406030204" pitchFamily="18" charset="0"/>
+                  </a:rPr>
+                  <a:t>  </a:t>
+                </a:r>
+                <a14:m>
+                  <m:oMath xmlns:m="http://schemas.openxmlformats.org/officeDocument/2006/math">
+                    <m:d>
+                      <m:dPr>
+                        <m:begChr m:val="|"/>
+                        <m:endChr m:val="|"/>
+                        <m:ctrlPr>
+                          <a:rPr lang="en-US" sz="1800" i="1" u="none" strike="noStrike" baseline="0" smtClean="0">
+                            <a:latin typeface="Cambria Math" panose="02040503050406030204" pitchFamily="18" charset="0"/>
+                            <a:ea typeface="Cambria Math" panose="02040503050406030204" pitchFamily="18" charset="0"/>
+                          </a:rPr>
+                        </m:ctrlPr>
+                      </m:dPr>
+                      <m:e>
+                        <m:r>
+                          <a:rPr lang="en-US" sz="1800" b="0" i="1" u="none" strike="noStrike" baseline="0" smtClean="0">
+                            <a:latin typeface="Cambria Math" panose="02040503050406030204" pitchFamily="18" charset="0"/>
+                            <a:ea typeface="Cambria Math" panose="02040503050406030204" pitchFamily="18" charset="0"/>
+                          </a:rPr>
+                          <m:t>𝑘</m:t>
+                        </m:r>
+                      </m:e>
+                    </m:d>
+                  </m:oMath>
+                </a14:m>
+                <a:r>
+                  <a:rPr lang="en-US" sz="1800" i="0" u="none" strike="noStrike" baseline="0" dirty="0">
+                    <a:latin typeface="Cambria Math" panose="02040503050406030204" pitchFamily="18" charset="0"/>
+                    <a:ea typeface="Cambria Math" panose="02040503050406030204" pitchFamily="18" charset="0"/>
+                  </a:rPr>
+                  <a:t> units if </a:t>
+                </a:r>
+                <a14:m>
+                  <m:oMath xmlns:m="http://schemas.openxmlformats.org/officeDocument/2006/math">
+                    <m:r>
+                      <a:rPr lang="en-US" b="0" i="1">
+                        <a:latin typeface="Cambria Math" panose="02040503050406030204" pitchFamily="18" charset="0"/>
+                        <a:ea typeface="Cambria Math" panose="02040503050406030204" pitchFamily="18" charset="0"/>
+                      </a:rPr>
+                      <m:t>𝑘</m:t>
+                    </m:r>
+                    <m:r>
+                      <a:rPr lang="en-US" b="0" i="1" smtClean="0">
+                        <a:latin typeface="Cambria Math" panose="02040503050406030204" pitchFamily="18" charset="0"/>
+                        <a:ea typeface="Cambria Math" panose="02040503050406030204" pitchFamily="18" charset="0"/>
+                      </a:rPr>
+                      <m:t>&lt;</m:t>
+                    </m:r>
+                    <m:r>
+                      <a:rPr lang="en-US" b="0" i="1">
+                        <a:latin typeface="Cambria Math" panose="02040503050406030204" pitchFamily="18" charset="0"/>
+                        <a:ea typeface="Cambria Math" panose="02040503050406030204" pitchFamily="18" charset="0"/>
+                      </a:rPr>
+                      <m:t>0</m:t>
+                    </m:r>
+                  </m:oMath>
+                </a14:m>
+                <a:endParaRPr lang="en-US" sz="1800" i="0" u="none" strike="noStrike" baseline="0" dirty="0">
+                  <a:latin typeface="Cambria Math" panose="02040503050406030204" pitchFamily="18" charset="0"/>
+                  <a:ea typeface="Cambria Math" panose="02040503050406030204" pitchFamily="18" charset="0"/>
+                </a:endParaRPr>
+              </a:p>
+              <a:p>
+                <a:r>
+                  <a:rPr lang="en-US" sz="1800" b="1" i="0" u="none" strike="noStrike" baseline="0" dirty="0">
+                    <a:latin typeface="Cambria Math" panose="02040503050406030204" pitchFamily="18" charset="0"/>
+                    <a:ea typeface="Cambria Math" panose="02040503050406030204" pitchFamily="18" charset="0"/>
+                  </a:rPr>
+                  <a:t>Horizontal Shifts</a:t>
+                </a:r>
+                <a:r>
+                  <a:rPr lang="en-US" sz="1800" i="0" u="none" strike="noStrike" baseline="0" dirty="0">
+                    <a:latin typeface="Cambria Math" panose="02040503050406030204" pitchFamily="18" charset="0"/>
+                    <a:ea typeface="Cambria Math" panose="02040503050406030204" pitchFamily="18" charset="0"/>
+                  </a:rPr>
+                  <a:t>				</a:t>
+                </a:r>
+                <a14:m>
+                  <m:oMath xmlns:m="http://schemas.openxmlformats.org/officeDocument/2006/math">
+                    <m:r>
+                      <a:rPr lang="en-US" sz="1800" b="0" i="1" u="none" strike="noStrike" baseline="0" smtClean="0">
+                        <a:latin typeface="Cambria Math" panose="02040503050406030204" pitchFamily="18" charset="0"/>
+                        <a:ea typeface="Cambria Math" panose="02040503050406030204" pitchFamily="18" charset="0"/>
+                      </a:rPr>
+                      <m:t>𝑦</m:t>
+                    </m:r>
+                    <m:r>
+                      <a:rPr lang="en-US" sz="1800" b="0" i="1" u="none" strike="noStrike" baseline="0" smtClean="0">
+                        <a:latin typeface="Cambria Math" panose="02040503050406030204" pitchFamily="18" charset="0"/>
+                        <a:ea typeface="Cambria Math" panose="02040503050406030204" pitchFamily="18" charset="0"/>
+                      </a:rPr>
+                      <m:t>=</m:t>
+                    </m:r>
+                    <m:r>
+                      <a:rPr lang="en-US" sz="1800" b="0" i="1" u="none" strike="noStrike" baseline="0" smtClean="0">
+                        <a:latin typeface="Cambria Math" panose="02040503050406030204" pitchFamily="18" charset="0"/>
+                        <a:ea typeface="Cambria Math" panose="02040503050406030204" pitchFamily="18" charset="0"/>
+                      </a:rPr>
+                      <m:t>𝑓</m:t>
+                    </m:r>
+                    <m:d>
+                      <m:dPr>
+                        <m:ctrlPr>
+                          <a:rPr lang="en-US" sz="1800" i="1" u="none" strike="noStrike" baseline="0" smtClean="0">
+                            <a:latin typeface="Cambria Math" panose="02040503050406030204" pitchFamily="18" charset="0"/>
+                            <a:ea typeface="Cambria Math" panose="02040503050406030204" pitchFamily="18" charset="0"/>
+                          </a:rPr>
+                        </m:ctrlPr>
+                      </m:dPr>
+                      <m:e>
+                        <m:r>
+                          <a:rPr lang="en-US" sz="1800" b="0" i="1" u="none" strike="noStrike" baseline="0" smtClean="0">
+                            <a:latin typeface="Cambria Math" panose="02040503050406030204" pitchFamily="18" charset="0"/>
+                            <a:ea typeface="Cambria Math" panose="02040503050406030204" pitchFamily="18" charset="0"/>
+                          </a:rPr>
+                          <m:t>𝑥</m:t>
+                        </m:r>
+                        <m:r>
+                          <a:rPr lang="en-US" sz="1800" b="0" i="1" u="none" strike="noStrike" baseline="0" smtClean="0">
+                            <a:latin typeface="Cambria Math" panose="02040503050406030204" pitchFamily="18" charset="0"/>
+                            <a:ea typeface="Cambria Math" panose="02040503050406030204" pitchFamily="18" charset="0"/>
+                          </a:rPr>
+                          <m:t>+</m:t>
+                        </m:r>
+                        <m:r>
+                          <a:rPr lang="en-US" sz="1800" b="0" i="1" u="none" strike="noStrike" baseline="0" smtClean="0">
+                            <a:latin typeface="Cambria Math" panose="02040503050406030204" pitchFamily="18" charset="0"/>
+                            <a:ea typeface="Cambria Math" panose="02040503050406030204" pitchFamily="18" charset="0"/>
+                          </a:rPr>
+                          <m:t>h</m:t>
+                        </m:r>
+                      </m:e>
+                    </m:d>
+                  </m:oMath>
+                </a14:m>
+                <a:r>
+                  <a:rPr lang="en-US" sz="1800" i="0" u="none" strike="noStrike" baseline="0" dirty="0">
+                    <a:latin typeface="Cambria Math" panose="02040503050406030204" pitchFamily="18" charset="0"/>
+                    <a:ea typeface="Cambria Math" panose="02040503050406030204" pitchFamily="18" charset="0"/>
+                  </a:rPr>
+                  <a:t> Shifts the graph of ƒ </a:t>
+                </a:r>
+                <a:r>
+                  <a:rPr lang="en-US" sz="1800" u="none" strike="noStrike" baseline="0" dirty="0">
+                    <a:latin typeface="Cambria Math" panose="02040503050406030204" pitchFamily="18" charset="0"/>
+                    <a:ea typeface="Cambria Math" panose="02040503050406030204" pitchFamily="18" charset="0"/>
+                  </a:rPr>
+                  <a:t>left </a:t>
+                </a:r>
+                <a:r>
+                  <a:rPr lang="en-US" sz="1800" i="1" u="none" strike="noStrike" baseline="0" dirty="0">
+                    <a:latin typeface="Cambria Math" panose="02040503050406030204" pitchFamily="18" charset="0"/>
+                    <a:ea typeface="Cambria Math" panose="02040503050406030204" pitchFamily="18" charset="0"/>
+                  </a:rPr>
+                  <a:t>h </a:t>
+                </a:r>
+                <a:r>
+                  <a:rPr lang="en-US" sz="1800" i="0" u="none" strike="noStrike" baseline="0" dirty="0">
+                    <a:latin typeface="Cambria Math" panose="02040503050406030204" pitchFamily="18" charset="0"/>
+                    <a:ea typeface="Cambria Math" panose="02040503050406030204" pitchFamily="18" charset="0"/>
+                  </a:rPr>
+                  <a:t>units if</a:t>
+                </a:r>
+                <a14:m>
+                  <m:oMath xmlns:m="http://schemas.openxmlformats.org/officeDocument/2006/math">
+                    <m:r>
+                      <a:rPr lang="en-US" b="0" i="0" smtClean="0">
+                        <a:latin typeface="Cambria Math" panose="02040503050406030204" pitchFamily="18" charset="0"/>
+                        <a:ea typeface="Cambria Math" panose="02040503050406030204" pitchFamily="18" charset="0"/>
+                      </a:rPr>
+                      <m:t> </m:t>
+                    </m:r>
+                    <m:r>
+                      <a:rPr lang="en-US" b="0" i="1" smtClean="0">
+                        <a:latin typeface="Cambria Math" panose="02040503050406030204" pitchFamily="18" charset="0"/>
+                        <a:ea typeface="Cambria Math" panose="02040503050406030204" pitchFamily="18" charset="0"/>
+                      </a:rPr>
+                      <m:t>h</m:t>
+                    </m:r>
+                    <m:r>
+                      <a:rPr lang="en-US" b="0" i="1">
+                        <a:latin typeface="Cambria Math" panose="02040503050406030204" pitchFamily="18" charset="0"/>
+                        <a:ea typeface="Cambria Math" panose="02040503050406030204" pitchFamily="18" charset="0"/>
+                      </a:rPr>
+                      <m:t>&gt;0</m:t>
+                    </m:r>
+                  </m:oMath>
+                </a14:m>
+                <a:endParaRPr lang="en-US" sz="1800" i="0" u="none" strike="noStrike" baseline="0" dirty="0">
+                  <a:latin typeface="Cambria Math" panose="02040503050406030204" pitchFamily="18" charset="0"/>
+                  <a:ea typeface="Cambria Math" panose="02040503050406030204" pitchFamily="18" charset="0"/>
+                </a:endParaRPr>
+              </a:p>
+              <a:p>
+                <a:pPr algn="l"/>
+                <a:r>
+                  <a:rPr lang="en-US" sz="1800" i="0" u="none" strike="noStrike" baseline="0" dirty="0">
+                    <a:latin typeface="Cambria Math" panose="02040503050406030204" pitchFamily="18" charset="0"/>
+                    <a:ea typeface="Cambria Math" panose="02040503050406030204" pitchFamily="18" charset="0"/>
+                  </a:rPr>
+                  <a:t>							Shifts it </a:t>
+                </a:r>
+                <a:r>
+                  <a:rPr lang="en-US" sz="1800" u="none" strike="noStrike" baseline="0" dirty="0">
+                    <a:latin typeface="Cambria Math" panose="02040503050406030204" pitchFamily="18" charset="0"/>
+                    <a:ea typeface="Cambria Math" panose="02040503050406030204" pitchFamily="18" charset="0"/>
+                  </a:rPr>
+                  <a:t>right </a:t>
+                </a:r>
+                <a14:m>
+                  <m:oMath xmlns:m="http://schemas.openxmlformats.org/officeDocument/2006/math">
+                    <m:d>
+                      <m:dPr>
+                        <m:begChr m:val="|"/>
+                        <m:endChr m:val="|"/>
+                        <m:ctrlPr>
+                          <a:rPr lang="en-US" sz="1800" i="1" u="none" strike="noStrike" baseline="0" smtClean="0">
+                            <a:latin typeface="Cambria Math" panose="02040503050406030204" pitchFamily="18" charset="0"/>
+                            <a:ea typeface="Cambria Math" panose="02040503050406030204" pitchFamily="18" charset="0"/>
+                          </a:rPr>
+                        </m:ctrlPr>
+                      </m:dPr>
+                      <m:e>
+                        <m:r>
+                          <a:rPr lang="en-US" sz="1800" b="0" i="1" u="none" strike="noStrike" baseline="0" smtClean="0">
+                            <a:latin typeface="Cambria Math" panose="02040503050406030204" pitchFamily="18" charset="0"/>
+                            <a:ea typeface="Cambria Math" panose="02040503050406030204" pitchFamily="18" charset="0"/>
+                          </a:rPr>
+                          <m:t>h</m:t>
+                        </m:r>
+                      </m:e>
+                    </m:d>
+                  </m:oMath>
+                </a14:m>
+                <a:r>
+                  <a:rPr lang="en-US" sz="1800" i="1" u="none" strike="noStrike" baseline="0" dirty="0">
+                    <a:latin typeface="Cambria Math" panose="02040503050406030204" pitchFamily="18" charset="0"/>
+                    <a:ea typeface="Cambria Math" panose="02040503050406030204" pitchFamily="18" charset="0"/>
+                  </a:rPr>
+                  <a:t> </a:t>
+                </a:r>
+                <a:r>
+                  <a:rPr lang="en-US" sz="1800" i="0" u="none" strike="noStrike" baseline="0" dirty="0">
+                    <a:latin typeface="Cambria Math" panose="02040503050406030204" pitchFamily="18" charset="0"/>
+                    <a:ea typeface="Cambria Math" panose="02040503050406030204" pitchFamily="18" charset="0"/>
+                  </a:rPr>
+                  <a:t>units if </a:t>
+                </a:r>
+                <a14:m>
+                  <m:oMath xmlns:m="http://schemas.openxmlformats.org/officeDocument/2006/math">
+                    <m:r>
+                      <m:rPr>
+                        <m:sty m:val="p"/>
+                      </m:rPr>
+                      <a:rPr lang="en-US" sz="1800" b="0" i="0" u="none" strike="noStrike" baseline="0" smtClean="0">
+                        <a:latin typeface="Cambria Math" panose="02040503050406030204" pitchFamily="18" charset="0"/>
+                        <a:ea typeface="Cambria Math" panose="02040503050406030204" pitchFamily="18" charset="0"/>
+                      </a:rPr>
+                      <m:t>h</m:t>
+                    </m:r>
+                    <m:r>
+                      <a:rPr lang="en-US" sz="1800" b="0" i="1" u="none" strike="noStrike" baseline="0" smtClean="0">
+                        <a:latin typeface="Cambria Math" panose="02040503050406030204" pitchFamily="18" charset="0"/>
+                        <a:ea typeface="Cambria Math" panose="02040503050406030204" pitchFamily="18" charset="0"/>
+                      </a:rPr>
+                      <m:t>&lt;0</m:t>
+                    </m:r>
+                  </m:oMath>
+                </a14:m>
+                <a:endParaRPr lang="en-US" sz="1800" i="0" u="none" strike="noStrike" baseline="0" dirty="0">
+                  <a:latin typeface="Cambria Math" panose="02040503050406030204" pitchFamily="18" charset="0"/>
+                  <a:ea typeface="Cambria Math" panose="02040503050406030204" pitchFamily="18" charset="0"/>
+                </a:endParaRPr>
+              </a:p>
+              <a:p>
+                <a:pPr algn="l"/>
+                <a:endParaRPr lang="en-US" sz="1800" b="1" i="0" u="none" strike="noStrike" baseline="0" dirty="0">
+                  <a:latin typeface="Cambria Math" panose="02040503050406030204" pitchFamily="18" charset="0"/>
+                  <a:ea typeface="Cambria Math" panose="02040503050406030204" pitchFamily="18" charset="0"/>
+                </a:endParaRPr>
+              </a:p>
+              <a:p>
+                <a:pPr algn="l"/>
+                <a:r>
+                  <a:rPr lang="en-US" sz="1800" b="1" i="0" u="none" strike="noStrike" baseline="0" dirty="0">
+                    <a:latin typeface="Cambria Math" panose="02040503050406030204" pitchFamily="18" charset="0"/>
+                    <a:ea typeface="Cambria Math" panose="02040503050406030204" pitchFamily="18" charset="0"/>
+                  </a:rPr>
+                  <a:t>For </a:t>
+                </a:r>
+                <a:r>
+                  <a:rPr lang="en-US" sz="1800" b="1" i="1" u="none" strike="noStrike" baseline="0" dirty="0">
+                    <a:latin typeface="Cambria Math" panose="02040503050406030204" pitchFamily="18" charset="0"/>
+                    <a:ea typeface="Cambria Math" panose="02040503050406030204" pitchFamily="18" charset="0"/>
+                  </a:rPr>
+                  <a:t>c </a:t>
+                </a:r>
+                <a:r>
+                  <a:rPr lang="en-US" sz="1800" b="1" i="0" u="none" strike="noStrike" baseline="0" dirty="0">
+                    <a:latin typeface="Cambria Math" panose="02040503050406030204" pitchFamily="18" charset="0"/>
+                    <a:ea typeface="Cambria Math" panose="02040503050406030204" pitchFamily="18" charset="0"/>
+                  </a:rPr>
+                  <a:t>+ 1, the graph is scaled:	</a:t>
+                </a:r>
+                <a14:m>
+                  <m:oMath xmlns:m="http://schemas.openxmlformats.org/officeDocument/2006/math">
+                    <m:r>
+                      <a:rPr lang="en-US" sz="1800" b="0" i="1" u="none" strike="noStrike" baseline="0" smtClean="0">
+                        <a:latin typeface="Cambria Math" panose="02040503050406030204" pitchFamily="18" charset="0"/>
+                        <a:ea typeface="Cambria Math" panose="02040503050406030204" pitchFamily="18" charset="0"/>
+                      </a:rPr>
+                      <m:t>𝑦</m:t>
+                    </m:r>
+                    <m:r>
+                      <a:rPr lang="en-US" sz="1800" b="0" i="1" u="none" strike="noStrike" baseline="0" smtClean="0">
+                        <a:latin typeface="Cambria Math" panose="02040503050406030204" pitchFamily="18" charset="0"/>
+                        <a:ea typeface="Cambria Math" panose="02040503050406030204" pitchFamily="18" charset="0"/>
+                      </a:rPr>
+                      <m:t>=</m:t>
+                    </m:r>
+                    <m:r>
+                      <a:rPr lang="en-US" sz="1800" b="0" i="1" u="none" strike="noStrike" baseline="0" smtClean="0">
+                        <a:latin typeface="Cambria Math" panose="02040503050406030204" pitchFamily="18" charset="0"/>
+                        <a:ea typeface="Cambria Math" panose="02040503050406030204" pitchFamily="18" charset="0"/>
+                      </a:rPr>
+                      <m:t>𝑐𝑓</m:t>
+                    </m:r>
+                    <m:d>
+                      <m:dPr>
+                        <m:ctrlPr>
+                          <a:rPr lang="en-US" sz="1800" i="1" u="none" strike="noStrike" baseline="0" smtClean="0">
+                            <a:latin typeface="Cambria Math" panose="02040503050406030204" pitchFamily="18" charset="0"/>
+                            <a:ea typeface="Cambria Math" panose="02040503050406030204" pitchFamily="18" charset="0"/>
+                          </a:rPr>
+                        </m:ctrlPr>
+                      </m:dPr>
+                      <m:e>
+                        <m:r>
+                          <a:rPr lang="en-US" sz="1800" b="0" i="1" u="none" strike="noStrike" baseline="0" smtClean="0">
+                            <a:latin typeface="Cambria Math" panose="02040503050406030204" pitchFamily="18" charset="0"/>
+                            <a:ea typeface="Cambria Math" panose="02040503050406030204" pitchFamily="18" charset="0"/>
+                          </a:rPr>
+                          <m:t>𝑥</m:t>
+                        </m:r>
+                      </m:e>
+                    </m:d>
+                  </m:oMath>
+                </a14:m>
+                <a:r>
+                  <a:rPr lang="en-US" sz="1800" i="0" u="none" strike="noStrike" baseline="0" dirty="0">
+                    <a:latin typeface="Cambria Math" panose="02040503050406030204" pitchFamily="18" charset="0"/>
+                    <a:ea typeface="Cambria Math" panose="02040503050406030204" pitchFamily="18" charset="0"/>
+                  </a:rPr>
+                  <a:t> Stretches the graph of ƒ vertically by a factor of </a:t>
+                </a:r>
+                <a:r>
+                  <a:rPr lang="en-US" sz="1800" i="1" u="none" strike="noStrike" baseline="0" dirty="0">
+                    <a:latin typeface="Cambria Math" panose="02040503050406030204" pitchFamily="18" charset="0"/>
+                    <a:ea typeface="Cambria Math" panose="02040503050406030204" pitchFamily="18" charset="0"/>
+                  </a:rPr>
+                  <a:t>c</a:t>
+                </a:r>
+                <a:r>
+                  <a:rPr lang="en-US" sz="1800" i="0" u="none" strike="noStrike" baseline="0" dirty="0">
+                    <a:latin typeface="Cambria Math" panose="02040503050406030204" pitchFamily="18" charset="0"/>
+                    <a:ea typeface="Cambria Math" panose="02040503050406030204" pitchFamily="18" charset="0"/>
+                  </a:rPr>
+                  <a:t>.</a:t>
+                </a:r>
+              </a:p>
+              <a:p>
+                <a:pPr algn="l"/>
+                <a:r>
+                  <a:rPr lang="en-US" sz="1800" i="1" u="none" strike="noStrike" baseline="0" dirty="0">
+                    <a:latin typeface="Cambria Math" panose="02040503050406030204" pitchFamily="18" charset="0"/>
+                    <a:ea typeface="Cambria Math" panose="02040503050406030204" pitchFamily="18" charset="0"/>
+                  </a:rPr>
+                  <a:t>							</a:t>
+                </a:r>
+                <a14:m>
+                  <m:oMath xmlns:m="http://schemas.openxmlformats.org/officeDocument/2006/math">
+                    <m:r>
+                      <a:rPr lang="en-US" sz="1800" b="0" i="1" u="none" strike="noStrike" baseline="0" smtClean="0">
+                        <a:latin typeface="Cambria Math" panose="02040503050406030204" pitchFamily="18" charset="0"/>
+                        <a:ea typeface="Cambria Math" panose="02040503050406030204" pitchFamily="18" charset="0"/>
+                      </a:rPr>
+                      <m:t>𝑦</m:t>
+                    </m:r>
+                    <m:r>
+                      <a:rPr lang="en-US" sz="1800" b="0" i="1" u="none" strike="noStrike" baseline="0" smtClean="0">
+                        <a:latin typeface="Cambria Math" panose="02040503050406030204" pitchFamily="18" charset="0"/>
+                        <a:ea typeface="Cambria Math" panose="02040503050406030204" pitchFamily="18" charset="0"/>
+                      </a:rPr>
+                      <m:t>=</m:t>
+                    </m:r>
+                    <m:f>
+                      <m:fPr>
+                        <m:ctrlPr>
+                          <a:rPr lang="en-US" sz="1800" i="1" u="none" strike="noStrike" baseline="0" smtClean="0">
+                            <a:latin typeface="Cambria Math" panose="02040503050406030204" pitchFamily="18" charset="0"/>
+                            <a:ea typeface="Cambria Math" panose="02040503050406030204" pitchFamily="18" charset="0"/>
+                          </a:rPr>
+                        </m:ctrlPr>
+                      </m:fPr>
+                      <m:num>
+                        <m:r>
+                          <a:rPr lang="en-US" sz="1800" b="0" i="1" u="none" strike="noStrike" baseline="0" smtClean="0">
+                            <a:latin typeface="Cambria Math" panose="02040503050406030204" pitchFamily="18" charset="0"/>
+                            <a:ea typeface="Cambria Math" panose="02040503050406030204" pitchFamily="18" charset="0"/>
+                          </a:rPr>
+                          <m:t>1</m:t>
+                        </m:r>
+                      </m:num>
+                      <m:den>
+                        <m:r>
+                          <a:rPr lang="en-US" sz="1800" b="0" i="1" u="none" strike="noStrike" baseline="0" smtClean="0">
+                            <a:latin typeface="Cambria Math" panose="02040503050406030204" pitchFamily="18" charset="0"/>
+                            <a:ea typeface="Cambria Math" panose="02040503050406030204" pitchFamily="18" charset="0"/>
+                          </a:rPr>
+                          <m:t>𝑐</m:t>
+                        </m:r>
+                      </m:den>
+                    </m:f>
+                    <m:r>
+                      <a:rPr lang="en-US" sz="1800" b="0" i="1" u="none" strike="noStrike" baseline="0" smtClean="0">
+                        <a:latin typeface="Cambria Math" panose="02040503050406030204" pitchFamily="18" charset="0"/>
+                        <a:ea typeface="Cambria Math" panose="02040503050406030204" pitchFamily="18" charset="0"/>
+                      </a:rPr>
+                      <m:t>𝑓</m:t>
+                    </m:r>
+                    <m:d>
+                      <m:dPr>
+                        <m:ctrlPr>
+                          <a:rPr lang="en-US" sz="1800" i="1" u="none" strike="noStrike" baseline="0" smtClean="0">
+                            <a:latin typeface="Cambria Math" panose="02040503050406030204" pitchFamily="18" charset="0"/>
+                            <a:ea typeface="Cambria Math" panose="02040503050406030204" pitchFamily="18" charset="0"/>
+                          </a:rPr>
+                        </m:ctrlPr>
+                      </m:dPr>
+                      <m:e>
+                        <m:r>
+                          <a:rPr lang="en-US" sz="1800" b="0" i="1" u="none" strike="noStrike" baseline="0" smtClean="0">
+                            <a:latin typeface="Cambria Math" panose="02040503050406030204" pitchFamily="18" charset="0"/>
+                            <a:ea typeface="Cambria Math" panose="02040503050406030204" pitchFamily="18" charset="0"/>
+                          </a:rPr>
+                          <m:t>𝑥</m:t>
+                        </m:r>
+                      </m:e>
+                    </m:d>
+                  </m:oMath>
+                </a14:m>
+                <a:r>
+                  <a:rPr lang="en-US" sz="1800" i="0" u="none" strike="noStrike" baseline="0" dirty="0">
+                    <a:latin typeface="Cambria Math" panose="02040503050406030204" pitchFamily="18" charset="0"/>
+                    <a:ea typeface="Cambria Math" panose="02040503050406030204" pitchFamily="18" charset="0"/>
+                  </a:rPr>
+                  <a:t> Compresses the graph of ƒ vertically by a factor of </a:t>
+                </a:r>
+                <a:r>
+                  <a:rPr lang="en-US" sz="1800" i="1" u="none" strike="noStrike" baseline="0" dirty="0">
+                    <a:latin typeface="Cambria Math" panose="02040503050406030204" pitchFamily="18" charset="0"/>
+                    <a:ea typeface="Cambria Math" panose="02040503050406030204" pitchFamily="18" charset="0"/>
+                  </a:rPr>
+                  <a:t>c</a:t>
+                </a:r>
+                <a:r>
+                  <a:rPr lang="en-US" sz="1800" i="0" u="none" strike="noStrike" baseline="0" dirty="0">
+                    <a:latin typeface="Cambria Math" panose="02040503050406030204" pitchFamily="18" charset="0"/>
+                    <a:ea typeface="Cambria Math" panose="02040503050406030204" pitchFamily="18" charset="0"/>
+                  </a:rPr>
+                  <a:t>.</a:t>
+                </a:r>
+              </a:p>
+              <a:p>
+                <a:pPr algn="l"/>
+                <a:r>
+                  <a:rPr lang="en-US" sz="1800" i="1" u="none" strike="noStrike" baseline="0" dirty="0">
+                    <a:latin typeface="Cambria Math" panose="02040503050406030204" pitchFamily="18" charset="0"/>
+                    <a:ea typeface="Cambria Math" panose="02040503050406030204" pitchFamily="18" charset="0"/>
+                  </a:rPr>
+                  <a:t>							</a:t>
+                </a:r>
+                <a14:m>
+                  <m:oMath xmlns:m="http://schemas.openxmlformats.org/officeDocument/2006/math">
+                    <m:r>
+                      <a:rPr lang="en-US" sz="1800" b="0" i="1" u="none" strike="noStrike" baseline="0" smtClean="0">
+                        <a:latin typeface="Cambria Math" panose="02040503050406030204" pitchFamily="18" charset="0"/>
+                        <a:ea typeface="Cambria Math" panose="02040503050406030204" pitchFamily="18" charset="0"/>
+                      </a:rPr>
+                      <m:t>𝑦</m:t>
+                    </m:r>
+                    <m:r>
+                      <a:rPr lang="en-US" sz="1800" b="0" i="1" u="none" strike="noStrike" baseline="0" smtClean="0">
+                        <a:latin typeface="Cambria Math" panose="02040503050406030204" pitchFamily="18" charset="0"/>
+                        <a:ea typeface="Cambria Math" panose="02040503050406030204" pitchFamily="18" charset="0"/>
+                      </a:rPr>
+                      <m:t>=</m:t>
+                    </m:r>
+                    <m:r>
+                      <a:rPr lang="en-US" sz="1800" b="0" i="1" u="none" strike="noStrike" baseline="0" smtClean="0">
+                        <a:latin typeface="Cambria Math" panose="02040503050406030204" pitchFamily="18" charset="0"/>
+                        <a:ea typeface="Cambria Math" panose="02040503050406030204" pitchFamily="18" charset="0"/>
+                      </a:rPr>
+                      <m:t>𝑓</m:t>
+                    </m:r>
+                    <m:d>
+                      <m:dPr>
+                        <m:ctrlPr>
+                          <a:rPr lang="en-US" sz="1800" i="1" u="none" strike="noStrike" baseline="0" smtClean="0">
+                            <a:latin typeface="Cambria Math" panose="02040503050406030204" pitchFamily="18" charset="0"/>
+                            <a:ea typeface="Cambria Math" panose="02040503050406030204" pitchFamily="18" charset="0"/>
+                          </a:rPr>
+                        </m:ctrlPr>
+                      </m:dPr>
+                      <m:e>
+                        <m:r>
+                          <a:rPr lang="en-US" sz="1800" b="0" i="1" u="none" strike="noStrike" baseline="0" smtClean="0">
+                            <a:latin typeface="Cambria Math" panose="02040503050406030204" pitchFamily="18" charset="0"/>
+                            <a:ea typeface="Cambria Math" panose="02040503050406030204" pitchFamily="18" charset="0"/>
+                          </a:rPr>
+                          <m:t>𝑐𝑥</m:t>
+                        </m:r>
+                      </m:e>
+                    </m:d>
+                  </m:oMath>
+                </a14:m>
+                <a:r>
+                  <a:rPr lang="en-US" sz="1800" i="0" u="none" strike="noStrike" baseline="0" dirty="0">
+                    <a:latin typeface="Cambria Math" panose="02040503050406030204" pitchFamily="18" charset="0"/>
+                    <a:ea typeface="Cambria Math" panose="02040503050406030204" pitchFamily="18" charset="0"/>
+                  </a:rPr>
+                  <a:t> compresses the graph of ƒ horizontally by a factor of </a:t>
+                </a:r>
+                <a:r>
+                  <a:rPr lang="en-US" sz="1800" i="1" u="none" strike="noStrike" baseline="0" dirty="0">
+                    <a:latin typeface="Cambria Math" panose="02040503050406030204" pitchFamily="18" charset="0"/>
+                    <a:ea typeface="Cambria Math" panose="02040503050406030204" pitchFamily="18" charset="0"/>
+                  </a:rPr>
+                  <a:t>c</a:t>
+                </a:r>
+                <a:r>
+                  <a:rPr lang="en-US" sz="1800" i="0" u="none" strike="noStrike" baseline="0" dirty="0">
+                    <a:latin typeface="Cambria Math" panose="02040503050406030204" pitchFamily="18" charset="0"/>
+                    <a:ea typeface="Cambria Math" panose="02040503050406030204" pitchFamily="18" charset="0"/>
+                  </a:rPr>
+                  <a:t>.</a:t>
+                </a:r>
+              </a:p>
+              <a:p>
+                <a:pPr algn="l"/>
+                <a:r>
+                  <a:rPr lang="en-US" sz="1800" i="1" u="none" strike="noStrike" baseline="0" dirty="0">
+                    <a:latin typeface="Cambria Math" panose="02040503050406030204" pitchFamily="18" charset="0"/>
+                    <a:ea typeface="Cambria Math" panose="02040503050406030204" pitchFamily="18" charset="0"/>
+                  </a:rPr>
+                  <a:t>							</a:t>
+                </a:r>
+                <a14:m>
+                  <m:oMath xmlns:m="http://schemas.openxmlformats.org/officeDocument/2006/math">
+                    <m:r>
+                      <a:rPr lang="en-US" sz="1800" b="0" i="1" u="none" strike="noStrike" baseline="0" smtClean="0">
+                        <a:latin typeface="Cambria Math" panose="02040503050406030204" pitchFamily="18" charset="0"/>
+                        <a:ea typeface="Cambria Math" panose="02040503050406030204" pitchFamily="18" charset="0"/>
+                      </a:rPr>
+                      <m:t>𝑦</m:t>
+                    </m:r>
+                    <m:r>
+                      <a:rPr lang="en-US" sz="1800" b="0" i="1" u="none" strike="noStrike" baseline="0" smtClean="0">
+                        <a:latin typeface="Cambria Math" panose="02040503050406030204" pitchFamily="18" charset="0"/>
+                        <a:ea typeface="Cambria Math" panose="02040503050406030204" pitchFamily="18" charset="0"/>
+                      </a:rPr>
+                      <m:t>=</m:t>
+                    </m:r>
+                    <m:r>
+                      <a:rPr lang="en-US" sz="1800" b="0" i="1" u="none" strike="noStrike" baseline="0" smtClean="0">
+                        <a:latin typeface="Cambria Math" panose="02040503050406030204" pitchFamily="18" charset="0"/>
+                        <a:ea typeface="Cambria Math" panose="02040503050406030204" pitchFamily="18" charset="0"/>
+                      </a:rPr>
+                      <m:t>𝑓</m:t>
+                    </m:r>
+                    <m:d>
+                      <m:dPr>
+                        <m:ctrlPr>
+                          <a:rPr lang="en-US" sz="1800" i="1" u="none" strike="noStrike" baseline="0" smtClean="0">
+                            <a:latin typeface="Cambria Math" panose="02040503050406030204" pitchFamily="18" charset="0"/>
+                            <a:ea typeface="Cambria Math" panose="02040503050406030204" pitchFamily="18" charset="0"/>
+                          </a:rPr>
+                        </m:ctrlPr>
+                      </m:dPr>
+                      <m:e>
+                        <m:r>
+                          <a:rPr lang="en-US" sz="1800" b="0" i="1" u="none" strike="noStrike" baseline="0" smtClean="0">
+                            <a:latin typeface="Cambria Math" panose="02040503050406030204" pitchFamily="18" charset="0"/>
+                            <a:ea typeface="Cambria Math" panose="02040503050406030204" pitchFamily="18" charset="0"/>
+                          </a:rPr>
+                          <m:t>𝑥</m:t>
+                        </m:r>
+                        <m:r>
+                          <a:rPr lang="en-US" sz="1800" b="0" i="1" u="none" strike="noStrike" baseline="0" smtClean="0">
+                            <a:latin typeface="Cambria Math" panose="02040503050406030204" pitchFamily="18" charset="0"/>
+                            <a:ea typeface="Cambria Math" panose="02040503050406030204" pitchFamily="18" charset="0"/>
+                          </a:rPr>
+                          <m:t>/</m:t>
+                        </m:r>
+                        <m:r>
+                          <a:rPr lang="en-US" sz="1800" b="0" i="1" u="none" strike="noStrike" baseline="0" smtClean="0">
+                            <a:latin typeface="Cambria Math" panose="02040503050406030204" pitchFamily="18" charset="0"/>
+                            <a:ea typeface="Cambria Math" panose="02040503050406030204" pitchFamily="18" charset="0"/>
+                          </a:rPr>
+                          <m:t>𝑐</m:t>
+                        </m:r>
+                      </m:e>
+                    </m:d>
+                  </m:oMath>
+                </a14:m>
+                <a:r>
+                  <a:rPr lang="en-US" sz="1800" i="0" u="none" strike="noStrike" baseline="0" dirty="0">
+                    <a:latin typeface="Cambria Math" panose="02040503050406030204" pitchFamily="18" charset="0"/>
+                    <a:ea typeface="Cambria Math" panose="02040503050406030204" pitchFamily="18" charset="0"/>
+                  </a:rPr>
+                  <a:t> Stretches the graph of ƒ horizontally by a factor of </a:t>
+                </a:r>
+                <a:r>
+                  <a:rPr lang="en-US" sz="1800" i="1" u="none" strike="noStrike" baseline="0" dirty="0">
+                    <a:latin typeface="Cambria Math" panose="02040503050406030204" pitchFamily="18" charset="0"/>
+                    <a:ea typeface="Cambria Math" panose="02040503050406030204" pitchFamily="18" charset="0"/>
+                  </a:rPr>
+                  <a:t>c</a:t>
+                </a:r>
+                <a:r>
+                  <a:rPr lang="en-US" sz="1800" i="0" u="none" strike="noStrike" baseline="0" dirty="0">
+                    <a:latin typeface="Cambria Math" panose="02040503050406030204" pitchFamily="18" charset="0"/>
+                    <a:ea typeface="Cambria Math" panose="02040503050406030204" pitchFamily="18" charset="0"/>
+                  </a:rPr>
+                  <a:t>.</a:t>
+                </a:r>
+              </a:p>
+              <a:p>
+                <a:pPr algn="l"/>
+                <a:endParaRPr lang="en-US" sz="1800" b="1" i="0" u="none" strike="noStrike" baseline="0" dirty="0">
+                  <a:latin typeface="Cambria Math" panose="02040503050406030204" pitchFamily="18" charset="0"/>
+                  <a:ea typeface="Cambria Math" panose="02040503050406030204" pitchFamily="18" charset="0"/>
+                </a:endParaRPr>
+              </a:p>
+              <a:p>
+                <a:pPr algn="l"/>
+                <a:r>
+                  <a:rPr lang="en-US" sz="1800" b="1" i="0" u="none" strike="noStrike" baseline="0" dirty="0">
+                    <a:latin typeface="Cambria Math" panose="02040503050406030204" pitchFamily="18" charset="0"/>
+                    <a:ea typeface="Cambria Math" panose="02040503050406030204" pitchFamily="18" charset="0"/>
+                  </a:rPr>
+                  <a:t>For </a:t>
+                </a:r>
+                <a:r>
+                  <a:rPr lang="en-US" sz="1800" b="1" i="1" u="none" strike="noStrike" baseline="0" dirty="0">
+                    <a:latin typeface="Cambria Math" panose="02040503050406030204" pitchFamily="18" charset="0"/>
+                    <a:ea typeface="Cambria Math" panose="02040503050406030204" pitchFamily="18" charset="0"/>
+                  </a:rPr>
+                  <a:t>c </a:t>
+                </a:r>
+                <a:r>
+                  <a:rPr lang="en-US" sz="1800" b="1" i="0" u="none" strike="noStrike" baseline="0" dirty="0">
+                    <a:latin typeface="Cambria Math" panose="02040503050406030204" pitchFamily="18" charset="0"/>
+                    <a:ea typeface="Cambria Math" panose="02040503050406030204" pitchFamily="18" charset="0"/>
+                  </a:rPr>
+                  <a:t> 1, the graph is reflected:	</a:t>
+                </a:r>
+                <a14:m>
+                  <m:oMath xmlns:m="http://schemas.openxmlformats.org/officeDocument/2006/math">
+                    <m:r>
+                      <a:rPr lang="en-US" sz="1800" b="0" i="1" u="none" strike="noStrike" baseline="0" smtClean="0">
+                        <a:latin typeface="Cambria Math" panose="02040503050406030204" pitchFamily="18" charset="0"/>
+                        <a:ea typeface="Cambria Math" panose="02040503050406030204" pitchFamily="18" charset="0"/>
+                      </a:rPr>
+                      <m:t>𝑦</m:t>
+                    </m:r>
+                    <m:r>
+                      <a:rPr lang="en-US" sz="1800" b="0" i="1" u="none" strike="noStrike" baseline="0" smtClean="0">
+                        <a:latin typeface="Cambria Math" panose="02040503050406030204" pitchFamily="18" charset="0"/>
+                        <a:ea typeface="Cambria Math" panose="02040503050406030204" pitchFamily="18" charset="0"/>
+                      </a:rPr>
+                      <m:t>=−</m:t>
+                    </m:r>
+                    <m:r>
+                      <a:rPr lang="en-US" sz="1800" b="0" i="1" u="none" strike="noStrike" baseline="0" smtClean="0">
+                        <a:latin typeface="Cambria Math" panose="02040503050406030204" pitchFamily="18" charset="0"/>
+                        <a:ea typeface="Cambria Math" panose="02040503050406030204" pitchFamily="18" charset="0"/>
+                      </a:rPr>
+                      <m:t>𝑓</m:t>
+                    </m:r>
+                    <m:d>
+                      <m:dPr>
+                        <m:ctrlPr>
+                          <a:rPr lang="en-US" sz="1800" i="1" u="none" strike="noStrike" baseline="0" smtClean="0">
+                            <a:latin typeface="Cambria Math" panose="02040503050406030204" pitchFamily="18" charset="0"/>
+                            <a:ea typeface="Cambria Math" panose="02040503050406030204" pitchFamily="18" charset="0"/>
+                          </a:rPr>
+                        </m:ctrlPr>
+                      </m:dPr>
+                      <m:e>
+                        <m:r>
+                          <a:rPr lang="en-US" sz="1800" b="0" i="1" u="none" strike="noStrike" baseline="0" smtClean="0">
+                            <a:latin typeface="Cambria Math" panose="02040503050406030204" pitchFamily="18" charset="0"/>
+                            <a:ea typeface="Cambria Math" panose="02040503050406030204" pitchFamily="18" charset="0"/>
+                          </a:rPr>
+                          <m:t>𝑥</m:t>
+                        </m:r>
+                      </m:e>
+                    </m:d>
+                  </m:oMath>
+                </a14:m>
+                <a:r>
+                  <a:rPr lang="en-US" sz="1800" i="0" u="none" strike="noStrike" baseline="0" dirty="0">
+                    <a:latin typeface="Cambria Math" panose="02040503050406030204" pitchFamily="18" charset="0"/>
+                    <a:ea typeface="Cambria Math" panose="02040503050406030204" pitchFamily="18" charset="0"/>
+                  </a:rPr>
+                  <a:t> Reflects the graph of ƒ across the </a:t>
+                </a:r>
+                <a:r>
+                  <a:rPr lang="en-US" sz="1800" i="1" u="none" strike="noStrike" baseline="0" dirty="0">
+                    <a:latin typeface="Cambria Math" panose="02040503050406030204" pitchFamily="18" charset="0"/>
+                    <a:ea typeface="Cambria Math" panose="02040503050406030204" pitchFamily="18" charset="0"/>
+                  </a:rPr>
+                  <a:t>x</a:t>
+                </a:r>
+                <a:r>
+                  <a:rPr lang="en-US" sz="1800" i="0" u="none" strike="noStrike" baseline="0" dirty="0">
+                    <a:latin typeface="Cambria Math" panose="02040503050406030204" pitchFamily="18" charset="0"/>
+                    <a:ea typeface="Cambria Math" panose="02040503050406030204" pitchFamily="18" charset="0"/>
+                  </a:rPr>
+                  <a:t>-axis.</a:t>
+                </a:r>
+              </a:p>
+              <a:p>
+                <a:pPr algn="l"/>
+                <a:r>
+                  <a:rPr lang="en-US" sz="1800" i="1" u="none" strike="noStrike" baseline="0" dirty="0">
+                    <a:latin typeface="Cambria Math" panose="02040503050406030204" pitchFamily="18" charset="0"/>
+                    <a:ea typeface="Cambria Math" panose="02040503050406030204" pitchFamily="18" charset="0"/>
+                  </a:rPr>
+                  <a:t>							</a:t>
+                </a:r>
+                <a:r>
+                  <a:rPr lang="en-US" sz="1800" u="none" strike="noStrike" baseline="0" dirty="0">
+                    <a:latin typeface="Cambria Math" panose="02040503050406030204" pitchFamily="18" charset="0"/>
+                    <a:ea typeface="Cambria Math" panose="02040503050406030204" pitchFamily="18" charset="0"/>
+                  </a:rPr>
+                  <a:t> </a:t>
+                </a:r>
+                <a14:m>
+                  <m:oMath xmlns:m="http://schemas.openxmlformats.org/officeDocument/2006/math">
+                    <m:r>
+                      <a:rPr lang="en-US" sz="1800" b="0" i="1" u="none" strike="noStrike" baseline="0" smtClean="0">
+                        <a:latin typeface="Cambria Math" panose="02040503050406030204" pitchFamily="18" charset="0"/>
+                        <a:ea typeface="Cambria Math" panose="02040503050406030204" pitchFamily="18" charset="0"/>
+                      </a:rPr>
+                      <m:t>𝑦</m:t>
+                    </m:r>
+                    <m:r>
+                      <a:rPr lang="en-US" sz="1800" b="0" i="1" u="none" strike="noStrike" baseline="0" smtClean="0">
+                        <a:latin typeface="Cambria Math" panose="02040503050406030204" pitchFamily="18" charset="0"/>
+                        <a:ea typeface="Cambria Math" panose="02040503050406030204" pitchFamily="18" charset="0"/>
+                      </a:rPr>
+                      <m:t>=</m:t>
+                    </m:r>
+                    <m:r>
+                      <a:rPr lang="en-US" sz="1800" b="0" i="1" u="none" strike="noStrike" baseline="0" smtClean="0">
+                        <a:latin typeface="Cambria Math" panose="02040503050406030204" pitchFamily="18" charset="0"/>
+                        <a:ea typeface="Cambria Math" panose="02040503050406030204" pitchFamily="18" charset="0"/>
+                      </a:rPr>
+                      <m:t>𝑓</m:t>
+                    </m:r>
+                    <m:d>
+                      <m:dPr>
+                        <m:ctrlPr>
+                          <a:rPr lang="en-US" sz="1800" i="1" u="none" strike="noStrike" baseline="0" smtClean="0">
+                            <a:latin typeface="Cambria Math" panose="02040503050406030204" pitchFamily="18" charset="0"/>
+                            <a:ea typeface="Cambria Math" panose="02040503050406030204" pitchFamily="18" charset="0"/>
+                          </a:rPr>
+                        </m:ctrlPr>
+                      </m:dPr>
+                      <m:e>
+                        <m:r>
+                          <a:rPr lang="en-US" sz="1800" b="0" i="1" u="none" strike="noStrike" baseline="0" smtClean="0">
+                            <a:latin typeface="Cambria Math" panose="02040503050406030204" pitchFamily="18" charset="0"/>
+                            <a:ea typeface="Cambria Math" panose="02040503050406030204" pitchFamily="18" charset="0"/>
+                          </a:rPr>
+                          <m:t>−</m:t>
+                        </m:r>
+                        <m:r>
+                          <a:rPr lang="en-US" sz="1800" b="0" i="1" u="none" strike="noStrike" baseline="0" smtClean="0">
+                            <a:latin typeface="Cambria Math" panose="02040503050406030204" pitchFamily="18" charset="0"/>
+                            <a:ea typeface="Cambria Math" panose="02040503050406030204" pitchFamily="18" charset="0"/>
+                          </a:rPr>
+                          <m:t>𝑥</m:t>
+                        </m:r>
+                      </m:e>
+                    </m:d>
+                  </m:oMath>
+                </a14:m>
+                <a:r>
+                  <a:rPr lang="en-US" sz="1800" i="1" u="none" strike="noStrike" baseline="0" dirty="0">
+                    <a:latin typeface="Cambria Math" panose="02040503050406030204" pitchFamily="18" charset="0"/>
+                    <a:ea typeface="Cambria Math" panose="02040503050406030204" pitchFamily="18" charset="0"/>
+                  </a:rPr>
+                  <a:t> </a:t>
+                </a:r>
+                <a:r>
+                  <a:rPr lang="en-US" sz="1800" i="0" u="none" strike="noStrike" baseline="0" dirty="0">
+                    <a:latin typeface="Cambria Math" panose="02040503050406030204" pitchFamily="18" charset="0"/>
+                    <a:ea typeface="Cambria Math" panose="02040503050406030204" pitchFamily="18" charset="0"/>
+                  </a:rPr>
+                  <a:t>Reflects the graph of ƒ across the </a:t>
+                </a:r>
+                <a:r>
+                  <a:rPr lang="en-US" sz="1800" i="1" u="none" strike="noStrike" baseline="0" dirty="0">
+                    <a:latin typeface="Cambria Math" panose="02040503050406030204" pitchFamily="18" charset="0"/>
+                    <a:ea typeface="Cambria Math" panose="02040503050406030204" pitchFamily="18" charset="0"/>
+                  </a:rPr>
+                  <a:t>y</a:t>
+                </a:r>
+                <a:r>
+                  <a:rPr lang="en-US" sz="1800" i="0" u="none" strike="noStrike" baseline="0" dirty="0">
+                    <a:latin typeface="Cambria Math" panose="02040503050406030204" pitchFamily="18" charset="0"/>
+                    <a:ea typeface="Cambria Math" panose="02040503050406030204" pitchFamily="18" charset="0"/>
+                  </a:rPr>
+                  <a:t>-axis.</a:t>
+                </a:r>
+                <a:endParaRPr lang="en-US" sz="2400" dirty="0">
+                  <a:latin typeface="Cambria Math" panose="02040503050406030204" pitchFamily="18" charset="0"/>
+                  <a:ea typeface="Cambria Math" panose="02040503050406030204" pitchFamily="18" charset="0"/>
+                </a:endParaRPr>
+              </a:p>
+            </p:txBody>
+          </p:sp>
+        </mc:Choice>
+        <mc:Fallback>
+          <p:sp>
+            <p:nvSpPr>
+              <p:cNvPr id="4" name="TextBox 3">
+                <a:extLst>
+                  <a:ext uri="{FF2B5EF4-FFF2-40B4-BE49-F238E27FC236}">
+                    <a16:creationId xmlns:a16="http://schemas.microsoft.com/office/drawing/2014/main" id="{782AC1AE-A5D7-4617-9A2F-CEE67DF71E7A}"/>
+                  </a:ext>
+                </a:extLst>
+              </p:cNvPr>
+              <p:cNvSpPr txBox="1">
+                <a:spLocks noRot="1" noChangeAspect="1" noMove="1" noResize="1" noEditPoints="1" noAdjustHandles="1" noChangeArrowheads="1" noChangeShapeType="1" noTextEdit="1"/>
+              </p:cNvSpPr>
+              <p:nvPr/>
+            </p:nvSpPr>
+            <p:spPr>
+              <a:xfrm>
+                <a:off x="1295401" y="2576945"/>
+                <a:ext cx="9770163" cy="3531929"/>
+              </a:xfrm>
+              <a:prstGeom prst="rect">
+                <a:avLst/>
+              </a:prstGeom>
+              <a:blipFill>
+                <a:blip r:embed="rId2"/>
+                <a:stretch>
+                  <a:fillRect l="-562" t="-1209" b="-1727"/>
+                </a:stretch>
+              </a:blipFill>
+            </p:spPr>
+            <p:txBody>
+              <a:bodyPr/>
+              <a:lstStyle/>
+              <a:p>
+                <a:r>
+                  <a:rPr lang="en-US">
+                    <a:noFill/>
+                  </a:rPr>
+                  <a:t> </a:t>
+                </a:r>
+              </a:p>
+            </p:txBody>
+          </p:sp>
+        </mc:Fallback>
+      </mc:AlternateContent>
+    </p:spTree>
+    <p:extLst>
+      <p:ext uri="{BB962C8B-B14F-4D97-AF65-F5344CB8AC3E}">
+        <p14:creationId xmlns:p14="http://schemas.microsoft.com/office/powerpoint/2010/main" val="599395481"/>
+      </p:ext>
+    </p:extLst>
+  </p:cSld>
+  <p:clrMapOvr>
+    <a:masterClrMapping/>
+  </p:clrMapOvr>
+</p:sld>
+</file>
+
 <file path=ppt/slides/slide8.xml><?xml version="1.0" encoding="utf-8"?>
 <p:sld xmlns:a="http://schemas.openxmlformats.org/drawingml/2006/main" xmlns:r="http://schemas.openxmlformats.org/officeDocument/2006/relationships" xmlns:p="http://schemas.openxmlformats.org/presentationml/2006/main">
   <p:cSld>
@@ -18931,8 +19284,8 @@
           <a:chExt cx="0" cy="0"/>
         </a:xfrm>
       </p:grpSpPr>
-      <mc:AlternateContent xmlns:mc="http://schemas.openxmlformats.org/markup-compatibility/2006" xmlns:a14="http://schemas.microsoft.com/office/drawing/2010/main">
-        <mc:Choice Requires="a14">
+      <mc:AlternateContent xmlns:mc="http://schemas.openxmlformats.org/markup-compatibility/2006">
+        <mc:Choice xmlns:a14="http://schemas.microsoft.com/office/drawing/2010/main" Requires="a14">
           <p:sp>
             <p:nvSpPr>
               <p:cNvPr id="4" name="TextBox 3">
@@ -19096,6 +19449,13 @@
                     <a:ea typeface="Cambria Math" panose="02040503050406030204" pitchFamily="18" charset="0"/>
                   </a:rPr>
                   <a:t>Set c = 1, ƒ(x) = 5x - 3, and L = 2 in the definition of limit. For any given</a:t>
+                </a:r>
+                <a:r>
+                  <a:rPr lang="en-US" dirty="0" smtClean="0">
+                    <a:latin typeface="Cambria Math" panose="02040503050406030204" pitchFamily="18" charset="0"/>
+                    <a:ea typeface="Cambria Math" panose="02040503050406030204" pitchFamily="18" charset="0"/>
+                  </a:rPr>
+                  <a:t> </a:t>
                 </a:r>
                 <a14:m>
                   <m:oMath xmlns:m="http://schemas.openxmlformats.org/officeDocument/2006/math">
@@ -19679,11 +20039,18 @@
                   </m:oMath>
                 </a14:m>
                 <a:r>
+                  <a:rPr lang="en-US" dirty="0" smtClean="0">
+                    <a:latin typeface="Cambria Math" panose="02040503050406030204" pitchFamily="18" charset="0"/>
+                    <a:ea typeface="Cambria Math" panose="02040503050406030204" pitchFamily="18" charset="0"/>
+                  </a:rPr>
+                  <a:t>. </a:t>
+                </a:r>
+                <a:r>
                   <a:rPr lang="en-US" dirty="0">
                     <a:latin typeface="Cambria Math" panose="02040503050406030204" pitchFamily="18" charset="0"/>
                     <a:ea typeface="Cambria Math" panose="02040503050406030204" pitchFamily="18" charset="0"/>
                   </a:rPr>
-                  <a:t>(Figure 2.18). If </a:t>
+                  <a:t>If </a:t>
                 </a:r>
                 <a14:m>
                   <m:oMath xmlns:m="http://schemas.openxmlformats.org/officeDocument/2006/math">
@@ -20284,7 +20651,7 @@
             </p:txBody>
           </p:sp>
         </mc:Choice>
-        <mc:Fallback xmlns="">
+        <mc:Fallback>
           <p:sp>
             <p:nvSpPr>
               <p:cNvPr id="4" name="TextBox 3">
@@ -20308,7 +20675,7 @@
                 <a:avLst/>
               </a:prstGeom>
               <a:blipFill>
-                <a:blip r:embed="rId3"/>
+                <a:blip r:embed="rId2"/>
                 <a:stretch>
                   <a:fillRect l="-543" t="-773" r="-204" b="-773"/>
                 </a:stretch>
